--- a/Topics/01. Introduction-to-ASP.NET-MVC/resources/Introduction to ASP.NET MVC.pptx
+++ b/Topics/01. Introduction-to-ASP.NET-MVC/resources/Introduction to ASP.NET MVC.pptx
@@ -396,7 +396,7 @@
             <a:fld id="{3BF7C7B5-275F-4D1F-9AB4-9255447DBC73}" type="datetimeFigureOut">
               <a:rPr lang="en-US"/>
               <a:pPr/>
-              <a:t>2/1/2016</a:t>
+              <a:t>2/28/2017</a:t>
             </a:fld>
             <a:endParaRPr lang="en-US" dirty="0"/>
           </a:p>
@@ -627,7 +627,7 @@
             <a:fld id="{9B46F231-FB2B-4655-A644-E2477325E686}" type="datetimeFigureOut">
               <a:rPr lang="en-US"/>
               <a:pPr/>
-              <a:t>2/1/2016</a:t>
+              <a:t>2/28/2017</a:t>
             </a:fld>
             <a:endParaRPr lang="en-US" dirty="0"/>
           </a:p>
@@ -703,38 +703,37 @@
           <a:p>
             <a:pPr lvl="0"/>
             <a:r>
-              <a:rPr lang="en-US" noProof="0" smtClean="0"/>
+              <a:rPr lang="en-US" noProof="0"/>
               <a:t>Click to edit Master text styles</a:t>
             </a:r>
           </a:p>
           <a:p>
             <a:pPr lvl="1"/>
             <a:r>
-              <a:rPr lang="en-US" noProof="0" smtClean="0"/>
+              <a:rPr lang="en-US" noProof="0"/>
               <a:t>Second level</a:t>
             </a:r>
           </a:p>
           <a:p>
             <a:pPr lvl="2"/>
             <a:r>
-              <a:rPr lang="en-US" noProof="0" smtClean="0"/>
+              <a:rPr lang="en-US" noProof="0"/>
               <a:t>Third level</a:t>
             </a:r>
           </a:p>
           <a:p>
             <a:pPr lvl="3"/>
             <a:r>
-              <a:rPr lang="en-US" noProof="0" smtClean="0"/>
+              <a:rPr lang="en-US" noProof="0"/>
               <a:t>Fourth level</a:t>
             </a:r>
           </a:p>
           <a:p>
             <a:pPr lvl="4"/>
             <a:r>
-              <a:rPr lang="en-US" noProof="0" smtClean="0"/>
+              <a:rPr lang="en-US" noProof="0"/>
               <a:t>Fifth level</a:t>
             </a:r>
-            <a:endParaRPr lang="en-US" noProof="0"/>
           </a:p>
         </p:txBody>
       </p:sp>
@@ -1202,10 +1201,9 @@
           </a:lstStyle>
           <a:p>
             <a:r>
-              <a:rPr lang="en-US" dirty="0" smtClean="0"/>
+              <a:rPr lang="en-US" dirty="0"/>
               <a:t>Presentation Title</a:t>
             </a:r>
-            <a:endParaRPr lang="en-US" dirty="0"/>
           </a:p>
         </p:txBody>
       </p:sp>
@@ -1266,10 +1264,9 @@
           </a:lstStyle>
           <a:p>
             <a:r>
-              <a:rPr lang="en-US" dirty="0" smtClean="0"/>
+              <a:rPr lang="en-US" dirty="0"/>
               <a:t>Presentation Subtitle</a:t>
             </a:r>
-            <a:endParaRPr lang="en-US" dirty="0"/>
           </a:p>
         </p:txBody>
       </p:sp>
@@ -1372,10 +1369,9 @@
           <a:p>
             <a:pPr lvl="0"/>
             <a:r>
-              <a:rPr lang="en-US" dirty="0" smtClean="0"/>
+              <a:rPr lang="en-US" dirty="0"/>
               <a:t>Author Name</a:t>
             </a:r>
-            <a:endParaRPr lang="en-US" dirty="0"/>
           </a:p>
         </p:txBody>
       </p:sp>
@@ -1451,7 +1447,7 @@
               <a:buNone/>
             </a:pPr>
             <a:r>
-              <a:rPr lang="en-US" sz="1800" b="1" dirty="0" smtClean="0">
+              <a:rPr lang="en-US" sz="1800" b="1" dirty="0">
                 <a:solidFill>
                   <a:srgbClr val="0EFE58"/>
                 </a:solidFill>
@@ -1465,18 +1461,6 @@
               </a:rPr>
               <a:t>Company Name</a:t>
             </a:r>
-            <a:endParaRPr lang="en-US" sz="1800" b="1" dirty="0">
-              <a:solidFill>
-                <a:srgbClr val="0EFE58"/>
-              </a:solidFill>
-              <a:effectLst>
-                <a:outerShdw blurRad="38100" dist="38100" dir="2700000" algn="tl">
-                  <a:srgbClr val="000000">
-                    <a:alpha val="43137"/>
-                  </a:srgbClr>
-                </a:outerShdw>
-              </a:effectLst>
-            </a:endParaRPr>
           </a:p>
         </p:txBody>
       </p:sp>
@@ -1533,7 +1517,7 @@
           <a:p>
             <a:pPr algn="l"/>
             <a:r>
-              <a:rPr lang="en-US" sz="1600" b="1" dirty="0" smtClean="0">
+              <a:rPr lang="en-US" sz="1600" b="1" dirty="0">
                 <a:solidFill>
                   <a:schemeClr val="tx1">
                     <a:lumMod val="50000"/>
@@ -1549,20 +1533,6 @@
               </a:rPr>
               <a:t>Company Web Site</a:t>
             </a:r>
-            <a:endParaRPr lang="en-US" sz="1600" b="1" dirty="0">
-              <a:solidFill>
-                <a:schemeClr val="tx1">
-                  <a:lumMod val="50000"/>
-                </a:schemeClr>
-              </a:solidFill>
-              <a:effectLst>
-                <a:outerShdw blurRad="38100" dist="38100" dir="2700000" algn="tl">
-                  <a:srgbClr val="000000">
-                    <a:alpha val="43137"/>
-                  </a:srgbClr>
-                </a:outerShdw>
-              </a:effectLst>
-            </a:endParaRPr>
           </a:p>
         </p:txBody>
       </p:sp>
@@ -1621,10 +1591,9 @@
           <a:p>
             <a:pPr lvl="0"/>
             <a:r>
-              <a:rPr lang="en-US" dirty="0" smtClean="0"/>
+              <a:rPr lang="en-US" dirty="0"/>
               <a:t>Position</a:t>
             </a:r>
-            <a:endParaRPr lang="en-US" dirty="0"/>
           </a:p>
         </p:txBody>
       </p:sp>
@@ -1683,7 +1652,7 @@
           <a:p>
             <a:pPr lvl="0"/>
             <a:r>
-              <a:rPr lang="en-US" smtClean="0"/>
+              <a:rPr lang="en-US"/>
               <a:t>Web Site</a:t>
             </a:r>
             <a:endParaRPr lang="en-US" dirty="0"/>
@@ -1719,10 +1688,9 @@
           </a:lstStyle>
           <a:p>
             <a:r>
-              <a:rPr lang="en-US" dirty="0" smtClean="0"/>
+              <a:rPr lang="en-US" dirty="0"/>
               <a:t>Insert a Picture Here</a:t>
             </a:r>
-            <a:endParaRPr lang="en-US" dirty="0"/>
           </a:p>
         </p:txBody>
       </p:sp>
@@ -1731,13 +1699,6 @@
   <p:clrMapOvr>
     <a:masterClrMapping/>
   </p:clrMapOvr>
-  <p:timing>
-    <p:tnLst>
-      <p:par>
-        <p:cTn id="1" dur="indefinite" restart="never" nodeType="tmRoot"/>
-      </p:par>
-    </p:tnLst>
-  </p:timing>
 </p:sldLayout>
 </file>
 
@@ -1815,10 +1776,9 @@
           </a:lstStyle>
           <a:p>
             <a:r>
-              <a:rPr lang="en-US" dirty="0" smtClean="0"/>
+              <a:rPr lang="en-US" dirty="0"/>
               <a:t>Slide Title</a:t>
             </a:r>
-            <a:endParaRPr lang="en-US" dirty="0"/>
           </a:p>
         </p:txBody>
       </p:sp>
@@ -1955,38 +1915,37 @@
           <a:p>
             <a:pPr lvl="0"/>
             <a:r>
-              <a:rPr lang="en-US" dirty="0" smtClean="0"/>
+              <a:rPr lang="en-US" dirty="0"/>
               <a:t>First Level</a:t>
             </a:r>
           </a:p>
           <a:p>
             <a:pPr lvl="1"/>
             <a:r>
-              <a:rPr lang="en-US" dirty="0" smtClean="0"/>
+              <a:rPr lang="en-US" dirty="0"/>
               <a:t>Second level</a:t>
             </a:r>
           </a:p>
           <a:p>
             <a:pPr lvl="2"/>
             <a:r>
-              <a:rPr lang="en-US" dirty="0" smtClean="0"/>
+              <a:rPr lang="en-US" dirty="0"/>
               <a:t>Third level</a:t>
             </a:r>
           </a:p>
           <a:p>
             <a:pPr lvl="3"/>
             <a:r>
-              <a:rPr lang="en-US" dirty="0" smtClean="0"/>
+              <a:rPr lang="en-US" dirty="0"/>
               <a:t>Fourth level</a:t>
             </a:r>
           </a:p>
           <a:p>
             <a:pPr lvl="4"/>
             <a:r>
-              <a:rPr lang="en-US" dirty="0" smtClean="0"/>
+              <a:rPr lang="en-US" dirty="0"/>
               <a:t>Fifth level</a:t>
             </a:r>
-            <a:endParaRPr lang="en-US" dirty="0"/>
           </a:p>
         </p:txBody>
       </p:sp>
@@ -2036,13 +1995,6 @@
   <p:clrMapOvr>
     <a:masterClrMapping/>
   </p:clrMapOvr>
-  <p:timing>
-    <p:tnLst>
-      <p:par>
-        <p:cTn id="1" dur="indefinite" restart="never" nodeType="tmRoot"/>
-      </p:par>
-    </p:tnLst>
-  </p:timing>
 </p:sldLayout>
 </file>
 
@@ -2105,10 +2057,9 @@
           </a:lstStyle>
           <a:p>
             <a:r>
-              <a:rPr lang="en-US" dirty="0" smtClean="0"/>
+              <a:rPr lang="en-US" dirty="0"/>
               <a:t>Slide Title</a:t>
             </a:r>
-            <a:endParaRPr lang="en-US" dirty="0"/>
           </a:p>
         </p:txBody>
       </p:sp>
@@ -2275,7 +2226,7 @@
               <a:defRPr/>
             </a:pPr>
             <a:r>
-              <a:rPr kumimoji="0" lang="en-US" sz="3200" b="1" i="0" u="none" strike="noStrike" kern="1200" cap="none" spc="0" normalizeH="0" baseline="0" noProof="0" dirty="0" smtClean="0">
+              <a:rPr kumimoji="0" lang="en-US" sz="3200" b="1" i="0" u="none" strike="noStrike" kern="1200" cap="none" spc="0" normalizeH="0" baseline="0" noProof="0" dirty="0">
                 <a:ln>
                   <a:noFill/>
                 </a:ln>
@@ -2359,65 +2310,65 @@
           <a:p>
             <a:pPr lvl="0"/>
             <a:r>
-              <a:rPr lang="en-US" noProof="1" smtClean="0"/>
+              <a:rPr lang="en-US" noProof="1"/>
               <a:t>Enter source code here</a:t>
             </a:r>
           </a:p>
           <a:p>
             <a:pPr lvl="0"/>
-            <a:endParaRPr lang="en-US" noProof="1" smtClean="0"/>
+            <a:endParaRPr lang="en-US" noProof="1"/>
           </a:p>
           <a:p>
             <a:pPr lvl="0"/>
-            <a:endParaRPr lang="en-US" noProof="1" smtClean="0"/>
+            <a:endParaRPr lang="en-US" noProof="1"/>
           </a:p>
           <a:p>
             <a:pPr lvl="0"/>
-            <a:endParaRPr lang="en-US" noProof="1" smtClean="0"/>
+            <a:endParaRPr lang="en-US" noProof="1"/>
           </a:p>
           <a:p>
             <a:pPr lvl="0"/>
-            <a:endParaRPr lang="en-US" noProof="1" smtClean="0"/>
+            <a:endParaRPr lang="en-US" noProof="1"/>
           </a:p>
           <a:p>
             <a:pPr lvl="0"/>
-            <a:endParaRPr lang="en-US" noProof="1" smtClean="0"/>
+            <a:endParaRPr lang="en-US" noProof="1"/>
           </a:p>
           <a:p>
             <a:pPr lvl="0"/>
-            <a:endParaRPr lang="en-US" noProof="1" smtClean="0"/>
+            <a:endParaRPr lang="en-US" noProof="1"/>
           </a:p>
           <a:p>
             <a:pPr lvl="0"/>
-            <a:endParaRPr lang="en-US" noProof="1" smtClean="0"/>
+            <a:endParaRPr lang="en-US" noProof="1"/>
           </a:p>
           <a:p>
             <a:pPr lvl="0"/>
-            <a:endParaRPr lang="en-US" noProof="1" smtClean="0"/>
+            <a:endParaRPr lang="en-US" noProof="1"/>
           </a:p>
           <a:p>
             <a:pPr lvl="0"/>
-            <a:endParaRPr lang="en-US" noProof="1" smtClean="0"/>
+            <a:endParaRPr lang="en-US" noProof="1"/>
           </a:p>
           <a:p>
             <a:pPr lvl="0"/>
-            <a:endParaRPr lang="en-US" noProof="1" smtClean="0"/>
+            <a:endParaRPr lang="en-US" noProof="1"/>
           </a:p>
           <a:p>
             <a:pPr lvl="0"/>
-            <a:endParaRPr lang="en-US" noProof="1" smtClean="0"/>
+            <a:endParaRPr lang="en-US" noProof="1"/>
           </a:p>
           <a:p>
             <a:pPr lvl="0"/>
-            <a:endParaRPr lang="en-US" noProof="1" smtClean="0"/>
+            <a:endParaRPr lang="en-US" noProof="1"/>
           </a:p>
           <a:p>
             <a:pPr lvl="0"/>
-            <a:endParaRPr lang="en-US" noProof="1" smtClean="0"/>
+            <a:endParaRPr lang="en-US" noProof="1"/>
           </a:p>
           <a:p>
             <a:pPr lvl="0"/>
-            <a:endParaRPr lang="en-US" noProof="1" smtClean="0"/>
+            <a:endParaRPr lang="en-US" noProof="1"/>
           </a:p>
         </p:txBody>
       </p:sp>
@@ -2534,10 +2485,9 @@
           </a:lstStyle>
           <a:p>
             <a:r>
-              <a:rPr lang="en-US" dirty="0" smtClean="0"/>
+              <a:rPr lang="en-US" dirty="0"/>
               <a:t>Section Title</a:t>
             </a:r>
-            <a:endParaRPr lang="en-US" dirty="0"/>
           </a:p>
         </p:txBody>
       </p:sp>
@@ -2622,10 +2572,9 @@
           </a:lstStyle>
           <a:p>
             <a:r>
-              <a:rPr lang="en-US" dirty="0" smtClean="0"/>
+              <a:rPr lang="en-US" dirty="0"/>
               <a:t>Section Subtitle</a:t>
             </a:r>
-            <a:endParaRPr lang="en-US" dirty="0"/>
           </a:p>
         </p:txBody>
       </p:sp>
@@ -2634,13 +2583,6 @@
   <p:clrMapOvr>
     <a:masterClrMapping/>
   </p:clrMapOvr>
-  <p:timing>
-    <p:tnLst>
-      <p:par>
-        <p:cTn id="1" dur="indefinite" restart="never" nodeType="tmRoot"/>
-      </p:par>
-    </p:tnLst>
-  </p:timing>
 </p:sldLayout>
 </file>
 
@@ -2709,7 +2651,7 @@
             <a:p>
               <a:pPr lvl="0"/>
               <a:r>
-                <a:rPr lang="bg-BG" sz="200" noProof="1" smtClean="0">
+                <a:rPr lang="bg-BG" sz="200" noProof="1">
                   <a:ln w="0">
                     <a:noFill/>
                   </a:ln>
@@ -2720,15 +2662,6 @@
                 </a:rPr>
                 <a:t>форум програмиране, форум уеб дизайн</a:t>
               </a:r>
-              <a:endParaRPr lang="bg-BG" sz="200" noProof="1">
-                <a:ln w="0">
-                  <a:noFill/>
-                </a:ln>
-                <a:solidFill>
-                  <a:schemeClr val="bg1"/>
-                </a:solidFill>
-                <a:effectLst/>
-              </a:endParaRPr>
             </a:p>
           </p:txBody>
         </p:sp>
@@ -2762,7 +2695,7 @@
                 </a:lnSpc>
               </a:pPr>
               <a:r>
-                <a:rPr lang="bg-BG" sz="200" kern="1200" noProof="1" smtClean="0">
+                <a:rPr lang="bg-BG" sz="200" kern="1200" noProof="1">
                   <a:ln w="0">
                     <a:noFill/>
                   </a:ln>
@@ -2776,18 +2709,6 @@
                 </a:rPr>
                 <a:t>курсове и уроци по програмиране, уеб дизайн – безплатно</a:t>
               </a:r>
-              <a:endParaRPr lang="bg-BG" sz="200" kern="1200" noProof="1">
-                <a:ln w="0">
-                  <a:noFill/>
-                </a:ln>
-                <a:solidFill>
-                  <a:schemeClr val="bg1"/>
-                </a:solidFill>
-                <a:effectLst/>
-                <a:latin typeface="Corbel" pitchFamily="34" charset="0"/>
-                <a:ea typeface="+mn-ea"/>
-                <a:cs typeface="+mn-cs"/>
-              </a:endParaRPr>
             </a:p>
           </p:txBody>
         </p:sp>
@@ -2816,7 +2737,7 @@
             <a:lstStyle/>
             <a:p>
               <a:r>
-                <a:rPr lang="bg-BG" sz="200" kern="1200" noProof="1" smtClean="0">
+                <a:rPr lang="bg-BG" sz="200" kern="1200" noProof="1">
                   <a:ln w="0">
                     <a:noFill/>
                   </a:ln>
@@ -2830,18 +2751,6 @@
                 </a:rPr>
                 <a:t>програмиране за деца – безплатни курсове и уроци</a:t>
               </a:r>
-              <a:endParaRPr lang="bg-BG" sz="200" kern="1200" noProof="1">
-                <a:ln w="0">
-                  <a:noFill/>
-                </a:ln>
-                <a:solidFill>
-                  <a:schemeClr val="bg1"/>
-                </a:solidFill>
-                <a:effectLst/>
-                <a:latin typeface="Corbel" pitchFamily="34" charset="0"/>
-                <a:ea typeface="+mn-ea"/>
-                <a:cs typeface="+mn-cs"/>
-              </a:endParaRPr>
             </a:p>
           </p:txBody>
         </p:sp>
@@ -2878,7 +2787,7 @@
             <a:p>
               <a:pPr lvl="0" algn="l"/>
               <a:r>
-                <a:rPr lang="bg-BG" sz="200" noProof="1" smtClean="0">
+                <a:rPr lang="bg-BG" sz="200" noProof="1">
                   <a:ln w="0">
                     <a:noFill/>
                   </a:ln>
@@ -2889,15 +2798,6 @@
                 </a:rPr>
                 <a:t>безплатен SEO курс - оптимизация за търсачки</a:t>
               </a:r>
-              <a:endParaRPr lang="bg-BG" sz="200" noProof="1">
-                <a:ln w="0">
-                  <a:noFill/>
-                </a:ln>
-                <a:solidFill>
-                  <a:schemeClr val="bg1"/>
-                </a:solidFill>
-                <a:effectLst/>
-              </a:endParaRPr>
             </a:p>
           </p:txBody>
         </p:sp>
@@ -2934,7 +2834,7 @@
             <a:p>
               <a:pPr lvl="0"/>
               <a:r>
-                <a:rPr lang="bg-BG" sz="200" noProof="1" smtClean="0">
+                <a:rPr lang="bg-BG" sz="200" noProof="1">
                   <a:ln w="0">
                     <a:noFill/>
                   </a:ln>
@@ -2945,15 +2845,6 @@
                 </a:rPr>
                 <a:t>уроци по уеб дизайн, HTML, CSS, JavaScript, Photoshop</a:t>
               </a:r>
-              <a:endParaRPr lang="bg-BG" sz="200" noProof="1">
-                <a:ln w="0">
-                  <a:noFill/>
-                </a:ln>
-                <a:solidFill>
-                  <a:schemeClr val="bg1"/>
-                </a:solidFill>
-                <a:effectLst/>
-              </a:endParaRPr>
             </a:p>
           </p:txBody>
         </p:sp>
@@ -2983,7 +2874,7 @@
             <a:p>
               <a:pPr algn="l"/>
               <a:r>
-                <a:rPr lang="bg-BG" sz="200" kern="1200" noProof="1" smtClean="0">
+                <a:rPr lang="bg-BG" sz="200" kern="1200" noProof="1">
                   <a:ln w="0">
                     <a:noFill/>
                   </a:ln>
@@ -2997,18 +2888,6 @@
                 </a:rPr>
                 <a:t>уроци по програмиране и уеб дизайн за ученици</a:t>
               </a:r>
-              <a:endParaRPr lang="bg-BG" sz="200" kern="1200" noProof="1">
-                <a:ln w="0">
-                  <a:noFill/>
-                </a:ln>
-                <a:solidFill>
-                  <a:schemeClr val="bg1"/>
-                </a:solidFill>
-                <a:effectLst/>
-                <a:latin typeface="Corbel" pitchFamily="34" charset="0"/>
-                <a:ea typeface="+mn-ea"/>
-                <a:cs typeface="+mn-cs"/>
-              </a:endParaRPr>
             </a:p>
           </p:txBody>
         </p:sp>
@@ -3045,7 +2924,7 @@
             <a:p>
               <a:pPr lvl="0"/>
               <a:r>
-                <a:rPr lang="bg-BG" sz="200" noProof="1" smtClean="0">
+                <a:rPr lang="bg-BG" sz="200" noProof="1">
                   <a:ln w="0">
                     <a:noFill/>
                   </a:ln>
@@ -3056,15 +2935,6 @@
                 </a:rPr>
                 <a:t>ASP.NET MVC курс – HTML, SQL, C#, .NET, ASP.NET MVC</a:t>
               </a:r>
-              <a:endParaRPr lang="bg-BG" sz="200" noProof="1">
-                <a:ln w="0">
-                  <a:noFill/>
-                </a:ln>
-                <a:solidFill>
-                  <a:schemeClr val="bg1"/>
-                </a:solidFill>
-                <a:effectLst/>
-              </a:endParaRPr>
             </a:p>
           </p:txBody>
         </p:sp>
@@ -3093,7 +2963,7 @@
             <a:lstStyle/>
             <a:p>
               <a:r>
-                <a:rPr lang="bg-BG" sz="200" kern="1200" noProof="1" smtClean="0">
+                <a:rPr lang="bg-BG" sz="200" kern="1200" noProof="1">
                   <a:ln w="0">
                     <a:noFill/>
                   </a:ln>
@@ -3107,18 +2977,6 @@
                 </a:rPr>
                 <a:t>безплатен курс "Разработка на софтуер в cloud среда"</a:t>
               </a:r>
-              <a:endParaRPr lang="bg-BG" sz="200" kern="1200" noProof="1">
-                <a:ln w="0">
-                  <a:noFill/>
-                </a:ln>
-                <a:solidFill>
-                  <a:schemeClr val="bg1"/>
-                </a:solidFill>
-                <a:effectLst/>
-                <a:latin typeface="Corbel" pitchFamily="34" charset="0"/>
-                <a:ea typeface="+mn-ea"/>
-                <a:cs typeface="+mn-cs"/>
-              </a:endParaRPr>
             </a:p>
           </p:txBody>
         </p:sp>
@@ -3155,7 +3013,7 @@
             <a:p>
               <a:pPr lvl="0"/>
               <a:r>
-                <a:rPr lang="bg-BG" sz="200" noProof="1" smtClean="0">
+                <a:rPr lang="bg-BG" sz="200" noProof="1">
                   <a:ln w="0">
                     <a:noFill/>
                   </a:ln>
@@ -3166,15 +3024,6 @@
                 </a:rPr>
                 <a:t>BG Coder - онлайн състезателна система - online judge</a:t>
               </a:r>
-              <a:endParaRPr lang="bg-BG" sz="200" noProof="1">
-                <a:ln w="0">
-                  <a:noFill/>
-                </a:ln>
-                <a:solidFill>
-                  <a:schemeClr val="bg1"/>
-                </a:solidFill>
-                <a:effectLst/>
-              </a:endParaRPr>
             </a:p>
           </p:txBody>
         </p:sp>
@@ -3211,7 +3060,7 @@
             <a:p>
               <a:pPr lvl="0"/>
               <a:r>
-                <a:rPr lang="bg-BG" sz="200" noProof="1" smtClean="0">
+                <a:rPr lang="bg-BG" sz="200" noProof="1">
                   <a:ln w="0">
                     <a:noFill/>
                   </a:ln>
@@ -3222,15 +3071,6 @@
                 </a:rPr>
                 <a:t>курсове и уроци по програмиране, книги – безплатно от Наков</a:t>
               </a:r>
-              <a:endParaRPr lang="bg-BG" sz="200" noProof="1">
-                <a:ln w="0">
-                  <a:noFill/>
-                </a:ln>
-                <a:solidFill>
-                  <a:schemeClr val="bg1"/>
-                </a:solidFill>
-                <a:effectLst/>
-              </a:endParaRPr>
             </a:p>
           </p:txBody>
         </p:sp>
@@ -3259,7 +3099,7 @@
             <a:lstStyle/>
             <a:p>
               <a:r>
-                <a:rPr lang="bg-BG" sz="200" kern="1200" noProof="1" smtClean="0">
+                <a:rPr lang="bg-BG" sz="200" kern="1200" noProof="1">
                   <a:ln w="0">
                     <a:noFill/>
                   </a:ln>
@@ -3273,18 +3113,6 @@
                 </a:rPr>
                 <a:t>безплатен курс "Качествен програмен код"</a:t>
               </a:r>
-              <a:endParaRPr lang="bg-BG" sz="200" kern="1200" noProof="1">
-                <a:ln w="0">
-                  <a:noFill/>
-                </a:ln>
-                <a:solidFill>
-                  <a:schemeClr val="bg1"/>
-                </a:solidFill>
-                <a:effectLst/>
-                <a:latin typeface="Corbel" pitchFamily="34" charset="0"/>
-                <a:ea typeface="+mn-ea"/>
-                <a:cs typeface="+mn-cs"/>
-              </a:endParaRPr>
             </a:p>
           </p:txBody>
         </p:sp>
@@ -3321,7 +3149,7 @@
             <a:p>
               <a:pPr lvl="0"/>
               <a:r>
-                <a:rPr lang="bg-BG" sz="200" noProof="1" smtClean="0">
+                <a:rPr lang="bg-BG" sz="200" noProof="1">
                   <a:ln w="0">
                     <a:noFill/>
                   </a:ln>
@@ -3332,15 +3160,6 @@
                 </a:rPr>
                 <a:t>алго академия – състезателно програмиране, състезания</a:t>
               </a:r>
-              <a:endParaRPr lang="bg-BG" sz="200" noProof="1">
-                <a:ln w="0">
-                  <a:noFill/>
-                </a:ln>
-                <a:solidFill>
-                  <a:schemeClr val="bg1"/>
-                </a:solidFill>
-                <a:effectLst/>
-              </a:endParaRPr>
             </a:p>
           </p:txBody>
         </p:sp>
@@ -3377,7 +3196,7 @@
             <a:p>
               <a:pPr lvl="0"/>
               <a:r>
-                <a:rPr lang="bg-BG" sz="200" noProof="1" smtClean="0">
+                <a:rPr lang="bg-BG" sz="200" noProof="1">
                   <a:ln w="0">
                     <a:noFill/>
                   </a:ln>
@@ -3388,15 +3207,6 @@
                 </a:rPr>
                 <a:t>ASP.NET курс - уеб програмиране, бази данни, C#, .NET, ASP.NET</a:t>
               </a:r>
-              <a:endParaRPr lang="bg-BG" sz="200" noProof="1">
-                <a:ln w="0">
-                  <a:noFill/>
-                </a:ln>
-                <a:solidFill>
-                  <a:schemeClr val="bg1"/>
-                </a:solidFill>
-                <a:effectLst/>
-              </a:endParaRPr>
             </a:p>
           </p:txBody>
         </p:sp>
@@ -3433,7 +3243,7 @@
             <a:p>
               <a:pPr lvl="0" algn="l"/>
               <a:r>
-                <a:rPr lang="bg-BG" sz="200" noProof="1" smtClean="0">
+                <a:rPr lang="bg-BG" sz="200" noProof="1">
                   <a:ln w="0">
                     <a:noFill/>
                   </a:ln>
@@ -3445,7 +3255,7 @@
                 <a:t>курсове и уроци по </a:t>
               </a:r>
               <a:r>
-                <a:rPr lang="bg-BG" sz="200" kern="1200" noProof="1" smtClean="0">
+                <a:rPr lang="bg-BG" sz="200" kern="1200" noProof="1">
                   <a:ln w="0">
                     <a:noFill/>
                   </a:ln>
@@ -3459,18 +3269,6 @@
                 </a:rPr>
                 <a:t>програмиране – Телерик академия</a:t>
               </a:r>
-              <a:endParaRPr lang="bg-BG" sz="200" kern="1200" noProof="1">
-                <a:ln w="0">
-                  <a:noFill/>
-                </a:ln>
-                <a:solidFill>
-                  <a:schemeClr val="bg1"/>
-                </a:solidFill>
-                <a:effectLst/>
-                <a:latin typeface="Corbel" pitchFamily="34" charset="0"/>
-                <a:ea typeface="+mn-ea"/>
-                <a:cs typeface="+mn-cs"/>
-              </a:endParaRPr>
             </a:p>
           </p:txBody>
         </p:sp>
@@ -3507,7 +3305,7 @@
             <a:p>
               <a:pPr lvl="0"/>
               <a:r>
-                <a:rPr lang="bg-BG" sz="200" noProof="1" smtClean="0">
+                <a:rPr lang="bg-BG" sz="200" noProof="1">
                   <a:ln w="0">
                     <a:noFill/>
                   </a:ln>
@@ -3518,15 +3316,6 @@
                 </a:rPr>
                 <a:t>курс мобилни приложения с iPhone, Android, WP7, PhoneGap</a:t>
               </a:r>
-              <a:endParaRPr lang="bg-BG" sz="200" noProof="1">
-                <a:ln w="0">
-                  <a:noFill/>
-                </a:ln>
-                <a:solidFill>
-                  <a:schemeClr val="bg1"/>
-                </a:solidFill>
-                <a:effectLst/>
-              </a:endParaRPr>
             </a:p>
           </p:txBody>
         </p:sp>
@@ -3555,7 +3344,7 @@
             <a:lstStyle/>
             <a:p>
               <a:r>
-                <a:rPr lang="bg-BG" sz="200" kern="1200" noProof="1" smtClean="0">
+                <a:rPr lang="bg-BG" sz="200" kern="1200" noProof="1">
                   <a:ln w="0">
                     <a:noFill/>
                   </a:ln>
@@ -3569,18 +3358,6 @@
                 </a:rPr>
                 <a:t>free C# book, безплатна книга C#, книга Java, книга C#</a:t>
               </a:r>
-              <a:endParaRPr lang="bg-BG" sz="200" kern="1200" noProof="1">
-                <a:ln w="0">
-                  <a:noFill/>
-                </a:ln>
-                <a:solidFill>
-                  <a:schemeClr val="bg1"/>
-                </a:solidFill>
-                <a:effectLst/>
-                <a:latin typeface="Corbel" pitchFamily="34" charset="0"/>
-                <a:ea typeface="+mn-ea"/>
-                <a:cs typeface="+mn-cs"/>
-              </a:endParaRPr>
             </a:p>
           </p:txBody>
         </p:sp>
@@ -3624,7 +3401,7 @@
             <a:p>
               <a:pPr lvl="0"/>
               <a:r>
-                <a:rPr lang="bg-BG" sz="200" noProof="1" smtClean="0">
+                <a:rPr lang="bg-BG" sz="200" noProof="1">
                   <a:ln w="0">
                     <a:noFill/>
                   </a:ln>
@@ -3634,14 +3411,6 @@
                 </a:rPr>
                 <a:t>Дончо Минков - сайт за програмиране</a:t>
               </a:r>
-              <a:endParaRPr lang="bg-BG" sz="200" noProof="1">
-                <a:ln w="0">
-                  <a:noFill/>
-                </a:ln>
-                <a:solidFill>
-                  <a:schemeClr val="bg1"/>
-                </a:solidFill>
-              </a:endParaRPr>
             </a:p>
           </p:txBody>
         </p:sp>
@@ -3671,7 +3440,7 @@
             <a:p>
               <a:pPr algn="l"/>
               <a:r>
-                <a:rPr lang="bg-BG" sz="200" kern="1200" noProof="1" smtClean="0">
+                <a:rPr lang="bg-BG" sz="200" kern="1200" noProof="1">
                   <a:ln w="0">
                     <a:noFill/>
                   </a:ln>
@@ -3685,18 +3454,6 @@
                 </a:rPr>
                 <a:t>Николай Костов - блог за програмиране</a:t>
               </a:r>
-              <a:endParaRPr lang="bg-BG" sz="200" kern="1200" noProof="1">
-                <a:ln w="0">
-                  <a:noFill/>
-                </a:ln>
-                <a:solidFill>
-                  <a:schemeClr val="bg1"/>
-                </a:solidFill>
-                <a:effectLst/>
-                <a:latin typeface="Corbel" pitchFamily="34" charset="0"/>
-                <a:ea typeface="+mn-ea"/>
-                <a:cs typeface="+mn-cs"/>
-              </a:endParaRPr>
             </a:p>
           </p:txBody>
         </p:sp>
@@ -3740,7 +3497,7 @@
             <a:p>
               <a:pPr lvl="0"/>
               <a:r>
-                <a:rPr lang="bg-BG" sz="200" noProof="1" smtClean="0">
+                <a:rPr lang="bg-BG" sz="200" noProof="1">
                   <a:ln w="0">
                     <a:noFill/>
                   </a:ln>
@@ -3750,14 +3507,6 @@
                 </a:rPr>
                 <a:t>C# курс, програмиране, безплатно</a:t>
               </a:r>
-              <a:endParaRPr lang="bg-BG" sz="200" noProof="1">
-                <a:ln w="0">
-                  <a:noFill/>
-                </a:ln>
-                <a:solidFill>
-                  <a:schemeClr val="bg1"/>
-                </a:solidFill>
-              </a:endParaRPr>
             </a:p>
           </p:txBody>
         </p:sp>
@@ -3819,10 +3568,9 @@
           </a:lstStyle>
           <a:p>
             <a:r>
-              <a:rPr lang="en-US" dirty="0" smtClean="0"/>
+              <a:rPr lang="en-US" dirty="0"/>
               <a:t>Presentation Title</a:t>
             </a:r>
-            <a:endParaRPr lang="en-US" dirty="0"/>
           </a:p>
         </p:txBody>
       </p:sp>
@@ -3858,7 +3606,7 @@
           <a:lstStyle/>
           <a:p>
             <a:r>
-              <a:rPr lang="en-US" sz="9600" b="1" dirty="0" smtClean="0">
+              <a:rPr lang="en-US" sz="9600" b="1" dirty="0">
                 <a:solidFill>
                   <a:schemeClr val="tx1">
                     <a:lumMod val="75000"/>
@@ -3870,16 +3618,6 @@
               </a:rPr>
               <a:t>?</a:t>
             </a:r>
-            <a:endParaRPr lang="en-US" sz="9600" b="1" dirty="0">
-              <a:solidFill>
-                <a:schemeClr val="tx1">
-                  <a:lumMod val="75000"/>
-                </a:schemeClr>
-              </a:solidFill>
-              <a:effectLst>
-                <a:reflection blurRad="6350" stA="55000" endA="300" endPos="45500" dir="5400000" sy="-100000" algn="bl" rotWithShape="0"/>
-              </a:effectLst>
-            </a:endParaRPr>
           </a:p>
         </p:txBody>
       </p:sp>
@@ -3915,7 +3653,7 @@
           <a:lstStyle/>
           <a:p>
             <a:r>
-              <a:rPr lang="en-US" sz="8800" dirty="0" smtClean="0">
+              <a:rPr lang="en-US" sz="8800" dirty="0">
                 <a:solidFill>
                   <a:schemeClr val="accent5">
                     <a:lumMod val="60000"/>
@@ -3928,17 +3666,6 @@
               </a:rPr>
               <a:t>?</a:t>
             </a:r>
-            <a:endParaRPr lang="en-US" sz="8800" dirty="0">
-              <a:solidFill>
-                <a:schemeClr val="accent5">
-                  <a:lumMod val="60000"/>
-                  <a:lumOff val="40000"/>
-                </a:schemeClr>
-              </a:solidFill>
-              <a:effectLst>
-                <a:reflection blurRad="6350" stA="55000" endA="300" endPos="45500" dir="5400000" sy="-100000" algn="bl" rotWithShape="0"/>
-              </a:effectLst>
-            </a:endParaRPr>
           </a:p>
         </p:txBody>
       </p:sp>
@@ -3974,7 +3701,7 @@
           <a:lstStyle/>
           <a:p>
             <a:r>
-              <a:rPr lang="en-US" sz="11500" b="1" dirty="0" smtClean="0">
+              <a:rPr lang="en-US" sz="11500" b="1" dirty="0">
                 <a:solidFill>
                   <a:srgbClr val="FF831D"/>
                 </a:solidFill>
@@ -3984,14 +3711,6 @@
               </a:rPr>
               <a:t>?</a:t>
             </a:r>
-            <a:endParaRPr lang="en-US" sz="11500" b="1" dirty="0">
-              <a:solidFill>
-                <a:srgbClr val="FF831D"/>
-              </a:solidFill>
-              <a:effectLst>
-                <a:reflection blurRad="6350" stA="55000" endA="300" endPos="45500" dir="5400000" sy="-100000" algn="bl" rotWithShape="0"/>
-              </a:effectLst>
-            </a:endParaRPr>
           </a:p>
         </p:txBody>
       </p:sp>
@@ -4034,7 +3753,7 @@
           <a:lstStyle/>
           <a:p>
             <a:r>
-              <a:rPr lang="en-US" sz="12800" b="1" dirty="0" smtClean="0">
+              <a:rPr lang="en-US" sz="12800" b="1" dirty="0">
                 <a:ln w="11430"/>
                 <a:gradFill>
                   <a:gsLst>
@@ -4082,52 +3801,6 @@
               </a:rPr>
               <a:t>?</a:t>
             </a:r>
-            <a:endParaRPr lang="en-US" sz="12800" b="1" dirty="0">
-              <a:ln w="11430"/>
-              <a:gradFill>
-                <a:gsLst>
-                  <a:gs pos="0">
-                    <a:schemeClr val="accent6">
-                      <a:tint val="90000"/>
-                      <a:satMod val="120000"/>
-                    </a:schemeClr>
-                  </a:gs>
-                  <a:gs pos="25000">
-                    <a:schemeClr val="accent6">
-                      <a:tint val="93000"/>
-                      <a:satMod val="120000"/>
-                    </a:schemeClr>
-                  </a:gs>
-                  <a:gs pos="50000">
-                    <a:schemeClr val="accent6">
-                      <a:shade val="89000"/>
-                      <a:satMod val="110000"/>
-                    </a:schemeClr>
-                  </a:gs>
-                  <a:gs pos="75000">
-                    <a:schemeClr val="accent6">
-                      <a:tint val="93000"/>
-                      <a:satMod val="120000"/>
-                    </a:schemeClr>
-                  </a:gs>
-                  <a:gs pos="100000">
-                    <a:schemeClr val="accent6">
-                      <a:tint val="90000"/>
-                      <a:satMod val="120000"/>
-                    </a:schemeClr>
-                  </a:gs>
-                </a:gsLst>
-                <a:lin ang="5400000"/>
-              </a:gradFill>
-              <a:effectLst>
-                <a:innerShdw blurRad="63500" dist="50800" dir="8100000">
-                  <a:prstClr val="black">
-                    <a:alpha val="50000"/>
-                  </a:prstClr>
-                </a:innerShdw>
-                <a:reflection blurRad="6350" stA="55000" endA="300" endPos="45500" dir="5400000" sy="-100000" algn="bl" rotWithShape="0"/>
-              </a:effectLst>
-            </a:endParaRPr>
           </a:p>
         </p:txBody>
       </p:sp>
@@ -4163,7 +3836,7 @@
           <a:lstStyle/>
           <a:p>
             <a:r>
-              <a:rPr lang="en-US" sz="5600" dirty="0" smtClean="0">
+              <a:rPr lang="en-US" sz="5600" dirty="0">
                 <a:solidFill>
                   <a:schemeClr val="tx2">
                     <a:lumMod val="75000"/>
@@ -4175,16 +3848,6 @@
               </a:rPr>
               <a:t>?</a:t>
             </a:r>
-            <a:endParaRPr lang="en-US" sz="5600" dirty="0">
-              <a:solidFill>
-                <a:schemeClr val="tx2">
-                  <a:lumMod val="75000"/>
-                </a:schemeClr>
-              </a:solidFill>
-              <a:effectLst>
-                <a:reflection blurRad="6350" stA="55000" endA="300" endPos="45500" dir="5400000" sy="-100000" algn="bl" rotWithShape="0"/>
-              </a:effectLst>
-            </a:endParaRPr>
           </a:p>
         </p:txBody>
       </p:sp>
@@ -4220,7 +3883,7 @@
           <a:lstStyle/>
           <a:p>
             <a:r>
-              <a:rPr lang="en-US" sz="9600" dirty="0" smtClean="0">
+              <a:rPr lang="en-US" sz="9600" dirty="0">
                 <a:solidFill>
                   <a:srgbClr val="FF4A37"/>
                 </a:solidFill>
@@ -4230,14 +3893,6 @@
               </a:rPr>
               <a:t>?</a:t>
             </a:r>
-            <a:endParaRPr lang="en-US" sz="9600" dirty="0">
-              <a:solidFill>
-                <a:srgbClr val="FF4A37"/>
-              </a:solidFill>
-              <a:effectLst>
-                <a:reflection blurRad="6350" stA="60000" endA="900" endPos="60000" dist="29997" dir="5400000" sy="-100000" algn="bl" rotWithShape="0"/>
-              </a:effectLst>
-            </a:endParaRPr>
           </a:p>
         </p:txBody>
       </p:sp>
@@ -4273,7 +3928,7 @@
           <a:lstStyle/>
           <a:p>
             <a:r>
-              <a:rPr lang="en-US" sz="3600" dirty="0" smtClean="0">
+              <a:rPr lang="en-US" sz="3600" dirty="0">
                 <a:solidFill>
                   <a:schemeClr val="tx2">
                     <a:lumMod val="40000"/>
@@ -4286,17 +3941,6 @@
               </a:rPr>
               <a:t>?</a:t>
             </a:r>
-            <a:endParaRPr lang="en-US" sz="3600" dirty="0">
-              <a:solidFill>
-                <a:schemeClr val="tx2">
-                  <a:lumMod val="40000"/>
-                  <a:lumOff val="60000"/>
-                </a:schemeClr>
-              </a:solidFill>
-              <a:effectLst>
-                <a:reflection blurRad="6350" stA="55000" endA="300" endPos="45500" dir="5400000" sy="-100000" algn="bl" rotWithShape="0"/>
-              </a:effectLst>
-            </a:endParaRPr>
           </a:p>
         </p:txBody>
       </p:sp>
@@ -4332,7 +3976,7 @@
           <a:lstStyle/>
           <a:p>
             <a:r>
-              <a:rPr lang="en-US" sz="6600" dirty="0" smtClean="0">
+              <a:rPr lang="en-US" sz="6600" dirty="0">
                 <a:solidFill>
                   <a:srgbClr val="9966FF"/>
                 </a:solidFill>
@@ -4342,14 +3986,6 @@
               </a:rPr>
               <a:t>?</a:t>
             </a:r>
-            <a:endParaRPr lang="en-US" sz="6600" dirty="0">
-              <a:solidFill>
-                <a:srgbClr val="9966FF"/>
-              </a:solidFill>
-              <a:effectLst>
-                <a:reflection blurRad="6350" stA="55000" endA="300" endPos="45500" dir="5400000" sy="-100000" algn="bl" rotWithShape="0"/>
-              </a:effectLst>
-            </a:endParaRPr>
           </a:p>
         </p:txBody>
       </p:sp>
@@ -4388,7 +4024,7 @@
           <a:lstStyle/>
           <a:p>
             <a:r>
-              <a:rPr lang="en-US" sz="4400" dirty="0" smtClean="0">
+              <a:rPr lang="en-US" sz="4400" dirty="0">
                 <a:solidFill>
                   <a:srgbClr val="FF6699"/>
                 </a:solidFill>
@@ -4398,14 +4034,6 @@
               </a:rPr>
               <a:t>?</a:t>
             </a:r>
-            <a:endParaRPr lang="en-US" sz="4400" dirty="0">
-              <a:solidFill>
-                <a:srgbClr val="FF6699"/>
-              </a:solidFill>
-              <a:effectLst>
-                <a:reflection blurRad="6350" stA="55000" endA="300" endPos="45500" dir="5400000" sy="-100000" algn="bl" rotWithShape="0"/>
-              </a:effectLst>
-            </a:endParaRPr>
           </a:p>
         </p:txBody>
       </p:sp>
@@ -4441,7 +4069,7 @@
           <a:lstStyle/>
           <a:p>
             <a:r>
-              <a:rPr lang="en-US" sz="3600" dirty="0" smtClean="0">
+              <a:rPr lang="en-US" sz="3600" dirty="0">
                 <a:solidFill>
                   <a:schemeClr val="tx2">
                     <a:lumMod val="40000"/>
@@ -4454,17 +4082,6 @@
               </a:rPr>
               <a:t>?</a:t>
             </a:r>
-            <a:endParaRPr lang="en-US" sz="3600" dirty="0">
-              <a:solidFill>
-                <a:schemeClr val="tx2">
-                  <a:lumMod val="40000"/>
-                  <a:lumOff val="60000"/>
-                </a:schemeClr>
-              </a:solidFill>
-              <a:effectLst>
-                <a:reflection blurRad="6350" stA="55000" endA="300" endPos="45500" dir="5400000" sy="-100000" algn="bl" rotWithShape="0"/>
-              </a:effectLst>
-            </a:endParaRPr>
           </a:p>
         </p:txBody>
       </p:sp>
@@ -4493,7 +4110,7 @@
           <a:lstStyle/>
           <a:p>
             <a:r>
-              <a:rPr lang="en-US" sz="6000" b="1" dirty="0" smtClean="0">
+              <a:rPr lang="en-US" sz="6000" b="1" dirty="0">
                 <a:ln w="1905"/>
                 <a:gradFill>
                   <a:gsLst>
@@ -4529,40 +4146,6 @@
               </a:rPr>
               <a:t>?</a:t>
             </a:r>
-            <a:endParaRPr lang="en-US" sz="6000" b="1" dirty="0">
-              <a:ln w="1905"/>
-              <a:gradFill>
-                <a:gsLst>
-                  <a:gs pos="0">
-                    <a:schemeClr val="accent6">
-                      <a:shade val="20000"/>
-                      <a:satMod val="200000"/>
-                    </a:schemeClr>
-                  </a:gs>
-                  <a:gs pos="78000">
-                    <a:schemeClr val="accent6">
-                      <a:tint val="90000"/>
-                      <a:shade val="89000"/>
-                      <a:satMod val="220000"/>
-                    </a:schemeClr>
-                  </a:gs>
-                  <a:gs pos="100000">
-                    <a:schemeClr val="accent6">
-                      <a:tint val="12000"/>
-                      <a:satMod val="255000"/>
-                    </a:schemeClr>
-                  </a:gs>
-                </a:gsLst>
-                <a:lin ang="5400000"/>
-              </a:gradFill>
-              <a:effectLst>
-                <a:innerShdw blurRad="69850" dist="43180" dir="5400000">
-                  <a:srgbClr val="000000">
-                    <a:alpha val="65000"/>
-                  </a:srgbClr>
-                </a:innerShdw>
-              </a:effectLst>
-            </a:endParaRPr>
           </a:p>
         </p:txBody>
       </p:sp>
@@ -4598,7 +4181,7 @@
           <a:lstStyle/>
           <a:p>
             <a:r>
-              <a:rPr lang="en-US" sz="4000" dirty="0" smtClean="0">
+              <a:rPr lang="en-US" sz="4000" dirty="0">
                 <a:solidFill>
                   <a:schemeClr val="accent4">
                     <a:lumMod val="60000"/>
@@ -4611,17 +4194,6 @@
               </a:rPr>
               <a:t>?</a:t>
             </a:r>
-            <a:endParaRPr lang="en-US" sz="4000" dirty="0">
-              <a:solidFill>
-                <a:schemeClr val="accent4">
-                  <a:lumMod val="60000"/>
-                  <a:lumOff val="40000"/>
-                </a:schemeClr>
-              </a:solidFill>
-              <a:effectLst>
-                <a:reflection blurRad="6350" stA="55000" endA="300" endPos="45500" dir="5400000" sy="-100000" algn="bl" rotWithShape="0"/>
-              </a:effectLst>
-            </a:endParaRPr>
           </a:p>
         </p:txBody>
       </p:sp>
@@ -4662,7 +4234,7 @@
           <a:lstStyle/>
           <a:p>
             <a:r>
-              <a:rPr lang="en-US" sz="4000" b="1" spc="150" dirty="0" smtClean="0">
+              <a:rPr lang="en-US" sz="4000" b="1" spc="150" dirty="0">
                 <a:ln w="11430"/>
                 <a:solidFill>
                   <a:schemeClr val="accent4">
@@ -4680,22 +4252,6 @@
               </a:rPr>
               <a:t>?</a:t>
             </a:r>
-            <a:endParaRPr lang="en-US" sz="4000" b="1" spc="150" dirty="0">
-              <a:ln w="11430"/>
-              <a:solidFill>
-                <a:schemeClr val="accent4">
-                  <a:lumMod val="60000"/>
-                  <a:lumOff val="40000"/>
-                </a:schemeClr>
-              </a:solidFill>
-              <a:effectLst>
-                <a:outerShdw blurRad="25400" algn="tl" rotWithShape="0">
-                  <a:srgbClr val="000000">
-                    <a:alpha val="43000"/>
-                  </a:srgbClr>
-                </a:outerShdw>
-              </a:effectLst>
-            </a:endParaRPr>
           </a:p>
         </p:txBody>
       </p:sp>
@@ -4724,7 +4280,7 @@
           <a:lstStyle/>
           <a:p>
             <a:r>
-              <a:rPr lang="en-US" sz="3600" b="1" dirty="0" smtClean="0">
+              <a:rPr lang="en-US" sz="3600" b="1" dirty="0">
                 <a:ln w="19050">
                   <a:solidFill>
                     <a:schemeClr val="accent4">
@@ -4813,7 +4369,7 @@
           <a:lstStyle/>
           <a:p>
             <a:r>
-              <a:rPr lang="en-US" sz="4400" dirty="0" smtClean="0">
+              <a:rPr lang="en-US" sz="4400" dirty="0">
                 <a:ln>
                   <a:solidFill>
                     <a:schemeClr val="accent2">
@@ -4834,25 +4390,6 @@
               </a:rPr>
               <a:t>?</a:t>
             </a:r>
-            <a:endParaRPr lang="en-US" sz="4400" dirty="0">
-              <a:ln>
-                <a:solidFill>
-                  <a:schemeClr val="accent2">
-                    <a:lumMod val="40000"/>
-                    <a:lumOff val="60000"/>
-                  </a:schemeClr>
-                </a:solidFill>
-              </a:ln>
-              <a:solidFill>
-                <a:schemeClr val="accent6">
-                  <a:lumMod val="60000"/>
-                  <a:lumOff val="40000"/>
-                </a:schemeClr>
-              </a:solidFill>
-              <a:effectLst>
-                <a:reflection blurRad="6350" stA="55000" endA="300" endPos="45500" dir="5400000" sy="-100000" algn="bl" rotWithShape="0"/>
-              </a:effectLst>
-            </a:endParaRPr>
           </a:p>
         </p:txBody>
       </p:sp>
@@ -4888,7 +4425,7 @@
           <a:lstStyle/>
           <a:p>
             <a:r>
-              <a:rPr lang="en-US" sz="2800" dirty="0" smtClean="0">
+              <a:rPr lang="en-US" sz="2800" dirty="0">
                 <a:ln>
                   <a:solidFill>
                     <a:schemeClr val="tx1">
@@ -4908,24 +4445,6 @@
               </a:rPr>
               <a:t>?</a:t>
             </a:r>
-            <a:endParaRPr lang="en-US" sz="2800" dirty="0">
-              <a:ln>
-                <a:solidFill>
-                  <a:schemeClr val="tx1">
-                    <a:lumMod val="75000"/>
-                  </a:schemeClr>
-                </a:solidFill>
-              </a:ln>
-              <a:solidFill>
-                <a:schemeClr val="accent4">
-                  <a:lumMod val="60000"/>
-                  <a:lumOff val="40000"/>
-                </a:schemeClr>
-              </a:solidFill>
-              <a:effectLst>
-                <a:reflection blurRad="6350" stA="55000" endA="300" endPos="45500" dir="5400000" sy="-100000" algn="bl" rotWithShape="0"/>
-              </a:effectLst>
-            </a:endParaRPr>
           </a:p>
         </p:txBody>
       </p:sp>
@@ -4961,7 +4480,7 @@
           <a:lstStyle/>
           <a:p>
             <a:r>
-              <a:rPr lang="en-US" sz="2800" b="1" dirty="0" smtClean="0">
+              <a:rPr lang="en-US" sz="2800" b="1" dirty="0">
                 <a:ln w="31550" cmpd="sng">
                   <a:solidFill>
                     <a:schemeClr val="tx2">
@@ -5044,7 +4563,7 @@
           <a:lstStyle/>
           <a:p>
             <a:r>
-              <a:rPr lang="en-US" sz="3200" dirty="0" smtClean="0">
+              <a:rPr lang="en-US" sz="3200" dirty="0">
                 <a:ln>
                   <a:solidFill>
                     <a:schemeClr val="accent1">
@@ -5065,25 +4584,6 @@
               </a:rPr>
               <a:t>?</a:t>
             </a:r>
-            <a:endParaRPr lang="en-US" sz="3200" dirty="0">
-              <a:ln>
-                <a:solidFill>
-                  <a:schemeClr val="accent1">
-                    <a:lumMod val="40000"/>
-                    <a:lumOff val="60000"/>
-                  </a:schemeClr>
-                </a:solidFill>
-              </a:ln>
-              <a:solidFill>
-                <a:schemeClr val="accent4">
-                  <a:lumMod val="60000"/>
-                  <a:lumOff val="40000"/>
-                </a:schemeClr>
-              </a:solidFill>
-              <a:effectLst>
-                <a:reflection blurRad="6350" stA="55000" endA="300" endPos="45500" dir="5400000" sy="-100000" algn="bl" rotWithShape="0"/>
-              </a:effectLst>
-            </a:endParaRPr>
           </a:p>
         </p:txBody>
       </p:sp>
@@ -5141,7 +4641,7 @@
               <a:buNone/>
             </a:pPr>
             <a:r>
-              <a:rPr lang="en-US" sz="7600" b="1" spc="150" noProof="0" dirty="0" smtClean="0">
+              <a:rPr lang="en-US" sz="7600" b="1" spc="150" noProof="0" dirty="0">
                 <a:ln w="11430"/>
                 <a:solidFill>
                   <a:schemeClr val="tx1">
@@ -5212,10 +4712,9 @@
           <a:p>
             <a:pPr lvl="0"/>
             <a:r>
-              <a:rPr lang="en-US" dirty="0" smtClean="0"/>
+              <a:rPr lang="en-US" dirty="0"/>
               <a:t>Course web site URL</a:t>
             </a:r>
-            <a:endParaRPr lang="en-US" dirty="0"/>
           </a:p>
         </p:txBody>
       </p:sp>
@@ -5256,7 +4755,7 @@
               </a:lnSpc>
             </a:pPr>
             <a:r>
-              <a:rPr lang="en-US" sz="12000" b="1" dirty="0" smtClean="0">
+              <a:rPr lang="en-US" sz="12000" b="1" dirty="0">
                 <a:solidFill>
                   <a:srgbClr val="FFBF8B"/>
                 </a:solidFill>
@@ -5267,15 +4766,6 @@
               </a:rPr>
               <a:t>?</a:t>
             </a:r>
-            <a:endParaRPr lang="en-US" sz="12000" b="1" dirty="0">
-              <a:solidFill>
-                <a:srgbClr val="FFBF8B"/>
-              </a:solidFill>
-              <a:effectLst>
-                <a:reflection blurRad="6350" stA="55000" endA="300" endPos="45500" dir="5400000" sy="-100000" algn="bl" rotWithShape="0"/>
-              </a:effectLst>
-              <a:latin typeface="Cambria" pitchFamily="18" charset="0"/>
-            </a:endParaRPr>
           </a:p>
         </p:txBody>
       </p:sp>
@@ -5284,13 +4774,6 @@
   <p:clrMapOvr>
     <a:masterClrMapping/>
   </p:clrMapOvr>
-  <p:timing>
-    <p:tnLst>
-      <p:par>
-        <p:cTn id="1" dur="indefinite" restart="never" nodeType="tmRoot"/>
-      </p:par>
-    </p:tnLst>
-  </p:timing>
 </p:sldLayout>
 </file>
 
@@ -5556,13 +5039,6 @@
     <p:sldLayoutId id="2147483689" r:id="rId4"/>
     <p:sldLayoutId id="2147483703" r:id="rId5"/>
   </p:sldLayoutIdLst>
-  <p:timing>
-    <p:tnLst>
-      <p:par>
-        <p:cTn id="1" dur="indefinite" restart="never" nodeType="tmRoot"/>
-      </p:par>
-    </p:tnLst>
-  </p:timing>
   <p:hf hdr="0" ftr="0" dt="0"/>
   <p:txStyles>
     <p:titleStyle>
@@ -6082,20 +5558,15 @@
           <a:p>
             <a:r>
               <a:rPr lang="en-US" dirty="0"/>
-              <a:t>Introduction </a:t>
-            </a:r>
-            <a:r>
-              <a:rPr lang="en-US" dirty="0" smtClean="0"/>
-              <a:t>to</a:t>
+              <a:t>Introduction to</a:t>
             </a:r>
             <a:br>
-              <a:rPr lang="en-US" dirty="0" smtClean="0"/>
+              <a:rPr lang="en-US" dirty="0"/>
             </a:br>
             <a:r>
-              <a:rPr lang="en-US" dirty="0" smtClean="0"/>
+              <a:rPr lang="en-US" dirty="0"/>
               <a:t>ASP.NET MVC</a:t>
             </a:r>
-            <a:endParaRPr lang="en-US" dirty="0"/>
           </a:p>
         </p:txBody>
       </p:sp>
@@ -6843,16 +6314,15 @@
           </a:lstStyle>
           <a:p>
             <a:r>
-              <a:rPr lang="en-US" dirty="0" smtClean="0">
+              <a:rPr lang="en-US" dirty="0">
                 <a:hlinkClick r:id="rId7"/>
               </a:rPr>
               <a:t>http://academy.telerik.com</a:t>
             </a:r>
             <a:r>
-              <a:rPr lang="en-US" dirty="0" smtClean="0"/>
+              <a:rPr lang="en-US" dirty="0"/>
               <a:t> </a:t>
             </a:r>
-            <a:endParaRPr lang="en-US" dirty="0"/>
           </a:p>
         </p:txBody>
       </p:sp>
@@ -7117,10 +6587,9 @@
           </a:lstStyle>
           <a:p>
             <a:r>
-              <a:rPr lang="en-US" dirty="0" smtClean="0"/>
+              <a:rPr lang="en-US" dirty="0"/>
               <a:t>ASP.NET MVC</a:t>
             </a:r>
-            <a:endParaRPr lang="en-US" dirty="0"/>
           </a:p>
         </p:txBody>
       </p:sp>
@@ -7134,13 +6603,6 @@
   <p:clrMapOvr>
     <a:masterClrMapping/>
   </p:clrMapOvr>
-  <p:timing>
-    <p:tnLst>
-      <p:par>
-        <p:cTn id="1" dur="indefinite" restart="never" nodeType="tmRoot"/>
-      </p:par>
-    </p:tnLst>
-  </p:timing>
 </p:sld>
 </file>
 
@@ -7177,10 +6639,9 @@
           <a:lstStyle/>
           <a:p>
             <a:r>
-              <a:rPr lang="en-US" dirty="0" smtClean="0"/>
+              <a:rPr lang="en-US" dirty="0"/>
               <a:t>MVC Frameworks</a:t>
             </a:r>
-            <a:endParaRPr lang="en-US" dirty="0"/>
           </a:p>
         </p:txBody>
       </p:sp>
@@ -7205,52 +6666,44 @@
           <a:lstStyle/>
           <a:p>
             <a:r>
-              <a:rPr lang="en-US" dirty="0" smtClean="0">
+              <a:rPr lang="en-US" dirty="0">
                 <a:hlinkClick r:id="rId2"/>
               </a:rPr>
               <a:t>CakePHP</a:t>
             </a:r>
             <a:r>
-              <a:rPr lang="en-US" dirty="0" smtClean="0"/>
+              <a:rPr lang="en-US" dirty="0"/>
               <a:t> (PHP)</a:t>
             </a:r>
           </a:p>
           <a:p>
             <a:r>
-              <a:rPr lang="en-US" dirty="0" smtClean="0">
+              <a:rPr lang="en-US" dirty="0">
                 <a:hlinkClick r:id="rId3"/>
               </a:rPr>
               <a:t>CodeIgniter</a:t>
             </a:r>
             <a:r>
-              <a:rPr lang="en-US" dirty="0" smtClean="0"/>
+              <a:rPr lang="en-US" dirty="0"/>
               <a:t> (PHP)</a:t>
             </a:r>
           </a:p>
           <a:p>
             <a:r>
-              <a:rPr lang="en-US" dirty="0" smtClean="0">
+              <a:rPr lang="en-US" dirty="0">
                 <a:hlinkClick r:id="rId4"/>
               </a:rPr>
               <a:t>Spring</a:t>
             </a:r>
             <a:r>
-              <a:rPr lang="en-US" dirty="0" smtClean="0"/>
+              <a:rPr lang="en-US" dirty="0"/>
               <a:t> (Java)</a:t>
             </a:r>
           </a:p>
           <a:p>
             <a:r>
-              <a:rPr lang="en-US" dirty="0" smtClean="0"/>
-              <a:t>Perl: Catalyst</a:t>
-            </a:r>
-            <a:r>
               <a:rPr lang="en-US" dirty="0"/>
-              <a:t>, </a:t>
-            </a:r>
-            <a:r>
-              <a:rPr lang="en-US" dirty="0" smtClean="0"/>
-              <a:t>Dancer</a:t>
+              <a:t>Perl: Catalyst, Dancer</a:t>
             </a:r>
           </a:p>
           <a:p>
@@ -7259,22 +6712,14 @@
               <a:t>Python: </a:t>
             </a:r>
             <a:r>
-              <a:rPr lang="en-US" dirty="0" smtClean="0">
+              <a:rPr lang="en-US" dirty="0">
                 <a:hlinkClick r:id="rId5"/>
               </a:rPr>
               <a:t>Django</a:t>
             </a:r>
             <a:r>
               <a:rPr lang="en-US" dirty="0"/>
-              <a:t>, </a:t>
-            </a:r>
-            <a:r>
-              <a:rPr lang="en-US" dirty="0" smtClean="0"/>
-              <a:t>Flask</a:t>
-            </a:r>
-            <a:r>
-              <a:rPr lang="en-US" dirty="0"/>
-              <a:t>, </a:t>
+              <a:t>, Flask, </a:t>
             </a:r>
             <a:r>
               <a:rPr lang="en-US" dirty="0" err="1"/>
@@ -7295,22 +6740,13 @@
             </a:r>
             <a:r>
               <a:rPr lang="en-US" dirty="0"/>
-              <a:t>, Camping, </a:t>
-            </a:r>
-            <a:r>
-              <a:rPr lang="en-US" dirty="0" smtClean="0"/>
-              <a:t>Nitro, Sinatra</a:t>
-            </a:r>
-            <a:endParaRPr lang="en-US" dirty="0"/>
-          </a:p>
-          <a:p>
-            <a:r>
-              <a:rPr lang="en-US" dirty="0" smtClean="0"/>
-              <a:t>JavaScript</a:t>
-            </a:r>
+              <a:t>, Camping, Nitro, Sinatra</a:t>
+            </a:r>
+          </a:p>
+          <a:p>
             <a:r>
               <a:rPr lang="en-US" dirty="0"/>
-              <a:t>: </a:t>
+              <a:t>JavaScript: </a:t>
             </a:r>
             <a:r>
               <a:rPr lang="en-US" dirty="0">
@@ -7323,35 +6759,29 @@
               <a:t>, </a:t>
             </a:r>
             <a:r>
-              <a:rPr lang="en-US" dirty="0" smtClean="0">
+              <a:rPr lang="en-US" dirty="0">
                 <a:hlinkClick r:id="rId8"/>
               </a:rPr>
               <a:t>JavaScriptMVC</a:t>
             </a:r>
             <a:r>
-              <a:rPr lang="en-US" dirty="0" smtClean="0"/>
+              <a:rPr lang="en-US" dirty="0"/>
               <a:t>, </a:t>
             </a:r>
             <a:r>
-              <a:rPr lang="en-US" dirty="0" smtClean="0">
+              <a:rPr lang="en-US" dirty="0">
                 <a:hlinkClick r:id="rId9"/>
               </a:rPr>
               <a:t>Spine</a:t>
             </a:r>
-            <a:endParaRPr lang="en-US" dirty="0" smtClean="0"/>
-          </a:p>
-          <a:p>
-            <a:r>
-              <a:rPr lang="en-US" dirty="0" smtClean="0">
-                <a:hlinkClick r:id="rId10"/>
-              </a:rPr>
-              <a:t>ASP.NET </a:t>
-            </a:r>
+            <a:endParaRPr lang="en-US" dirty="0"/>
+          </a:p>
+          <a:p>
             <a:r>
               <a:rPr lang="en-US" dirty="0">
                 <a:hlinkClick r:id="rId10"/>
               </a:rPr>
-              <a:t>MVC</a:t>
+              <a:t>ASP.NET MVC</a:t>
             </a:r>
             <a:r>
               <a:rPr lang="en-US" dirty="0"/>
@@ -7452,13 +6882,6 @@
   <p:clrMapOvr>
     <a:masterClrMapping/>
   </p:clrMapOvr>
-  <p:timing>
-    <p:tnLst>
-      <p:par>
-        <p:cTn id="1" dur="indefinite" restart="never" nodeType="tmRoot"/>
-      </p:par>
-    </p:tnLst>
-  </p:timing>
 </p:sld>
 </file>
 
@@ -7500,10 +6923,9 @@
           <a:lstStyle/>
           <a:p>
             <a:r>
-              <a:rPr lang="en-US" dirty="0" smtClean="0"/>
+              <a:rPr lang="en-US" dirty="0"/>
               <a:t>ASP.NET MVC</a:t>
             </a:r>
-            <a:endParaRPr lang="en-US" dirty="0"/>
           </a:p>
         </p:txBody>
       </p:sp>
@@ -7626,13 +7048,6 @@
   <p:clrMapOvr>
     <a:masterClrMapping/>
   </p:clrMapOvr>
-  <p:timing>
-    <p:tnLst>
-      <p:par>
-        <p:cTn id="1" dur="indefinite" restart="never" nodeType="tmRoot"/>
-      </p:par>
-    </p:tnLst>
-  </p:timing>
 </p:sld>
 </file>
 
@@ -7669,10 +7084,9 @@
           <a:lstStyle/>
           <a:p>
             <a:r>
-              <a:rPr lang="en-US" dirty="0" smtClean="0"/>
+              <a:rPr lang="en-US" dirty="0"/>
               <a:t>ASP.NET Core</a:t>
             </a:r>
-            <a:endParaRPr lang="en-US" dirty="0"/>
           </a:p>
         </p:txBody>
       </p:sp>
@@ -7866,7 +7280,7 @@
                 <a:buNone/>
                 <a:tabLst/>
               </a:pPr>
-              <a:endParaRPr kumimoji="0" lang="en-US" sz="2200" b="0" i="0" u="none" strike="noStrike" cap="none" normalizeH="0" baseline="0" smtClean="0">
+              <a:endParaRPr kumimoji="0" lang="en-US" sz="2200" b="0" i="0" u="none" strike="noStrike" cap="none" normalizeH="0" baseline="0">
                 <a:solidFill>
                   <a:srgbClr val="00B050"/>
                 </a:solidFill>
@@ -7993,18 +7407,13 @@
             </a:lstStyle>
             <a:p>
               <a:r>
-                <a:rPr lang="en-US" sz="2400" b="1" dirty="0" smtClean="0">
+                <a:rPr lang="en-US" sz="2400" b="1" dirty="0">
                   <a:solidFill>
                     <a:schemeClr val="accent1"/>
                   </a:solidFill>
                 </a:rPr>
                 <a:t>Presentation</a:t>
               </a:r>
-              <a:endParaRPr lang="en-US" sz="2400" b="1" dirty="0">
-                <a:solidFill>
-                  <a:schemeClr val="accent1"/>
-                </a:solidFill>
-              </a:endParaRPr>
             </a:p>
           </p:txBody>
         </p:sp>
@@ -8167,7 +7576,7 @@
                 <a:buNone/>
                 <a:tabLst/>
               </a:pPr>
-              <a:endParaRPr kumimoji="0" lang="en-US" sz="2200" b="0" i="0" u="none" strike="noStrike" cap="none" normalizeH="0" baseline="0" smtClean="0">
+              <a:endParaRPr kumimoji="0" lang="en-US" sz="2200" b="0" i="0" u="none" strike="noStrike" cap="none" normalizeH="0" baseline="0">
                 <a:solidFill>
                   <a:schemeClr val="bg1"/>
                 </a:solidFill>
@@ -8295,18 +7704,13 @@
             <a:p>
               <a:pPr algn="ctr"/>
               <a:r>
-                <a:rPr lang="en-US" sz="2400" b="1" dirty="0" smtClean="0">
+                <a:rPr lang="en-US" sz="2400" b="1" dirty="0">
                   <a:solidFill>
                     <a:schemeClr val="accent2"/>
                   </a:solidFill>
                 </a:rPr>
                 <a:t>Runtime</a:t>
               </a:r>
-              <a:endParaRPr lang="en-US" sz="2400" b="1" dirty="0">
-                <a:solidFill>
-                  <a:schemeClr val="accent2"/>
-                </a:solidFill>
-              </a:endParaRPr>
             </a:p>
           </p:txBody>
         </p:sp>
@@ -8483,7 +7887,7 @@
                 </a:spcAft>
               </a:pPr>
               <a:r>
-                <a:rPr lang="en-US" sz="3600" b="1" dirty="0" smtClean="0">
+                <a:rPr lang="en-US" sz="3600" b="1" dirty="0">
                   <a:gradFill>
                     <a:gsLst>
                       <a:gs pos="0">
@@ -8695,7 +8099,7 @@
                 </a:spcAft>
               </a:pPr>
               <a:r>
-                <a:rPr lang="en-US" sz="3600" b="1" dirty="0" smtClean="0">
+                <a:rPr lang="en-US" sz="3600" b="1" dirty="0">
                   <a:gradFill>
                     <a:gsLst>
                       <a:gs pos="0">
@@ -8721,7 +8125,7 @@
                 </a:spcAft>
               </a:pPr>
               <a:r>
-                <a:rPr lang="en-US" sz="3600" b="1" dirty="0" smtClean="0">
+                <a:rPr lang="en-US" sz="3600" b="1" dirty="0">
                   <a:gradFill>
                     <a:gsLst>
                       <a:gs pos="0">
@@ -8925,7 +8329,7 @@
             </a:lstStyle>
             <a:p>
               <a:pPr algn="ctr" defTabSz="914099"/>
-              <a:endParaRPr lang="en-US" sz="2000" dirty="0" smtClean="0">
+              <a:endParaRPr lang="en-US" sz="2000" dirty="0">
                 <a:solidFill>
                   <a:srgbClr val="FFFFFF"/>
                 </a:solidFill>
@@ -9078,7 +8482,7 @@
             <a:p>
               <a:pPr algn="ctr" defTabSz="914099"/>
               <a:r>
-                <a:rPr lang="en-US" dirty="0" smtClean="0">
+                <a:rPr lang="en-US" dirty="0">
                   <a:solidFill>
                     <a:srgbClr val="FFFFFF"/>
                   </a:solidFill>
@@ -9233,7 +8637,7 @@
             <a:p>
               <a:pPr algn="ctr" defTabSz="914099"/>
               <a:r>
-                <a:rPr lang="en-US" dirty="0" smtClean="0">
+                <a:rPr lang="en-US" dirty="0">
                   <a:solidFill>
                     <a:srgbClr val="FFFFFF"/>
                   </a:solidFill>
@@ -9388,7 +8792,7 @@
             <a:p>
               <a:pPr algn="ctr" defTabSz="914099"/>
               <a:r>
-                <a:rPr lang="en-US" dirty="0" smtClean="0">
+                <a:rPr lang="en-US" dirty="0">
                   <a:solidFill>
                     <a:srgbClr val="FFFFFF"/>
                   </a:solidFill>
@@ -9543,7 +8947,7 @@
             <a:p>
               <a:pPr algn="ctr" defTabSz="914099"/>
               <a:r>
-                <a:rPr lang="en-US" dirty="0" smtClean="0">
+                <a:rPr lang="en-US" dirty="0">
                   <a:solidFill>
                     <a:srgbClr val="FFFFFF"/>
                   </a:solidFill>
@@ -9698,7 +9102,7 @@
             <a:p>
               <a:pPr algn="ctr" defTabSz="914099"/>
               <a:r>
-                <a:rPr lang="en-US" dirty="0" smtClean="0">
+                <a:rPr lang="en-US" dirty="0">
                   <a:solidFill>
                     <a:srgbClr val="FFFFFF"/>
                   </a:solidFill>
@@ -9853,7 +9257,7 @@
             <a:p>
               <a:pPr algn="ctr" defTabSz="914099"/>
               <a:r>
-                <a:rPr lang="en-US" dirty="0" smtClean="0">
+                <a:rPr lang="en-US" dirty="0">
                   <a:solidFill>
                     <a:srgbClr val="FFFFFF"/>
                   </a:solidFill>
@@ -10008,7 +9412,7 @@
             <a:p>
               <a:pPr algn="ctr" defTabSz="914099"/>
               <a:r>
-                <a:rPr lang="en-US" dirty="0" smtClean="0">
+                <a:rPr lang="en-US" dirty="0">
                   <a:solidFill>
                     <a:srgbClr val="FFFFFF"/>
                   </a:solidFill>
@@ -10163,7 +9567,7 @@
             <a:p>
               <a:pPr algn="ctr" defTabSz="914099"/>
               <a:r>
-                <a:rPr lang="en-US" dirty="0" smtClean="0">
+                <a:rPr lang="en-US" dirty="0">
                   <a:solidFill>
                     <a:srgbClr val="FFFFFF"/>
                   </a:solidFill>
@@ -10318,7 +9722,7 @@
             <a:p>
               <a:pPr algn="ctr" defTabSz="914099"/>
               <a:r>
-                <a:rPr lang="en-US" dirty="0" smtClean="0">
+                <a:rPr lang="en-US" dirty="0">
                   <a:solidFill>
                     <a:srgbClr val="FFFFFF"/>
                   </a:solidFill>
@@ -10473,7 +9877,7 @@
             <a:p>
               <a:pPr algn="ctr" defTabSz="914099"/>
               <a:r>
-                <a:rPr lang="en-US" dirty="0" smtClean="0">
+                <a:rPr lang="en-US" dirty="0">
                   <a:solidFill>
                     <a:srgbClr val="FFFFFF"/>
                   </a:solidFill>
@@ -10628,7 +10032,7 @@
             <a:p>
               <a:pPr algn="ctr" defTabSz="914099"/>
               <a:r>
-                <a:rPr lang="en-US" dirty="0" smtClean="0">
+                <a:rPr lang="en-US" dirty="0">
                   <a:solidFill>
                     <a:srgbClr val="FFFFFF"/>
                   </a:solidFill>
@@ -10783,7 +10187,7 @@
             <a:p>
               <a:pPr algn="ctr" defTabSz="914099"/>
               <a:r>
-                <a:rPr lang="en-US" dirty="0" smtClean="0">
+                <a:rPr lang="en-US" dirty="0">
                   <a:solidFill>
                     <a:srgbClr val="FFFFFF"/>
                   </a:solidFill>
@@ -10919,18 +10323,13 @@
             <a:p>
               <a:pPr algn="ctr"/>
               <a:r>
-                <a:rPr lang="en-US" sz="3600" dirty="0" smtClean="0">
+                <a:rPr lang="en-US" sz="3600" dirty="0">
                   <a:solidFill>
                     <a:schemeClr val="bg1"/>
                   </a:solidFill>
                 </a:rPr>
                 <a:t>ASP.NET</a:t>
               </a:r>
-              <a:endParaRPr lang="en-US" sz="3600" dirty="0">
-                <a:solidFill>
-                  <a:schemeClr val="bg1"/>
-                </a:solidFill>
-              </a:endParaRPr>
             </a:p>
           </p:txBody>
         </p:sp>
@@ -11267,26 +10666,13 @@
           <a:lstStyle/>
           <a:p>
             <a:r>
-              <a:rPr lang="en-US" dirty="0" smtClean="0"/>
-              <a:t>Stable </a:t>
-            </a:r>
-            <a:r>
               <a:rPr lang="en-US" dirty="0"/>
-              <a:t>and mature, </a:t>
-            </a:r>
-            <a:r>
-              <a:rPr lang="en-US" dirty="0" smtClean="0"/>
-              <a:t>supported </a:t>
-            </a:r>
+              <a:t>Stable and mature, supported by heaps of third party controls and tools</a:t>
+            </a:r>
+          </a:p>
+          <a:p>
             <a:r>
               <a:rPr lang="en-US" dirty="0"/>
-              <a:t>by heaps of third party controls and tools</a:t>
-            </a:r>
-            <a:endParaRPr lang="en-US" dirty="0" smtClean="0"/>
-          </a:p>
-          <a:p>
-            <a:r>
-              <a:rPr lang="en-US" dirty="0" smtClean="0"/>
               <a:t>Event driven web development</a:t>
             </a:r>
           </a:p>
@@ -11299,19 +10685,15 @@
           </a:p>
           <a:p>
             <a:r>
-              <a:rPr lang="en-US" dirty="0" err="1" smtClean="0"/>
+              <a:rPr lang="en-US" dirty="0" err="1"/>
               <a:t>Viewstate</a:t>
             </a:r>
-            <a:endParaRPr lang="en-US" dirty="0" smtClean="0"/>
-          </a:p>
-          <a:p>
-            <a:r>
-              <a:rPr lang="en-US" dirty="0" smtClean="0"/>
-              <a:t>Less </a:t>
-            </a:r>
+            <a:endParaRPr lang="en-US" dirty="0"/>
+          </a:p>
+          <a:p>
             <a:r>
               <a:rPr lang="en-US" dirty="0"/>
-              <a:t>control over the HTML</a:t>
+              <a:t>Less control over the HTML</a:t>
             </a:r>
           </a:p>
           <a:p>
@@ -11323,11 +10705,7 @@
           <a:p>
             <a:r>
               <a:rPr lang="en-US" dirty="0"/>
-              <a:t>Rapid </a:t>
-            </a:r>
-            <a:r>
-              <a:rPr lang="en-US" dirty="0" smtClean="0"/>
-              <a:t>development</a:t>
+              <a:t>Rapid development</a:t>
             </a:r>
           </a:p>
         </p:txBody>
@@ -11417,13 +10795,6 @@
   <p:clrMapOvr>
     <a:masterClrMapping/>
   </p:clrMapOvr>
-  <p:timing>
-    <p:tnLst>
-      <p:par>
-        <p:cTn id="1" dur="indefinite" restart="never" nodeType="tmRoot"/>
-      </p:par>
-    </p:tnLst>
-  </p:timing>
 </p:sld>
 </file>
 
@@ -11460,10 +10831,9 @@
           <a:lstStyle/>
           <a:p>
             <a:r>
-              <a:rPr lang="en-US" dirty="0" smtClean="0"/>
+              <a:rPr lang="en-US" dirty="0"/>
               <a:t>ASP.NET History</a:t>
             </a:r>
-            <a:endParaRPr lang="en-US" dirty="0"/>
           </a:p>
         </p:txBody>
       </p:sp>
@@ -11488,76 +10858,76 @@
           <a:lstStyle/>
           <a:p>
             <a:r>
-              <a:rPr lang="en-US" dirty="0" smtClean="0"/>
+              <a:rPr lang="en-US" dirty="0"/>
               <a:t>Classic ASP introduced in late 1990's</a:t>
             </a:r>
           </a:p>
           <a:p>
             <a:r>
-              <a:rPr lang="en-US" dirty="0" smtClean="0"/>
+              <a:rPr lang="en-US" dirty="0"/>
               <a:t>ASP.NET 1.0 – 2002 (Web Forms)</a:t>
             </a:r>
           </a:p>
           <a:p>
             <a:r>
-              <a:rPr lang="en-US" dirty="0" smtClean="0"/>
+              <a:rPr lang="en-US" dirty="0"/>
               <a:t> ASP.NET 3.5 – 2008 (First version of MVC)</a:t>
             </a:r>
           </a:p>
           <a:p>
             <a:pPr lvl="1"/>
             <a:r>
-              <a:rPr lang="en-US" dirty="0" smtClean="0"/>
+              <a:rPr lang="en-US" dirty="0"/>
               <a:t>Two more versions in next two years</a:t>
             </a:r>
           </a:p>
           <a:p>
             <a:r>
-              <a:rPr lang="en-US" dirty="0" smtClean="0"/>
+              <a:rPr lang="en-US" dirty="0"/>
               <a:t>ASP.NET 4 – 2010 (VS 2010, MVC 2.0, Razor)</a:t>
             </a:r>
           </a:p>
           <a:p>
             <a:r>
-              <a:rPr lang="en-US" dirty="0" smtClean="0"/>
+              <a:rPr lang="en-US" dirty="0"/>
               <a:t>ASP.NET 4.5 (First version of Web API, VS 2012)</a:t>
             </a:r>
           </a:p>
           <a:p>
             <a:r>
-              <a:rPr lang="en-US" dirty="0" smtClean="0"/>
+              <a:rPr lang="en-US" dirty="0"/>
               <a:t>February 2013 – </a:t>
             </a:r>
             <a:r>
-              <a:rPr lang="en-US" dirty="0" err="1" smtClean="0"/>
+              <a:rPr lang="en-US" dirty="0" err="1"/>
               <a:t>SignalR</a:t>
             </a:r>
-            <a:endParaRPr lang="en-US" dirty="0" smtClean="0"/>
-          </a:p>
-          <a:p>
-            <a:r>
-              <a:rPr lang="en-US" dirty="0" smtClean="0"/>
+            <a:endParaRPr lang="en-US" dirty="0"/>
+          </a:p>
+          <a:p>
+            <a:r>
+              <a:rPr lang="en-US" dirty="0"/>
               <a:t>Autumn 2013 – VS 2013, One ASP.NET, MVC 5</a:t>
             </a:r>
           </a:p>
           <a:p>
             <a:r>
-              <a:rPr lang="en-US" dirty="0" smtClean="0"/>
+              <a:rPr lang="en-US" dirty="0"/>
               <a:t>ASP.NET </a:t>
             </a:r>
             <a:r>
-              <a:rPr lang="en-US" dirty="0" err="1" smtClean="0"/>
+              <a:rPr lang="en-US" dirty="0" err="1"/>
               <a:t>vNext</a:t>
             </a:r>
             <a:r>
-              <a:rPr lang="en-US" dirty="0" smtClean="0"/>
+              <a:rPr lang="en-US" dirty="0"/>
               <a:t> – 2014, Roslyn, Platform </a:t>
             </a:r>
             <a:r>
-              <a:rPr lang="en-US" dirty="0" err="1" smtClean="0"/>
+              <a:rPr lang="en-US" dirty="0" err="1"/>
               <a:t>ind.</a:t>
             </a:r>
-            <a:endParaRPr lang="en-US" dirty="0" smtClean="0"/>
+            <a:endParaRPr lang="en-US" dirty="0"/>
           </a:p>
         </p:txBody>
       </p:sp>
@@ -11638,14 +11008,6 @@
   <p:clrMapOvr>
     <a:masterClrMapping/>
   </p:clrMapOvr>
-  <mc:AlternateContent xmlns:mc="http://schemas.openxmlformats.org/markup-compatibility/2006" xmlns:p14="http://schemas.microsoft.com/office/powerpoint/2010/main">
-    <mc:Choice Requires="p14">
-      <p:transition p14:dur="0"/>
-    </mc:Choice>
-    <mc:Fallback xmlns="">
-      <p:transition/>
-    </mc:Fallback>
-  </mc:AlternateContent>
   <p:timing>
     <p:tnLst>
       <p:par>
@@ -12246,10 +11608,9 @@
           <a:lstStyle/>
           <a:p>
             <a:r>
-              <a:rPr lang="en-US" dirty="0" smtClean="0"/>
+              <a:rPr lang="en-US" dirty="0"/>
               <a:t>One ASP.NET</a:t>
             </a:r>
-            <a:endParaRPr lang="en-US" dirty="0"/>
           </a:p>
         </p:txBody>
       </p:sp>
@@ -12269,26 +11630,26 @@
           <a:lstStyle/>
           <a:p>
             <a:r>
-              <a:rPr lang="en-US" dirty="0" smtClean="0"/>
+              <a:rPr lang="en-US" dirty="0"/>
               <a:t>Web Forms</a:t>
             </a:r>
           </a:p>
           <a:p>
             <a:pPr lvl="1"/>
             <a:r>
-              <a:rPr lang="en-US" dirty="0" smtClean="0"/>
+              <a:rPr lang="en-US" dirty="0"/>
               <a:t>Component-based</a:t>
             </a:r>
           </a:p>
           <a:p>
             <a:r>
-              <a:rPr lang="en-US" dirty="0" smtClean="0"/>
+              <a:rPr lang="en-US" dirty="0"/>
               <a:t>ASP.NET MVC</a:t>
             </a:r>
           </a:p>
           <a:p>
             <a:r>
-              <a:rPr lang="en-US" dirty="0" smtClean="0"/>
+              <a:rPr lang="en-US" dirty="0"/>
               <a:t>Web Pages</a:t>
             </a:r>
           </a:p>
@@ -12296,16 +11657,12 @@
             <a:pPr lvl="1"/>
             <a:r>
               <a:rPr lang="en-US" dirty="0"/>
-              <a:t>Lightweight </a:t>
-            </a:r>
-            <a:r>
-              <a:rPr lang="en-US" dirty="0" smtClean="0"/>
-              <a:t>framework for dynamic content</a:t>
-            </a:r>
-          </a:p>
-          <a:p>
-            <a:r>
-              <a:rPr lang="en-US" dirty="0" smtClean="0"/>
+              <a:t>Lightweight framework for dynamic content</a:t>
+            </a:r>
+          </a:p>
+          <a:p>
+            <a:r>
+              <a:rPr lang="en-US" dirty="0"/>
               <a:t>Web API</a:t>
             </a:r>
           </a:p>
@@ -12321,31 +11678,22 @@
             </a:r>
             <a:r>
               <a:rPr lang="en-US" dirty="0"/>
-              <a:t> Web </a:t>
-            </a:r>
-            <a:r>
-              <a:rPr lang="en-US" dirty="0" smtClean="0"/>
-              <a:t>services</a:t>
-            </a:r>
-          </a:p>
-          <a:p>
-            <a:r>
-              <a:rPr lang="en-US" dirty="0" err="1" smtClean="0"/>
+              <a:t> Web services</a:t>
+            </a:r>
+          </a:p>
+          <a:p>
+            <a:r>
+              <a:rPr lang="en-US" dirty="0" err="1"/>
               <a:t>SignalR</a:t>
             </a:r>
-            <a:endParaRPr lang="en-US" dirty="0" smtClean="0"/>
+            <a:endParaRPr lang="en-US" dirty="0"/>
           </a:p>
           <a:p>
             <a:pPr lvl="1"/>
             <a:r>
-              <a:rPr lang="en-US" dirty="0" smtClean="0"/>
-              <a:t>Real-time client-server </a:t>
-            </a:r>
-            <a:r>
               <a:rPr lang="en-US" dirty="0"/>
-              <a:t>communication</a:t>
-            </a:r>
-            <a:endParaRPr lang="en-US" dirty="0" smtClean="0"/>
+              <a:t>Real-time client-server communication</a:t>
+            </a:r>
           </a:p>
         </p:txBody>
       </p:sp>
@@ -12968,10 +12316,9 @@
           <a:lstStyle/>
           <a:p>
             <a:r>
-              <a:rPr lang="en-US" dirty="0" smtClean="0"/>
+              <a:rPr lang="en-US" dirty="0"/>
               <a:t>ASP.NET MVC</a:t>
             </a:r>
-            <a:endParaRPr lang="en-US" dirty="0"/>
           </a:p>
         </p:txBody>
       </p:sp>
@@ -13004,7 +12351,7 @@
               </a:spcAft>
             </a:pPr>
             <a:r>
-              <a:rPr lang="en-US" dirty="0" smtClean="0"/>
+              <a:rPr lang="en-US" dirty="0"/>
               <a:t>Runs on top of ASP.NET</a:t>
             </a:r>
           </a:p>
@@ -13022,10 +12369,10 @@
               <a:t>Not a replacement for </a:t>
             </a:r>
             <a:r>
-              <a:rPr lang="en-US" dirty="0" err="1" smtClean="0"/>
+              <a:rPr lang="en-US" dirty="0" err="1"/>
               <a:t>WebForms</a:t>
             </a:r>
-            <a:endParaRPr lang="en-US" dirty="0" smtClean="0"/>
+            <a:endParaRPr lang="en-US" dirty="0"/>
           </a:p>
           <a:p>
             <a:pPr lvl="1">
@@ -13037,7 +12384,7 @@
               </a:spcAft>
             </a:pPr>
             <a:r>
-              <a:rPr lang="en-US" dirty="0" smtClean="0"/>
+              <a:rPr lang="en-US" dirty="0"/>
               <a:t>Leverage the benefits of ASP.NET</a:t>
             </a:r>
           </a:p>
@@ -13051,10 +12398,9 @@
               </a:spcAft>
             </a:pPr>
             <a:r>
-              <a:rPr lang="en-US" dirty="0" smtClean="0"/>
+              <a:rPr lang="en-US" dirty="0"/>
               <a:t>Caching, modules, handlers, session state, …</a:t>
             </a:r>
-            <a:endParaRPr lang="en-US" dirty="0"/>
           </a:p>
           <a:p>
             <a:pPr>
@@ -13066,7 +12412,7 @@
               </a:spcAft>
             </a:pPr>
             <a:r>
-              <a:rPr lang="en-US" dirty="0" smtClean="0"/>
+              <a:rPr lang="en-US" dirty="0"/>
               <a:t>Embrace the web</a:t>
             </a:r>
           </a:p>
@@ -13080,7 +12426,7 @@
               </a:spcAft>
             </a:pPr>
             <a:r>
-              <a:rPr lang="en-US" dirty="0" smtClean="0"/>
+              <a:rPr lang="en-US" dirty="0"/>
               <a:t>No illusions of state – no page lifecycle</a:t>
             </a:r>
           </a:p>
@@ -13095,11 +12441,7 @@
             </a:pPr>
             <a:r>
               <a:rPr lang="en-US" sz="2800" dirty="0"/>
-              <a:t>User/SEO friendly </a:t>
-            </a:r>
-            <a:r>
-              <a:rPr lang="en-US" sz="2800" dirty="0" smtClean="0"/>
-              <a:t>URLs, clean HTML 5, SPA</a:t>
+              <a:t>User/SEO friendly URLs, clean HTML 5, SPA</a:t>
             </a:r>
           </a:p>
           <a:p>
@@ -13112,10 +12454,10 @@
               </a:spcAft>
             </a:pPr>
             <a:r>
-              <a:rPr lang="en-US" sz="2800" dirty="0" smtClean="0"/>
+              <a:rPr lang="en-US" sz="2800" dirty="0"/>
               <a:t>Adopt REST concepts</a:t>
             </a:r>
-            <a:endParaRPr lang="en-US" dirty="0" smtClean="0"/>
+            <a:endParaRPr lang="en-US" dirty="0"/>
           </a:p>
           <a:p>
             <a:pPr>
@@ -13127,7 +12469,7 @@
               </a:spcAft>
             </a:pPr>
             <a:r>
-              <a:rPr lang="en-US" dirty="0" smtClean="0"/>
+              <a:rPr lang="en-US" dirty="0"/>
               <a:t>Uses MVC pattern</a:t>
             </a:r>
           </a:p>
@@ -13142,11 +12484,7 @@
             </a:pPr>
             <a:r>
               <a:rPr lang="en-US" sz="2800" dirty="0"/>
-              <a:t>Conventions and </a:t>
-            </a:r>
-            <a:r>
-              <a:rPr lang="en-US" sz="2800" dirty="0" smtClean="0"/>
-              <a:t>Guidance</a:t>
+              <a:t>Conventions and Guidance</a:t>
             </a:r>
           </a:p>
           <a:p>
@@ -13159,7 +12497,7 @@
               </a:spcAft>
             </a:pPr>
             <a:r>
-              <a:rPr lang="en-US" sz="2800" dirty="0" smtClean="0"/>
+              <a:rPr lang="en-US" sz="2800" dirty="0"/>
               <a:t>Separation of concerns</a:t>
             </a:r>
           </a:p>
@@ -13268,13 +12606,6 @@
   <p:clrMapOvr>
     <a:masterClrMapping/>
   </p:clrMapOvr>
-  <p:timing>
-    <p:tnLst>
-      <p:par>
-        <p:cTn id="1" dur="indefinite" restart="never" nodeType="tmRoot"/>
-      </p:par>
-    </p:tnLst>
-  </p:timing>
 </p:sld>
 </file>
 
@@ -13312,13 +12643,8 @@
           <a:p>
             <a:r>
               <a:rPr lang="en-US" dirty="0"/>
-              <a:t>ASP.NET </a:t>
-            </a:r>
-            <a:r>
-              <a:rPr lang="en-US" dirty="0" smtClean="0"/>
-              <a:t>MVC (2)</a:t>
-            </a:r>
-            <a:endParaRPr lang="en-US" dirty="0"/>
+              <a:t>ASP.NET MVC (2)</a:t>
+            </a:r>
           </a:p>
         </p:txBody>
       </p:sp>
@@ -13343,42 +12669,38 @@
           <a:lstStyle/>
           <a:p>
             <a:r>
-              <a:rPr lang="en-US" dirty="0" smtClean="0"/>
+              <a:rPr lang="en-US" dirty="0"/>
               <a:t>Tight control over markup</a:t>
             </a:r>
           </a:p>
           <a:p>
             <a:r>
-              <a:rPr lang="en-US" dirty="0" smtClean="0"/>
+              <a:rPr lang="en-US" dirty="0"/>
               <a:t>Testable</a:t>
             </a:r>
           </a:p>
           <a:p>
             <a:r>
               <a:rPr lang="en-US" dirty="0"/>
-              <a:t>Loosely coupled and </a:t>
-            </a:r>
-            <a:r>
-              <a:rPr lang="en-US" dirty="0" smtClean="0"/>
-              <a:t>extensible</a:t>
-            </a:r>
-          </a:p>
-          <a:p>
-            <a:r>
-              <a:rPr lang="en-US" dirty="0" smtClean="0"/>
+              <a:t>Loosely coupled and extensible</a:t>
+            </a:r>
+          </a:p>
+          <a:p>
+            <a:r>
+              <a:rPr lang="en-US" dirty="0"/>
               <a:t>Convention over configuration</a:t>
             </a:r>
           </a:p>
           <a:p>
             <a:r>
-              <a:rPr lang="en-US" dirty="0" smtClean="0"/>
+              <a:rPr lang="en-US" dirty="0"/>
               <a:t>Razor view engine</a:t>
             </a:r>
           </a:p>
           <a:p>
             <a:pPr lvl="1"/>
             <a:r>
-              <a:rPr lang="en-US" dirty="0" smtClean="0"/>
+              <a:rPr lang="en-US" dirty="0"/>
               <a:t>One of the greatest view engines</a:t>
             </a:r>
           </a:p>
@@ -13389,22 +12711,17 @@
               <a:t>With </a:t>
             </a:r>
             <a:r>
-              <a:rPr lang="en-US" dirty="0" err="1" smtClean="0"/>
+              <a:rPr lang="en-US" dirty="0" err="1"/>
               <a:t>intellisense</a:t>
             </a:r>
             <a:r>
               <a:rPr lang="en-US" dirty="0"/>
-              <a:t>, </a:t>
-            </a:r>
-            <a:r>
-              <a:rPr lang="en-US" dirty="0" smtClean="0"/>
-              <a:t>integrated in Visual Studio</a:t>
-            </a:r>
-            <a:endParaRPr lang="en-US" dirty="0"/>
-          </a:p>
-          <a:p>
-            <a:r>
-              <a:rPr lang="en-US" dirty="0" smtClean="0"/>
+              <a:t>, integrated in Visual Studio</a:t>
+            </a:r>
+          </a:p>
+          <a:p>
+            <a:r>
+              <a:rPr lang="en-US" dirty="0"/>
               <a:t>Reuse of current skills (C#, EF, LINQ, JS, etc.)</a:t>
             </a:r>
           </a:p>
@@ -13519,13 +12836,6 @@
   <p:clrMapOvr>
     <a:masterClrMapping/>
   </p:clrMapOvr>
-  <p:timing>
-    <p:tnLst>
-      <p:par>
-        <p:cTn id="1" dur="indefinite" restart="never" nodeType="tmRoot"/>
-      </p:par>
-    </p:tnLst>
-  </p:timing>
 </p:sld>
 </file>
 
@@ -13562,10 +12872,9 @@
           <a:lstStyle/>
           <a:p>
             <a:r>
-              <a:rPr lang="en-US" dirty="0" smtClean="0"/>
+              <a:rPr lang="en-US" dirty="0"/>
               <a:t>The ASP.NET MVC History</a:t>
             </a:r>
-            <a:endParaRPr lang="en-US" dirty="0"/>
           </a:p>
         </p:txBody>
       </p:sp>
@@ -13599,11 +12908,7 @@
             </a:pPr>
             <a:r>
               <a:rPr lang="en-US" dirty="0"/>
-              <a:t>ASP.NET MVC </a:t>
-            </a:r>
-            <a:r>
-              <a:rPr lang="en-US" dirty="0" smtClean="0"/>
-              <a:t>1.0</a:t>
+              <a:t>ASP.NET MVC 1.0</a:t>
             </a:r>
           </a:p>
           <a:p>
@@ -13617,29 +12922,17 @@
             </a:pPr>
             <a:r>
               <a:rPr lang="en-US" dirty="0"/>
-              <a:t>In February 2007, Scott Guthrie </a:t>
-            </a:r>
-            <a:r>
-              <a:rPr lang="en-US" dirty="0" smtClean="0"/>
-              <a:t>("</a:t>
-            </a:r>
-            <a:r>
-              <a:rPr lang="en-US" dirty="0" smtClean="0">
+              <a:t>In February 2007, Scott Guthrie ("</a:t>
+            </a:r>
+            <a:r>
+              <a:rPr lang="en-US" dirty="0">
                 <a:hlinkClick r:id="rId2"/>
               </a:rPr>
               <a:t>ScottGu</a:t>
             </a:r>
             <a:r>
-              <a:rPr lang="en-US" dirty="0" smtClean="0"/>
-              <a:t>") </a:t>
-            </a:r>
-            <a:r>
               <a:rPr lang="en-US" dirty="0"/>
-              <a:t>of Microsoft sketched out the core of ASP.NET </a:t>
-            </a:r>
-            <a:r>
-              <a:rPr lang="en-US" dirty="0" smtClean="0"/>
-              <a:t>MVC</a:t>
+              <a:t>") of Microsoft sketched out the core of ASP.NET MVC</a:t>
             </a:r>
           </a:p>
           <a:p>
@@ -13652,14 +12945,10 @@
               </a:spcAft>
             </a:pPr>
             <a:r>
-              <a:rPr lang="en-US" dirty="0" smtClean="0"/>
-              <a:t>Released </a:t>
-            </a:r>
-            <a:r>
               <a:rPr lang="en-US" dirty="0"/>
-              <a:t>on 13 March 2009</a:t>
-            </a:r>
-            <a:endParaRPr lang="bg-BG" dirty="0" smtClean="0"/>
+              <a:t>Released on 13 March 2009</a:t>
+            </a:r>
+            <a:endParaRPr lang="bg-BG" dirty="0"/>
           </a:p>
           <a:p>
             <a:pPr>
@@ -13671,15 +12960,15 @@
               </a:spcAft>
             </a:pPr>
             <a:r>
-              <a:rPr lang="en-US" dirty="0" smtClean="0"/>
+              <a:rPr lang="en-US" dirty="0"/>
               <a:t>ASP.NET MVC 2.0 (Areas, </a:t>
             </a:r>
             <a:r>
-              <a:rPr lang="en-US" dirty="0" err="1" smtClean="0"/>
+              <a:rPr lang="en-US" dirty="0" err="1"/>
               <a:t>Async</a:t>
             </a:r>
             <a:r>
-              <a:rPr lang="en-US" dirty="0" smtClean="0"/>
+              <a:rPr lang="en-US" dirty="0"/>
               <a:t>)</a:t>
             </a:r>
           </a:p>
@@ -13693,16 +12982,8 @@
               </a:spcAft>
             </a:pPr>
             <a:r>
-              <a:rPr lang="en-US" dirty="0" smtClean="0"/>
-              <a:t>Released </a:t>
-            </a:r>
-            <a:r>
               <a:rPr lang="en-US" dirty="0"/>
-              <a:t>just one year later, </a:t>
-            </a:r>
-            <a:r>
-              <a:rPr lang="en-US" dirty="0" smtClean="0"/>
-              <a:t>on 10 March 2010</a:t>
+              <a:t>Released just one year later, on 10 March 2010</a:t>
             </a:r>
           </a:p>
           <a:p>
@@ -13715,16 +12996,8 @@
               </a:spcAft>
             </a:pPr>
             <a:r>
-              <a:rPr lang="en-US" dirty="0" smtClean="0"/>
-              <a:t>ASP.NET MVC 3.0 (Razor) – 13 </a:t>
-            </a:r>
-            <a:r>
               <a:rPr lang="en-US" dirty="0"/>
-              <a:t>January </a:t>
-            </a:r>
-            <a:r>
-              <a:rPr lang="en-US" dirty="0" smtClean="0"/>
-              <a:t>2011</a:t>
+              <a:t>ASP.NET MVC 3.0 (Razor) – 13 January 2011</a:t>
             </a:r>
           </a:p>
           <a:p>
@@ -13737,7 +13010,7 @@
               </a:spcAft>
             </a:pPr>
             <a:r>
-              <a:rPr lang="en-US" dirty="0" smtClean="0"/>
+              <a:rPr lang="en-US" dirty="0"/>
               <a:t>ASP.NET MVC 4.0 (Web API) – 15 August 2012</a:t>
             </a:r>
           </a:p>
@@ -13751,16 +13024,8 @@
               </a:spcAft>
             </a:pPr>
             <a:r>
-              <a:rPr lang="en-US" dirty="0" smtClean="0"/>
-              <a:t>ASP.NET MVC 5.0 (Identity) – </a:t>
-            </a:r>
-            <a:r>
               <a:rPr lang="en-US" dirty="0"/>
-              <a:t>17 October </a:t>
-            </a:r>
-            <a:r>
-              <a:rPr lang="en-US" dirty="0" smtClean="0"/>
-              <a:t>2013</a:t>
+              <a:t>ASP.NET MVC 5.0 (Identity) – 17 October 2013</a:t>
             </a:r>
           </a:p>
           <a:p>
@@ -13774,27 +13039,7 @@
             </a:pPr>
             <a:r>
               <a:rPr lang="en-US" dirty="0"/>
-              <a:t>ASP.NET MVC </a:t>
-            </a:r>
-            <a:r>
-              <a:rPr lang="en-US" dirty="0" smtClean="0"/>
-              <a:t>5.2.3 </a:t>
-            </a:r>
-            <a:r>
-              <a:rPr lang="en-US" dirty="0"/>
-              <a:t>–</a:t>
-            </a:r>
-            <a:r>
-              <a:rPr lang="en-US" dirty="0" smtClean="0"/>
-              <a:t> </a:t>
-            </a:r>
-            <a:r>
-              <a:rPr lang="en-US" dirty="0"/>
-              <a:t>9 February </a:t>
-            </a:r>
-            <a:r>
-              <a:rPr lang="en-US" dirty="0" smtClean="0"/>
-              <a:t>2015</a:t>
+              <a:t>ASP.NET MVC 5.2.3 – 9 February 2015</a:t>
             </a:r>
           </a:p>
           <a:p>
@@ -13807,8 +13052,12 @@
               </a:spcAft>
             </a:pPr>
             <a:r>
-              <a:rPr lang="en-US" dirty="0" smtClean="0"/>
-              <a:t>ASP.NET Core 1.0 – Some time in 2016</a:t>
+              <a:rPr lang="en-US" dirty="0"/>
+              <a:t>ASP.NET Core </a:t>
+            </a:r>
+            <a:r>
+              <a:rPr lang="en-US"/>
+              <a:t>1.0 – 2016</a:t>
             </a:r>
             <a:endParaRPr lang="en-US" dirty="0"/>
           </a:p>
@@ -14512,11 +13761,7 @@
           <a:p>
             <a:r>
               <a:rPr lang="en-US" dirty="0"/>
-              <a:t>Each component has one </a:t>
-            </a:r>
-            <a:r>
-              <a:rPr lang="en-US" dirty="0" smtClean="0"/>
-              <a:t>responsibility</a:t>
+              <a:t>Each component has one responsibility</a:t>
             </a:r>
           </a:p>
           <a:p>
@@ -14534,11 +13779,7 @@
             </a:r>
             <a:r>
               <a:rPr lang="en-US" dirty="0"/>
-              <a:t>– Single Responsibility </a:t>
-            </a:r>
-            <a:r>
-              <a:rPr lang="en-US" dirty="0" smtClean="0"/>
-              <a:t>Principle</a:t>
+              <a:t>– Single Responsibility Principle</a:t>
             </a:r>
           </a:p>
           <a:p>
@@ -14562,17 +13803,13 @@
           <a:p>
             <a:r>
               <a:rPr lang="en-US" dirty="0"/>
-              <a:t>More easily </a:t>
-            </a:r>
-            <a:r>
-              <a:rPr lang="en-US" dirty="0" smtClean="0"/>
-              <a:t>testable</a:t>
+              <a:t>More easily testable</a:t>
             </a:r>
           </a:p>
           <a:p>
             <a:pPr lvl="1"/>
             <a:r>
-              <a:rPr lang="en-US" dirty="0" smtClean="0">
+              <a:rPr lang="en-US" dirty="0">
                 <a:solidFill>
                   <a:schemeClr val="accent5">
                     <a:lumMod val="20000"/>
@@ -14583,49 +13820,36 @@
               <a:t>TDD </a:t>
             </a:r>
             <a:r>
-              <a:rPr lang="en-US" dirty="0" smtClean="0"/>
+              <a:rPr lang="en-US" dirty="0"/>
               <a:t>– Test-driven development</a:t>
             </a:r>
           </a:p>
           <a:p>
             <a:r>
               <a:rPr lang="en-US" dirty="0"/>
-              <a:t>Helps with concurrent </a:t>
-            </a:r>
-            <a:r>
-              <a:rPr lang="en-US" dirty="0" smtClean="0"/>
-              <a:t>development</a:t>
+              <a:t>Helps with concurrent development</a:t>
             </a:r>
           </a:p>
           <a:p>
             <a:pPr lvl="1"/>
             <a:r>
-              <a:rPr lang="en-US" dirty="0" smtClean="0"/>
-              <a:t>Performing </a:t>
-            </a:r>
-            <a:r>
               <a:rPr lang="en-US" dirty="0"/>
-              <a:t>tasks </a:t>
-            </a:r>
-            <a:r>
-              <a:rPr lang="en-US" dirty="0" smtClean="0"/>
-              <a:t>concurrently</a:t>
+              <a:t>Performing tasks concurrently</a:t>
             </a:r>
           </a:p>
           <a:p>
             <a:pPr lvl="2"/>
             <a:r>
-              <a:rPr lang="en-US" dirty="0" smtClean="0"/>
+              <a:rPr lang="en-US" dirty="0"/>
               <a:t>One developer works on views</a:t>
             </a:r>
           </a:p>
           <a:p>
             <a:pPr lvl="2"/>
             <a:r>
-              <a:rPr lang="en-US" dirty="0" smtClean="0"/>
+              <a:rPr lang="en-US" dirty="0"/>
               <a:t>Another works on controllers</a:t>
             </a:r>
-            <a:endParaRPr lang="en-US" dirty="0"/>
           </a:p>
         </p:txBody>
       </p:sp>
@@ -14694,13 +13918,6 @@
   <p:clrMapOvr>
     <a:masterClrMapping/>
   </p:clrMapOvr>
-  <p:timing>
-    <p:tnLst>
-      <p:par>
-        <p:cTn id="1" dur="indefinite" restart="never" nodeType="tmRoot"/>
-      </p:par>
-    </p:tnLst>
-  </p:timing>
 </p:sld>
 </file>
 
@@ -14737,7 +13954,7 @@
           <a:lstStyle/>
           <a:p>
             <a:r>
-              <a:rPr lang="en-US" dirty="0" smtClean="0"/>
+              <a:rPr lang="en-US" dirty="0"/>
               <a:t>Table of Contents</a:t>
             </a:r>
             <a:endParaRPr lang="bg-BG" dirty="0"/>
@@ -14770,12 +13987,8 @@
               </a:lnSpc>
             </a:pPr>
             <a:r>
-              <a:rPr lang="en-US" dirty="0" smtClean="0"/>
-              <a:t>The </a:t>
-            </a:r>
-            <a:r>
-              <a:rPr lang="en-US" dirty="0" smtClean="0"/>
-              <a:t>MVC Design Pattern</a:t>
+              <a:rPr lang="en-US" dirty="0"/>
+              <a:t>The MVC Design Pattern</a:t>
             </a:r>
           </a:p>
           <a:p>
@@ -14785,7 +13998,7 @@
               </a:lnSpc>
             </a:pPr>
             <a:r>
-              <a:rPr lang="en-US" dirty="0" smtClean="0"/>
+              <a:rPr lang="en-US" dirty="0"/>
               <a:t>Model, View, Controller</a:t>
             </a:r>
           </a:p>
@@ -14797,11 +14010,7 @@
             </a:pPr>
             <a:r>
               <a:rPr lang="en-US" dirty="0"/>
-              <a:t>The MVC Pattern for </a:t>
-            </a:r>
-            <a:r>
-              <a:rPr lang="en-US" dirty="0" smtClean="0"/>
-              <a:t>Web and Examples</a:t>
+              <a:t>The MVC Pattern for Web and Examples</a:t>
             </a:r>
           </a:p>
           <a:p>
@@ -14811,7 +14020,7 @@
               </a:lnSpc>
             </a:pPr>
             <a:r>
-              <a:rPr lang="en-US" dirty="0" smtClean="0"/>
+              <a:rPr lang="en-US" dirty="0"/>
               <a:t>ASP.NET MVC</a:t>
             </a:r>
           </a:p>
@@ -14822,7 +14031,7 @@
               </a:lnSpc>
             </a:pPr>
             <a:r>
-              <a:rPr lang="en-US" dirty="0" smtClean="0"/>
+              <a:rPr lang="en-US" dirty="0"/>
               <a:t>Comparison with Web Forms</a:t>
             </a:r>
           </a:p>
@@ -14833,7 +14042,7 @@
               </a:lnSpc>
             </a:pPr>
             <a:r>
-              <a:rPr lang="en-US" dirty="0" smtClean="0"/>
+              <a:rPr lang="en-US" dirty="0"/>
               <a:t>ASP.NET MVC Advantages</a:t>
             </a:r>
           </a:p>
@@ -14844,16 +14053,8 @@
               </a:lnSpc>
             </a:pPr>
             <a:r>
-              <a:rPr lang="en-US" dirty="0" smtClean="0"/>
-              <a:t>Creating first </a:t>
-            </a:r>
-            <a:r>
               <a:rPr lang="en-US" dirty="0"/>
-              <a:t>ASP.NET MVC </a:t>
-            </a:r>
-            <a:r>
-              <a:rPr lang="en-US" dirty="0" smtClean="0"/>
-              <a:t>Project</a:t>
+              <a:t>Creating first ASP.NET MVC Project</a:t>
             </a:r>
           </a:p>
           <a:p>
@@ -14863,7 +14064,7 @@
               </a:lnSpc>
             </a:pPr>
             <a:r>
-              <a:rPr lang="en-US" dirty="0" smtClean="0"/>
+              <a:rPr lang="en-US" dirty="0"/>
               <a:t>Server Information with Glimpse</a:t>
             </a:r>
           </a:p>
@@ -14954,13 +14155,6 @@
   <p:clrMapOvr>
     <a:masterClrMapping/>
   </p:clrMapOvr>
-  <p:timing>
-    <p:tnLst>
-      <p:par>
-        <p:cTn id="1" dur="indefinite" restart="never" nodeType="tmRoot"/>
-      </p:par>
-    </p:tnLst>
-  </p:timing>
 </p:sld>
 </file>
 
@@ -15028,11 +14222,7 @@
             </a:pPr>
             <a:r>
               <a:rPr lang="en-US" dirty="0"/>
-              <a:t>Replace any component of the </a:t>
-            </a:r>
-            <a:r>
-              <a:rPr lang="en-US" dirty="0" smtClean="0"/>
-              <a:t>system</a:t>
+              <a:t>Replace any component of the system</a:t>
             </a:r>
           </a:p>
           <a:p>
@@ -15045,7 +14235,7 @@
               </a:spcAft>
             </a:pPr>
             <a:r>
-              <a:rPr lang="en-US" dirty="0" smtClean="0"/>
+              <a:rPr lang="en-US" dirty="0"/>
               <a:t>Interface-based architecture</a:t>
             </a:r>
           </a:p>
@@ -15059,7 +14249,7 @@
               </a:spcAft>
             </a:pPr>
             <a:r>
-              <a:rPr lang="en-US" dirty="0" smtClean="0"/>
+              <a:rPr lang="en-US" dirty="0"/>
               <a:t>Almost anything can be replaced or extended</a:t>
             </a:r>
           </a:p>
@@ -15073,24 +14263,8 @@
               </a:spcAft>
             </a:pPr>
             <a:r>
-              <a:rPr lang="en-US" dirty="0" smtClean="0"/>
-              <a:t>Model </a:t>
-            </a:r>
-            <a:r>
               <a:rPr lang="en-US" dirty="0"/>
-              <a:t>binders </a:t>
-            </a:r>
-            <a:r>
-              <a:rPr lang="en-US" dirty="0" smtClean="0"/>
-              <a:t>(request data to </a:t>
-            </a:r>
-            <a:r>
-              <a:rPr lang="en-US" dirty="0"/>
-              <a:t>CLR objects</a:t>
-            </a:r>
-            <a:r>
-              <a:rPr lang="en-US" dirty="0" smtClean="0"/>
-              <a:t>)</a:t>
+              <a:t>Model binders (request data to CLR objects)</a:t>
             </a:r>
           </a:p>
           <a:p>
@@ -15103,16 +14277,8 @@
               </a:spcAft>
             </a:pPr>
             <a:r>
-              <a:rPr lang="en-US" dirty="0" smtClean="0"/>
-              <a:t>Action/result </a:t>
-            </a:r>
-            <a:r>
               <a:rPr lang="en-US" dirty="0"/>
-              <a:t>filters </a:t>
-            </a:r>
-            <a:r>
-              <a:rPr lang="en-US" dirty="0" smtClean="0"/>
-              <a:t>(e.g. </a:t>
+              <a:t>Action/result filters (e.g. </a:t>
             </a:r>
             <a:r>
               <a:rPr lang="en-US" dirty="0" err="1">
@@ -15126,7 +14292,7 @@
               <a:t>OnActionExecuting</a:t>
             </a:r>
             <a:r>
-              <a:rPr lang="en-US" dirty="0" smtClean="0"/>
+              <a:rPr lang="en-US" dirty="0"/>
               <a:t>)</a:t>
             </a:r>
           </a:p>
@@ -15171,11 +14337,7 @@
             </a:r>
             <a:r>
               <a:rPr lang="en-US" dirty="0"/>
-              <a:t>, Spark</a:t>
-            </a:r>
-            <a:r>
-              <a:rPr lang="en-US" dirty="0" smtClean="0"/>
-              <a:t>)</a:t>
+              <a:t>, Spark)</a:t>
             </a:r>
           </a:p>
           <a:p>
@@ -15188,10 +14350,9 @@
               </a:spcAft>
             </a:pPr>
             <a:r>
-              <a:rPr lang="en-US" dirty="0" smtClean="0"/>
+              <a:rPr lang="en-US" dirty="0"/>
               <a:t>View helpers (HTML, AJAX, URL, etc.)</a:t>
             </a:r>
-            <a:endParaRPr lang="en-US" dirty="0"/>
           </a:p>
           <a:p>
             <a:pPr lvl="1">
@@ -15203,7 +14364,7 @@
               </a:spcAft>
             </a:pPr>
             <a:r>
-              <a:rPr lang="en-US" dirty="0" smtClean="0"/>
+              <a:rPr lang="en-US" dirty="0"/>
               <a:t>Custom data providers (ADO.NET), etc.</a:t>
             </a:r>
           </a:p>
@@ -15217,10 +14378,9 @@
               </a:spcAft>
             </a:pPr>
             <a:r>
-              <a:rPr lang="en-US" dirty="0" smtClean="0"/>
+              <a:rPr lang="en-US" dirty="0"/>
               <a:t>Controller factory can be also replaced</a:t>
             </a:r>
-            <a:endParaRPr lang="en-US" dirty="0"/>
           </a:p>
         </p:txBody>
       </p:sp>
@@ -15263,13 +14423,6 @@
   <p:clrMapOvr>
     <a:masterClrMapping/>
   </p:clrMapOvr>
-  <p:timing>
-    <p:tnLst>
-      <p:par>
-        <p:cTn id="1" dur="indefinite" restart="never" nodeType="tmRoot"/>
-      </p:par>
-    </p:tnLst>
-  </p:timing>
 </p:sld>
 </file>
 
@@ -15328,7 +14481,7 @@
           <a:lstStyle/>
           <a:p>
             <a:r>
-              <a:rPr lang="en-US" dirty="0" smtClean="0"/>
+              <a:rPr lang="en-US" dirty="0"/>
               <a:t>REST-like</a:t>
             </a:r>
           </a:p>
@@ -15343,30 +14496,21 @@
             <a:pPr lvl="1"/>
             <a:r>
               <a:rPr lang="en-US" dirty="0"/>
-              <a:t>/</a:t>
-            </a:r>
-            <a:r>
-              <a:rPr lang="en-US" dirty="0" smtClean="0"/>
-              <a:t>blog/posts/2013/01/28/</a:t>
-            </a:r>
-            <a:r>
-              <a:rPr lang="en-US" dirty="0" err="1" smtClean="0"/>
+              <a:t>/blog/posts/2013/01/28/</a:t>
+            </a:r>
+            <a:r>
+              <a:rPr lang="en-US" dirty="0" err="1"/>
               <a:t>mvc</a:t>
             </a:r>
             <a:r>
-              <a:rPr lang="en-US" dirty="0" smtClean="0"/>
+              <a:rPr lang="en-US" dirty="0"/>
               <a:t>-is-cool</a:t>
             </a:r>
-            <a:endParaRPr lang="en-US" dirty="0"/>
           </a:p>
           <a:p>
             <a:r>
               <a:rPr lang="en-US" dirty="0"/>
-              <a:t>Friendlier to </a:t>
-            </a:r>
-            <a:r>
-              <a:rPr lang="en-US" dirty="0" smtClean="0"/>
-              <a:t>humans</a:t>
+              <a:t>Friendlier to humans</a:t>
             </a:r>
           </a:p>
           <a:p>
@@ -15383,7 +14527,7 @@
               <a:t>/</a:t>
             </a:r>
             <a:r>
-              <a:rPr lang="en-US" dirty="0" err="1" smtClean="0">
+              <a:rPr lang="en-US" dirty="0" err="1">
                 <a:solidFill>
                   <a:schemeClr val="accent6">
                     <a:lumMod val="40000"/>
@@ -15394,7 +14538,7 @@
               <a:t>product.aspx?catId</a:t>
             </a:r>
             <a:r>
-              <a:rPr lang="en-US" dirty="0" smtClean="0">
+              <a:rPr lang="en-US" dirty="0">
                 <a:solidFill>
                   <a:schemeClr val="accent6">
                     <a:lumMod val="40000"/>
@@ -15405,11 +14549,11 @@
               <a:t>=123 </a:t>
             </a:r>
             <a:r>
-              <a:rPr lang="en-US" dirty="0" smtClean="0"/>
+              <a:rPr lang="en-US" dirty="0"/>
               <a:t>or </a:t>
             </a:r>
             <a:r>
-              <a:rPr lang="en-US" dirty="0" err="1" smtClean="0">
+              <a:rPr lang="en-US" dirty="0" err="1">
                 <a:solidFill>
                   <a:schemeClr val="accent6">
                     <a:lumMod val="40000"/>
@@ -15420,7 +14564,7 @@
               <a:t>post.php?id</a:t>
             </a:r>
             <a:r>
-              <a:rPr lang="en-US" dirty="0" smtClean="0">
+              <a:rPr lang="en-US" dirty="0">
                 <a:solidFill>
                   <a:schemeClr val="accent6">
                     <a:lumMod val="40000"/>
@@ -15439,25 +14583,13 @@
                   <a:srgbClr val="EBFFD2"/>
                 </a:solidFill>
               </a:rPr>
-              <a:t>Becomes </a:t>
-            </a:r>
-            <a:r>
-              <a:rPr lang="en-US" dirty="0" smtClean="0">
-                <a:solidFill>
-                  <a:srgbClr val="EBFFD2"/>
-                </a:solidFill>
-              </a:rPr>
-              <a:t>/products/chocolate/</a:t>
+              <a:t>Becomes /products/chocolate/</a:t>
             </a:r>
           </a:p>
           <a:p>
             <a:r>
               <a:rPr lang="en-US" dirty="0"/>
-              <a:t>Friendlier to web </a:t>
-            </a:r>
-            <a:r>
-              <a:rPr lang="en-US" dirty="0" smtClean="0"/>
-              <a:t>crawlers</a:t>
+              <a:t>Friendlier to web crawlers</a:t>
             </a:r>
           </a:p>
           <a:p>
@@ -15473,7 +14605,7 @@
           </a:p>
           <a:p>
             <a:pPr lvl="1"/>
-            <a:endParaRPr lang="en-US" dirty="0" smtClean="0"/>
+            <a:endParaRPr lang="en-US" dirty="0"/>
           </a:p>
           <a:p>
             <a:pPr lvl="1"/>
@@ -15520,13 +14652,6 @@
   <p:clrMapOvr>
     <a:masterClrMapping/>
   </p:clrMapOvr>
-  <p:timing>
-    <p:tnLst>
-      <p:par>
-        <p:cTn id="1" dur="indefinite" restart="never" nodeType="tmRoot"/>
-      </p:par>
-    </p:tnLst>
-  </p:timing>
 </p:sld>
 </file>
 
@@ -15563,10 +14688,9 @@
           <a:lstStyle/>
           <a:p>
             <a:r>
-              <a:rPr lang="en-US" dirty="0" smtClean="0"/>
+              <a:rPr lang="en-US" dirty="0"/>
               <a:t>Community-based</a:t>
             </a:r>
-            <a:endParaRPr lang="en-US" dirty="0"/>
           </a:p>
         </p:txBody>
       </p:sp>
@@ -15595,17 +14719,13 @@
             </a:pPr>
             <a:r>
               <a:rPr lang="en-US" dirty="0"/>
-              <a:t>ASP.NET MVC, Web API, and Web Pages source </a:t>
-            </a:r>
-            <a:r>
-              <a:rPr lang="en-US" dirty="0" smtClean="0"/>
-              <a:t>code is available in </a:t>
-            </a:r>
-            <a:r>
-              <a:rPr lang="en-US" dirty="0" err="1" smtClean="0"/>
+              <a:t>ASP.NET MVC, Web API, and Web Pages source code is available in </a:t>
+            </a:r>
+            <a:r>
+              <a:rPr lang="en-US" dirty="0" err="1"/>
               <a:t>CodePlex</a:t>
             </a:r>
-            <a:endParaRPr lang="en-US" dirty="0" smtClean="0"/>
+            <a:endParaRPr lang="en-US" dirty="0"/>
           </a:p>
           <a:p>
             <a:pPr lvl="1">
@@ -15620,15 +14740,9 @@
               <a:rPr lang="en-US" dirty="0">
                 <a:hlinkClick r:id="rId2"/>
               </a:rPr>
-              <a:t>http://aspnetwebstack.codeplex.com</a:t>
-            </a:r>
-            <a:r>
-              <a:rPr lang="en-US" dirty="0" smtClean="0">
-                <a:hlinkClick r:id="rId2"/>
-              </a:rPr>
-              <a:t>/</a:t>
-            </a:r>
-            <a:endParaRPr lang="en-US" dirty="0" smtClean="0"/>
+              <a:t>http://aspnetwebstack.codeplex.com/</a:t>
+            </a:r>
+            <a:endParaRPr lang="en-US" dirty="0"/>
           </a:p>
           <a:p>
             <a:pPr>
@@ -15640,15 +14754,15 @@
               </a:spcAft>
             </a:pPr>
             <a:r>
-              <a:rPr lang="en-US" dirty="0" smtClean="0"/>
+              <a:rPr lang="en-US" dirty="0"/>
               <a:t>You can vote for new features in ASP.NET </a:t>
             </a:r>
             <a:r>
-              <a:rPr lang="en-US" dirty="0" err="1" smtClean="0"/>
+              <a:rPr lang="en-US" dirty="0" err="1"/>
               <a:t>UserVoice</a:t>
             </a:r>
             <a:r>
-              <a:rPr lang="en-US" dirty="0" smtClean="0"/>
+              <a:rPr lang="en-US" dirty="0"/>
               <a:t> site</a:t>
             </a:r>
           </a:p>
@@ -15665,15 +14779,9 @@
               <a:rPr lang="en-US" dirty="0">
                 <a:hlinkClick r:id="rId3"/>
               </a:rPr>
-              <a:t>http://</a:t>
-            </a:r>
-            <a:r>
-              <a:rPr lang="en-US" dirty="0" smtClean="0">
-                <a:hlinkClick r:id="rId3"/>
-              </a:rPr>
-              <a:t>aspnet.uservoice.com/forums/41201-asp-net-mvc</a:t>
-            </a:r>
-            <a:endParaRPr lang="en-US" dirty="0" smtClean="0"/>
+              <a:t>http://aspnet.uservoice.com/forums/41201-asp-net-mvc</a:t>
+            </a:r>
+            <a:endParaRPr lang="en-US" dirty="0"/>
           </a:p>
           <a:p>
             <a:pPr>
@@ -15685,7 +14793,7 @@
               </a:spcAft>
             </a:pPr>
             <a:r>
-              <a:rPr lang="en-US" dirty="0" smtClean="0"/>
+              <a:rPr lang="en-US" dirty="0"/>
               <a:t>ASP.NET Core (the new MVC) is on GitHub</a:t>
             </a:r>
           </a:p>
@@ -15702,15 +14810,9 @@
               <a:rPr lang="en-US" dirty="0">
                 <a:hlinkClick r:id="rId4"/>
               </a:rPr>
-              <a:t>https://</a:t>
-            </a:r>
-            <a:r>
-              <a:rPr lang="en-US" dirty="0" smtClean="0">
-                <a:hlinkClick r:id="rId4"/>
-              </a:rPr>
-              <a:t>github.com/aspnet</a:t>
-            </a:r>
-            <a:endParaRPr lang="en-US" dirty="0" smtClean="0"/>
+              <a:t>https://github.com/aspnet</a:t>
+            </a:r>
+            <a:endParaRPr lang="en-US" dirty="0"/>
           </a:p>
           <a:p>
             <a:pPr lvl="1">
@@ -15725,13 +14827,7 @@
               <a:rPr lang="en-US" dirty="0">
                 <a:hlinkClick r:id="rId5"/>
               </a:rPr>
-              <a:t>https://</a:t>
-            </a:r>
-            <a:r>
-              <a:rPr lang="en-US" dirty="0" smtClean="0">
-                <a:hlinkClick r:id="rId5"/>
-              </a:rPr>
-              <a:t>github.com/aspnet/Mvc</a:t>
+              <a:t>https://github.com/aspnet/Mvc</a:t>
             </a:r>
             <a:endParaRPr lang="en-US" dirty="0"/>
           </a:p>
@@ -15776,13 +14872,6 @@
   <p:clrMapOvr>
     <a:masterClrMapping/>
   </p:clrMapOvr>
-  <p:timing>
-    <p:tnLst>
-      <p:par>
-        <p:cTn id="1" dur="indefinite" restart="never" nodeType="tmRoot"/>
-      </p:par>
-    </p:tnLst>
-  </p:timing>
 </p:sld>
 </file>
 
@@ -15819,10 +14908,9 @@
           <a:lstStyle/>
           <a:p>
             <a:r>
-              <a:rPr lang="en-US" dirty="0" smtClean="0"/>
+              <a:rPr lang="en-US" dirty="0"/>
               <a:t>MVC Pattern in ASP.NET MVC</a:t>
             </a:r>
-            <a:endParaRPr lang="en-US" dirty="0"/>
           </a:p>
         </p:txBody>
       </p:sp>
@@ -15890,7 +14978,7 @@
           <a:p>
             <a:pPr algn="ctr"/>
             <a:r>
-              <a:rPr lang="en-US" sz="2800" b="1" dirty="0" smtClean="0">
+              <a:rPr lang="en-US" sz="2800" b="1" dirty="0">
                 <a:ln w="9525">
                   <a:solidFill>
                     <a:schemeClr val="bg1"/>
@@ -15966,7 +15054,7 @@
           <a:p>
             <a:pPr algn="ctr"/>
             <a:r>
-              <a:rPr lang="en-US" sz="3600" b="1" dirty="0" smtClean="0">
+              <a:rPr lang="en-US" sz="3600" b="1" dirty="0">
                 <a:ln w="9525">
                   <a:solidFill>
                     <a:schemeClr val="bg1"/>
@@ -15990,7 +15078,7 @@
           <a:p>
             <a:pPr algn="ctr"/>
             <a:r>
-              <a:rPr lang="en-US" sz="3600" b="1" dirty="0" smtClean="0">
+              <a:rPr lang="en-US" sz="3600" b="1" dirty="0">
                 <a:ln w="9525">
                   <a:solidFill>
                     <a:schemeClr val="bg1"/>
@@ -16010,24 +15098,6 @@
               </a:rPr>
               <a:t>(C# class)</a:t>
             </a:r>
-            <a:endParaRPr lang="en-US" sz="3600" b="1" dirty="0">
-              <a:ln w="9525">
-                <a:solidFill>
-                  <a:schemeClr val="bg1"/>
-                </a:solidFill>
-                <a:prstDash val="solid"/>
-              </a:ln>
-              <a:solidFill>
-                <a:schemeClr val="tx1"/>
-              </a:solidFill>
-              <a:effectLst>
-                <a:outerShdw blurRad="12700" dist="38100" dir="2700000" algn="tl" rotWithShape="0">
-                  <a:schemeClr val="bg1">
-                    <a:lumMod val="50000"/>
-                  </a:schemeClr>
-                </a:outerShdw>
-              </a:effectLst>
-            </a:endParaRPr>
           </a:p>
         </p:txBody>
       </p:sp>
@@ -16055,7 +15125,7 @@
           <a:p>
             <a:pPr algn="ctr"/>
             <a:r>
-              <a:rPr lang="en-US" sz="2200" b="1" cap="none" spc="0" dirty="0" smtClean="0">
+              <a:rPr lang="en-US" sz="2200" b="1" cap="none" spc="0" dirty="0">
                 <a:ln w="9525">
                   <a:solidFill>
                     <a:schemeClr val="bg1"/>
@@ -16097,7 +15167,7 @@
               <a:t>R</a:t>
             </a:r>
             <a:r>
-              <a:rPr lang="en-US" sz="2400" b="1" cap="none" spc="0" dirty="0" smtClean="0">
+              <a:rPr lang="en-US" sz="2400" b="1" cap="none" spc="0" dirty="0">
                 <a:ln w="9525">
                   <a:solidFill>
                     <a:schemeClr val="bg1"/>
@@ -16173,7 +15243,7 @@
           <a:p>
             <a:pPr algn="ctr"/>
             <a:r>
-              <a:rPr lang="en-US" sz="3600" b="1" dirty="0" smtClean="0">
+              <a:rPr lang="en-US" sz="3600" b="1" dirty="0">
                 <a:ln w="9525">
                   <a:solidFill>
                     <a:schemeClr val="bg1"/>
@@ -16193,24 +15263,6 @@
               </a:rPr>
               <a:t>ASP.NET MVC Routing engine</a:t>
             </a:r>
-            <a:endParaRPr lang="en-US" sz="3600" b="1" dirty="0">
-              <a:ln w="9525">
-                <a:solidFill>
-                  <a:schemeClr val="bg1"/>
-                </a:solidFill>
-                <a:prstDash val="solid"/>
-              </a:ln>
-              <a:solidFill>
-                <a:schemeClr val="tx1"/>
-              </a:solidFill>
-              <a:effectLst>
-                <a:outerShdw blurRad="12700" dist="38100" dir="2700000" algn="tl" rotWithShape="0">
-                  <a:schemeClr val="bg1">
-                    <a:lumMod val="50000"/>
-                  </a:schemeClr>
-                </a:outerShdw>
-              </a:effectLst>
-            </a:endParaRPr>
           </a:p>
         </p:txBody>
       </p:sp>
@@ -16304,7 +15356,7 @@
           <a:p>
             <a:pPr algn="ctr"/>
             <a:r>
-              <a:rPr lang="en-US" sz="3600" b="1" dirty="0" smtClean="0">
+              <a:rPr lang="en-US" sz="3600" b="1" dirty="0">
                 <a:ln w="9525">
                   <a:solidFill>
                     <a:schemeClr val="bg1"/>
@@ -16324,24 +15376,6 @@
               </a:rPr>
               <a:t>Model (POCO)</a:t>
             </a:r>
-            <a:endParaRPr lang="en-US" sz="3600" b="1" dirty="0">
-              <a:ln w="9525">
-                <a:solidFill>
-                  <a:schemeClr val="bg1"/>
-                </a:solidFill>
-                <a:prstDash val="solid"/>
-              </a:ln>
-              <a:solidFill>
-                <a:schemeClr val="tx1"/>
-              </a:solidFill>
-              <a:effectLst>
-                <a:outerShdw blurRad="12700" dist="38100" dir="2700000" algn="tl" rotWithShape="0">
-                  <a:schemeClr val="bg1">
-                    <a:lumMod val="50000"/>
-                  </a:schemeClr>
-                </a:outerShdw>
-              </a:effectLst>
-            </a:endParaRPr>
           </a:p>
         </p:txBody>
       </p:sp>
@@ -16380,7 +15414,7 @@
           <a:p>
             <a:pPr algn="ctr"/>
             <a:r>
-              <a:rPr lang="en-US" sz="3600" b="1" dirty="0" smtClean="0">
+              <a:rPr lang="en-US" sz="3600" b="1" dirty="0">
                 <a:ln w="9525">
                   <a:solidFill>
                     <a:schemeClr val="bg1"/>
@@ -16404,7 +15438,7 @@
           <a:p>
             <a:pPr algn="ctr"/>
             <a:r>
-              <a:rPr lang="en-US" sz="3600" b="1" dirty="0" smtClean="0">
+              <a:rPr lang="en-US" sz="3600" b="1" dirty="0">
                 <a:ln w="9525">
                   <a:solidFill>
                     <a:schemeClr val="bg1"/>
@@ -16424,24 +15458,6 @@
               </a:rPr>
               <a:t>(Razor)</a:t>
             </a:r>
-            <a:endParaRPr lang="en-US" sz="3600" b="1" dirty="0">
-              <a:ln w="9525">
-                <a:solidFill>
-                  <a:schemeClr val="bg1"/>
-                </a:solidFill>
-                <a:prstDash val="solid"/>
-              </a:ln>
-              <a:solidFill>
-                <a:schemeClr val="tx1"/>
-              </a:solidFill>
-              <a:effectLst>
-                <a:outerShdw blurRad="12700" dist="38100" dir="2700000" algn="tl" rotWithShape="0">
-                  <a:schemeClr val="bg1">
-                    <a:lumMod val="50000"/>
-                  </a:schemeClr>
-                </a:outerShdw>
-              </a:effectLst>
-            </a:endParaRPr>
           </a:p>
         </p:txBody>
       </p:sp>
@@ -16581,7 +15597,7 @@
           <a:p>
             <a:pPr algn="ctr"/>
             <a:r>
-              <a:rPr lang="en-US" sz="2400" b="1" cap="none" spc="0" dirty="0" smtClean="0">
+              <a:rPr lang="en-US" sz="2400" b="1" cap="none" spc="0" dirty="0">
                 <a:ln w="9525">
                   <a:solidFill>
                     <a:schemeClr val="bg1"/>
@@ -16811,7 +15827,7 @@
           <a:p>
             <a:pPr algn="ctr"/>
             <a:r>
-              <a:rPr lang="en-US" sz="2200" b="1" cap="none" spc="0" dirty="0" smtClean="0">
+              <a:rPr lang="en-US" sz="2200" b="1" cap="none" spc="0" dirty="0">
                 <a:ln w="9525">
                   <a:solidFill>
                     <a:schemeClr val="bg1"/>
@@ -16832,7 +15848,7 @@
               <a:t>HTTP </a:t>
             </a:r>
             <a:r>
-              <a:rPr lang="en-US" sz="2400" b="1" dirty="0" smtClean="0">
+              <a:rPr lang="en-US" sz="2400" b="1" dirty="0">
                 <a:ln w="9525">
                   <a:solidFill>
                     <a:schemeClr val="bg1"/>
@@ -16856,7 +15872,7 @@
           <a:p>
             <a:pPr algn="ctr"/>
             <a:r>
-              <a:rPr lang="en-US" sz="2400" b="1" cap="none" spc="0" dirty="0" smtClean="0">
+              <a:rPr lang="en-US" sz="2400" b="1" cap="none" spc="0" dirty="0">
                 <a:ln w="9525">
                   <a:solidFill>
                     <a:schemeClr val="bg1"/>
@@ -16877,7 +15893,7 @@
               <a:t>(HTML, </a:t>
             </a:r>
             <a:r>
-              <a:rPr lang="en-US" sz="2400" b="1" dirty="0" smtClean="0">
+              <a:rPr lang="en-US" sz="2400" b="1" dirty="0">
                 <a:ln w="9525">
                   <a:solidFill>
                     <a:schemeClr val="bg1"/>
@@ -16898,7 +15914,7 @@
               <a:t>File, JSON, </a:t>
             </a:r>
             <a:r>
-              <a:rPr lang="en-US" sz="2400" b="1" cap="none" spc="0" dirty="0" smtClean="0">
+              <a:rPr lang="en-US" sz="2400" b="1" cap="none" spc="0" dirty="0">
                 <a:ln w="9525">
                   <a:solidFill>
                     <a:schemeClr val="bg1"/>
@@ -16963,7 +15979,7 @@
           <a:p>
             <a:pPr algn="ctr"/>
             <a:r>
-              <a:rPr lang="en-US" sz="2200" b="1" dirty="0" smtClean="0">
+              <a:rPr lang="en-US" sz="2200" b="1" dirty="0">
                 <a:ln w="9525">
                   <a:solidFill>
                     <a:schemeClr val="bg1"/>
@@ -17028,7 +16044,7 @@
           <a:p>
             <a:pPr algn="ctr"/>
             <a:r>
-              <a:rPr lang="en-US" sz="2200" b="1" cap="none" spc="0" dirty="0" smtClean="0">
+              <a:rPr lang="en-US" sz="2200" b="1" cap="none" spc="0" dirty="0">
                 <a:ln w="9525">
                   <a:solidFill>
                     <a:schemeClr val="bg1"/>
@@ -17049,7 +16065,7 @@
               <a:t>Select view &amp;</a:t>
             </a:r>
             <a:br>
-              <a:rPr lang="en-US" sz="2200" b="1" cap="none" spc="0" dirty="0" smtClean="0">
+              <a:rPr lang="en-US" sz="2200" b="1" cap="none" spc="0" dirty="0">
                 <a:ln w="9525">
                   <a:solidFill>
                     <a:schemeClr val="bg1"/>
@@ -17069,7 +16085,7 @@
               </a:rPr>
             </a:br>
             <a:r>
-              <a:rPr lang="en-US" sz="2200" b="1" cap="none" spc="0" dirty="0" smtClean="0">
+              <a:rPr lang="en-US" sz="2200" b="1" cap="none" spc="0" dirty="0">
                 <a:ln w="9525">
                   <a:solidFill>
                     <a:schemeClr val="bg1"/>
@@ -17089,24 +16105,6 @@
               </a:rPr>
               <a:t>pass data (model)</a:t>
             </a:r>
-            <a:endParaRPr lang="en-US" sz="2200" b="1" cap="none" spc="0" dirty="0">
-              <a:ln w="9525">
-                <a:solidFill>
-                  <a:schemeClr val="bg1"/>
-                </a:solidFill>
-                <a:prstDash val="solid"/>
-              </a:ln>
-              <a:solidFill>
-                <a:schemeClr val="tx1"/>
-              </a:solidFill>
-              <a:effectLst>
-                <a:outerShdw blurRad="12700" dist="38100" dir="2700000" algn="tl" rotWithShape="0">
-                  <a:schemeClr val="bg1">
-                    <a:lumMod val="50000"/>
-                  </a:schemeClr>
-                </a:outerShdw>
-              </a:effectLst>
-            </a:endParaRPr>
           </a:p>
         </p:txBody>
       </p:sp>
@@ -17134,7 +16132,7 @@
           <a:p>
             <a:pPr algn="ctr"/>
             <a:r>
-              <a:rPr lang="en-US" sz="2200" b="1" cap="none" spc="0" dirty="0" smtClean="0">
+              <a:rPr lang="en-US" sz="2200" b="1" cap="none" spc="0" dirty="0">
                 <a:ln w="9525">
                   <a:solidFill>
                     <a:schemeClr val="bg1"/>
@@ -17154,24 +16152,6 @@
               </a:rPr>
               <a:t>Use model data</a:t>
             </a:r>
-            <a:endParaRPr lang="en-US" sz="2200" b="1" cap="none" spc="0" dirty="0">
-              <a:ln w="9525">
-                <a:solidFill>
-                  <a:schemeClr val="bg1"/>
-                </a:solidFill>
-                <a:prstDash val="solid"/>
-              </a:ln>
-              <a:solidFill>
-                <a:schemeClr val="tx1"/>
-              </a:solidFill>
-              <a:effectLst>
-                <a:outerShdw blurRad="12700" dist="38100" dir="2700000" algn="tl" rotWithShape="0">
-                  <a:schemeClr val="bg1">
-                    <a:lumMod val="50000"/>
-                  </a:schemeClr>
-                </a:outerShdw>
-              </a:effectLst>
-            </a:endParaRPr>
           </a:p>
         </p:txBody>
       </p:sp>
@@ -17199,7 +16179,7 @@
           <a:p>
             <a:pPr algn="ctr"/>
             <a:r>
-              <a:rPr lang="en-US" sz="2200" b="1" cap="none" spc="0" dirty="0" smtClean="0">
+              <a:rPr lang="en-US" sz="2200" b="1" cap="none" spc="0" dirty="0">
                 <a:ln w="9525">
                   <a:solidFill>
                     <a:schemeClr val="bg1"/>
@@ -17219,24 +16199,6 @@
               </a:rPr>
               <a:t>CRUD model</a:t>
             </a:r>
-            <a:endParaRPr lang="en-US" sz="2200" b="1" cap="none" spc="0" dirty="0">
-              <a:ln w="9525">
-                <a:solidFill>
-                  <a:schemeClr val="bg1"/>
-                </a:solidFill>
-                <a:prstDash val="solid"/>
-              </a:ln>
-              <a:solidFill>
-                <a:schemeClr val="tx1"/>
-              </a:solidFill>
-              <a:effectLst>
-                <a:outerShdw blurRad="12700" dist="38100" dir="2700000" algn="tl" rotWithShape="0">
-                  <a:schemeClr val="bg1">
-                    <a:lumMod val="50000"/>
-                  </a:schemeClr>
-                </a:outerShdw>
-              </a:effectLst>
-            </a:endParaRPr>
           </a:p>
         </p:txBody>
       </p:sp>
@@ -17275,7 +16237,7 @@
           <a:p>
             <a:pPr algn="ctr"/>
             <a:r>
-              <a:rPr lang="en-US" sz="3600" b="1" dirty="0" smtClean="0">
+              <a:rPr lang="en-US" sz="3600" b="1" dirty="0">
                 <a:ln w="9525">
                   <a:solidFill>
                     <a:schemeClr val="bg1"/>
@@ -17295,24 +16257,6 @@
               </a:rPr>
               <a:t>Web server</a:t>
             </a:r>
-            <a:endParaRPr lang="en-US" sz="3600" b="1" dirty="0">
-              <a:ln w="9525">
-                <a:solidFill>
-                  <a:schemeClr val="bg1"/>
-                </a:solidFill>
-                <a:prstDash val="solid"/>
-              </a:ln>
-              <a:solidFill>
-                <a:schemeClr val="tx1"/>
-              </a:solidFill>
-              <a:effectLst>
-                <a:outerShdw blurRad="12700" dist="38100" dir="2700000" algn="tl" rotWithShape="0">
-                  <a:schemeClr val="bg1">
-                    <a:lumMod val="50000"/>
-                  </a:schemeClr>
-                </a:outerShdw>
-              </a:effectLst>
-            </a:endParaRPr>
           </a:p>
         </p:txBody>
       </p:sp>
@@ -18336,10 +17280,9 @@
           <a:lstStyle/>
           <a:p>
             <a:r>
-              <a:rPr lang="en-US" dirty="0" smtClean="0"/>
+              <a:rPr lang="en-US" dirty="0"/>
               <a:t>Creating ASP.NET MVC Project</a:t>
             </a:r>
-            <a:endParaRPr lang="en-US" dirty="0"/>
           </a:p>
         </p:txBody>
       </p:sp>
@@ -18390,13 +17333,6 @@
   <p:clrMapOvr>
     <a:masterClrMapping/>
   </p:clrMapOvr>
-  <p:timing>
-    <p:tnLst>
-      <p:par>
-        <p:cTn id="1" dur="indefinite" restart="never" nodeType="tmRoot"/>
-      </p:par>
-    </p:tnLst>
-  </p:timing>
 </p:sld>
 </file>
 
@@ -18472,10 +17408,9 @@
           <a:lstStyle/>
           <a:p>
             <a:r>
-              <a:rPr lang="en-US" dirty="0" smtClean="0"/>
+              <a:rPr lang="en-US" dirty="0"/>
               <a:t>Visual Studio 2015: New Project</a:t>
             </a:r>
-            <a:endParaRPr lang="en-US" dirty="0"/>
           </a:p>
         </p:txBody>
       </p:sp>
@@ -18586,13 +17521,6 @@
   <p:clrMapOvr>
     <a:masterClrMapping/>
   </p:clrMapOvr>
-  <p:timing>
-    <p:tnLst>
-      <p:par>
-        <p:cTn id="1" dur="indefinite" restart="never" nodeType="tmRoot"/>
-      </p:par>
-    </p:tnLst>
-  </p:timing>
 </p:sld>
 </file>
 
@@ -18666,10 +17594,9 @@
           <a:lstStyle/>
           <a:p>
             <a:r>
-              <a:rPr lang="en-US" dirty="0" smtClean="0"/>
+              <a:rPr lang="en-US" dirty="0"/>
               <a:t>VS 2015: Default Layout</a:t>
             </a:r>
-            <a:endParaRPr lang="en-US" dirty="0"/>
           </a:p>
         </p:txBody>
       </p:sp>
@@ -18794,10 +17721,9 @@
           <a:lstStyle/>
           <a:p>
             <a:r>
-              <a:rPr lang="en-US" dirty="0" smtClean="0"/>
+              <a:rPr lang="en-US" dirty="0"/>
               <a:t>Bootstrap</a:t>
             </a:r>
-            <a:endParaRPr lang="en-US" dirty="0"/>
           </a:p>
         </p:txBody>
       </p:sp>
@@ -18811,13 +17737,6 @@
   <p:clrMapOvr>
     <a:masterClrMapping/>
   </p:clrMapOvr>
-  <p:timing>
-    <p:tnLst>
-      <p:par>
-        <p:cTn id="1" dur="indefinite" restart="never" nodeType="tmRoot"/>
-      </p:par>
-    </p:tnLst>
-  </p:timing>
 </p:sld>
 </file>
 
@@ -18879,13 +17798,8 @@
           <a:p>
             <a:r>
               <a:rPr lang="en-US" dirty="0"/>
-              <a:t>Internet </a:t>
-            </a:r>
-            <a:r>
-              <a:rPr lang="en-US" dirty="0" smtClean="0"/>
-              <a:t>App Project Files</a:t>
-            </a:r>
-            <a:endParaRPr lang="en-US" dirty="0"/>
+              <a:t>Internet App Project Files</a:t>
+            </a:r>
           </a:p>
         </p:txBody>
       </p:sp>
@@ -19030,7 +17944,7 @@
           <a:lstStyle/>
           <a:p>
             <a:r>
-              <a:rPr lang="en-US" sz="1600" dirty="0" smtClean="0">
+              <a:rPr lang="en-US" sz="1600" dirty="0">
                 <a:solidFill>
                   <a:schemeClr val="bg1"/>
                 </a:solidFill>
@@ -19123,7 +18037,7 @@
           <a:lstStyle/>
           <a:p>
             <a:r>
-              <a:rPr lang="en-US" sz="1800" dirty="0" err="1" smtClean="0">
+              <a:rPr lang="en-US" sz="1800" dirty="0" err="1">
                 <a:solidFill>
                   <a:schemeClr val="bg1"/>
                 </a:solidFill>
@@ -19131,7 +18045,7 @@
               <a:t>Web.config</a:t>
             </a:r>
             <a:r>
-              <a:rPr lang="en-US" sz="1800" dirty="0" smtClean="0">
+              <a:rPr lang="en-US" sz="1800" dirty="0">
                 <a:solidFill>
                   <a:schemeClr val="bg1"/>
                 </a:solidFill>
@@ -19227,7 +18141,7 @@
               <a:t>Application_Start</a:t>
             </a:r>
             <a:r>
-              <a:rPr lang="en-US" sz="1800" dirty="0" smtClean="0">
+              <a:rPr lang="en-US" sz="1800" dirty="0">
                 <a:solidFill>
                   <a:schemeClr val="bg1"/>
                 </a:solidFill>
@@ -19360,7 +18274,7 @@
           <a:lstStyle/>
           <a:p>
             <a:r>
-              <a:rPr lang="en-US" sz="1800" dirty="0" smtClean="0">
+              <a:rPr lang="en-US" sz="1800" dirty="0">
                 <a:solidFill>
                   <a:schemeClr val="bg1"/>
                 </a:solidFill>
@@ -19368,7 +18282,7 @@
               <a:t>JavaScript files (</a:t>
             </a:r>
             <a:r>
-              <a:rPr lang="en-US" sz="1800" dirty="0" err="1" smtClean="0">
+              <a:rPr lang="en-US" sz="1800" dirty="0" err="1">
                 <a:solidFill>
                   <a:schemeClr val="bg1"/>
                 </a:solidFill>
@@ -19376,7 +18290,7 @@
               <a:t>jQuery</a:t>
             </a:r>
             <a:r>
-              <a:rPr lang="en-US" sz="1800" dirty="0" smtClean="0">
+              <a:rPr lang="en-US" sz="1800" dirty="0">
                 <a:solidFill>
                   <a:schemeClr val="bg1"/>
                 </a:solidFill>
@@ -19384,7 +18298,7 @@
               <a:t>, </a:t>
             </a:r>
             <a:r>
-              <a:rPr lang="en-US" sz="1800" dirty="0" err="1" smtClean="0">
+              <a:rPr lang="en-US" sz="1800" dirty="0" err="1">
                 <a:solidFill>
                   <a:schemeClr val="bg1"/>
                 </a:solidFill>
@@ -19392,7 +18306,7 @@
               <a:t>Modernizr</a:t>
             </a:r>
             <a:r>
-              <a:rPr lang="en-US" sz="1800" dirty="0" smtClean="0">
+              <a:rPr lang="en-US" sz="1800" dirty="0">
                 <a:solidFill>
                   <a:schemeClr val="bg1"/>
                 </a:solidFill>
@@ -19485,7 +18399,7 @@
           <a:lstStyle/>
           <a:p>
             <a:r>
-              <a:rPr lang="en-US" sz="1800" dirty="0" smtClean="0">
+              <a:rPr lang="en-US" sz="1800" dirty="0">
                 <a:solidFill>
                   <a:schemeClr val="bg1"/>
                 </a:solidFill>
@@ -19493,7 +18407,7 @@
               <a:t>Razor View templates (</a:t>
             </a:r>
             <a:r>
-              <a:rPr lang="en-US" sz="1800" dirty="0" err="1" smtClean="0">
+              <a:rPr lang="en-US" sz="1800" dirty="0" err="1">
                 <a:solidFill>
                   <a:schemeClr val="bg1"/>
                 </a:solidFill>
@@ -19501,7 +18415,7 @@
               <a:t>cshtml</a:t>
             </a:r>
             <a:r>
-              <a:rPr lang="en-US" sz="1800" dirty="0" smtClean="0">
+              <a:rPr lang="en-US" sz="1800" dirty="0">
                 <a:solidFill>
                   <a:schemeClr val="bg1"/>
                 </a:solidFill>
@@ -19594,7 +18508,7 @@
           <a:lstStyle/>
           <a:p>
             <a:r>
-              <a:rPr lang="en-US" sz="1800" dirty="0" smtClean="0">
+              <a:rPr lang="en-US" sz="1800" dirty="0">
                 <a:solidFill>
                   <a:schemeClr val="bg1"/>
                 </a:solidFill>
@@ -19604,7 +18518,7 @@
           </a:p>
           <a:p>
             <a:r>
-              <a:rPr lang="en-US" sz="1800" dirty="0" smtClean="0">
+              <a:rPr lang="en-US" sz="1800" dirty="0">
                 <a:solidFill>
                   <a:schemeClr val="bg1"/>
                 </a:solidFill>
@@ -19612,7 +18526,7 @@
               <a:t>_</a:t>
             </a:r>
             <a:r>
-              <a:rPr lang="en-US" sz="1800" dirty="0" err="1" smtClean="0">
+              <a:rPr lang="en-US" sz="1800" dirty="0" err="1">
                 <a:solidFill>
                   <a:schemeClr val="bg1"/>
                 </a:solidFill>
@@ -19620,7 +18534,7 @@
               <a:t>Layout.cshtml</a:t>
             </a:r>
             <a:r>
-              <a:rPr lang="en-US" sz="1800" dirty="0" smtClean="0">
+              <a:rPr lang="en-US" sz="1800" dirty="0">
                 <a:solidFill>
                   <a:schemeClr val="bg1"/>
                 </a:solidFill>
@@ -19713,7 +18627,7 @@
           <a:lstStyle/>
           <a:p>
             <a:r>
-              <a:rPr lang="en-US" sz="1600" dirty="0" smtClean="0">
+              <a:rPr lang="en-US" sz="1600" dirty="0">
                 <a:solidFill>
                   <a:schemeClr val="bg1"/>
                 </a:solidFill>
@@ -19806,7 +18720,7 @@
           <a:lstStyle/>
           <a:p>
             <a:r>
-              <a:rPr lang="en-US" sz="1800" dirty="0" smtClean="0">
+              <a:rPr lang="en-US" sz="1800" dirty="0">
                 <a:solidFill>
                   <a:schemeClr val="bg1"/>
                 </a:solidFill>
@@ -20690,10 +19604,9 @@
           <a:lstStyle/>
           <a:p>
             <a:r>
-              <a:rPr lang="en-US" dirty="0" smtClean="0"/>
+              <a:rPr lang="en-US" dirty="0"/>
               <a:t>NuGet package management</a:t>
             </a:r>
-            <a:endParaRPr lang="en-US" dirty="0"/>
           </a:p>
         </p:txBody>
       </p:sp>
@@ -20713,35 +19626,19 @@
           <a:lstStyle/>
           <a:p>
             <a:r>
-              <a:rPr lang="en-US" dirty="0" smtClean="0"/>
-              <a:t>Free</a:t>
-            </a:r>
-            <a:r>
               <a:rPr lang="en-US" dirty="0"/>
-              <a:t>, open source </a:t>
-            </a:r>
-            <a:r>
-              <a:rPr lang="en-US" dirty="0" smtClean="0"/>
-              <a:t>package management </a:t>
-            </a:r>
-          </a:p>
-          <a:p>
-            <a:r>
-              <a:rPr lang="en-US" dirty="0" smtClean="0"/>
-              <a:t>Makes </a:t>
-            </a:r>
+              <a:t>Free, open source package management </a:t>
+            </a:r>
+          </a:p>
+          <a:p>
             <a:r>
               <a:rPr lang="en-US" dirty="0"/>
-              <a:t>it easy to install and update open source libraries and </a:t>
-            </a:r>
-            <a:r>
-              <a:rPr lang="en-US" dirty="0" smtClean="0"/>
-              <a:t>tools</a:t>
-            </a:r>
-          </a:p>
-          <a:p>
-            <a:r>
-              <a:rPr lang="en-US" dirty="0" smtClean="0"/>
+              <a:t>Makes it easy to install and update open source libraries and tools</a:t>
+            </a:r>
+          </a:p>
+          <a:p>
+            <a:r>
+              <a:rPr lang="en-US" dirty="0"/>
               <a:t>Part of Visual Studio 2012/2013</a:t>
             </a:r>
           </a:p>
@@ -20753,30 +19650,21 @@
           </a:p>
           <a:p>
             <a:r>
-              <a:rPr lang="en-US" dirty="0" smtClean="0"/>
-              <a:t>Simple </a:t>
-            </a:r>
-            <a:r>
               <a:rPr lang="en-US" dirty="0"/>
-              <a:t>as adding a </a:t>
-            </a:r>
-            <a:r>
-              <a:rPr lang="en-US" dirty="0" smtClean="0"/>
-              <a:t>reference</a:t>
-            </a:r>
-          </a:p>
-          <a:p>
-            <a:r>
-              <a:rPr lang="en-US" dirty="0" smtClean="0"/>
+              <a:t>Simple as adding a reference</a:t>
+            </a:r>
+          </a:p>
+          <a:p>
+            <a:r>
+              <a:rPr lang="en-US" dirty="0"/>
               <a:t>GUI-based package installer</a:t>
             </a:r>
           </a:p>
           <a:p>
             <a:r>
-              <a:rPr lang="en-US" dirty="0" smtClean="0"/>
+              <a:rPr lang="en-US" dirty="0"/>
               <a:t>Package manager console</a:t>
             </a:r>
-            <a:endParaRPr lang="en-US" dirty="0"/>
           </a:p>
           <a:p>
             <a:endParaRPr lang="en-US" dirty="0"/>
@@ -20896,13 +19784,6 @@
   <p:clrMapOvr>
     <a:masterClrMapping/>
   </p:clrMapOvr>
-  <p:timing>
-    <p:tnLst>
-      <p:par>
-        <p:cTn id="1" dur="indefinite" restart="never" nodeType="tmRoot"/>
-      </p:par>
-    </p:tnLst>
-  </p:timing>
 </p:sld>
 </file>
 
@@ -20972,13 +19853,8 @@
           <a:p>
             <a:r>
               <a:rPr lang="en-US" dirty="0"/>
-              <a:t>Making changes and </a:t>
-            </a:r>
-            <a:r>
-              <a:rPr lang="en-US" dirty="0" smtClean="0"/>
-              <a:t>debugging</a:t>
-            </a:r>
-            <a:endParaRPr lang="en-US" dirty="0"/>
+              <a:t>Making changes and debugging</a:t>
+            </a:r>
           </a:p>
         </p:txBody>
       </p:sp>
@@ -21029,13 +19905,6 @@
   <p:clrMapOvr>
     <a:masterClrMapping/>
   </p:clrMapOvr>
-  <p:timing>
-    <p:tnLst>
-      <p:par>
-        <p:cTn id="1" dur="indefinite" restart="never" nodeType="tmRoot"/>
-      </p:par>
-    </p:tnLst>
-  </p:timing>
 </p:sld>
 </file>
 
@@ -21078,13 +19947,8 @@
           <a:p>
             <a:r>
               <a:rPr lang="en-US" dirty="0"/>
-              <a:t>The </a:t>
-            </a:r>
-            <a:r>
-              <a:rPr lang="en-US" dirty="0" smtClean="0"/>
-              <a:t>MVC Design Pattern</a:t>
-            </a:r>
-            <a:endParaRPr lang="en-US" dirty="0"/>
+              <a:t>The MVC Design Pattern</a:t>
+            </a:r>
           </a:p>
         </p:txBody>
       </p:sp>
@@ -21178,13 +20042,6 @@
   <p:clrMapOvr>
     <a:masterClrMapping/>
   </p:clrMapOvr>
-  <p:timing>
-    <p:tnLst>
-      <p:par>
-        <p:cTn id="1" dur="indefinite" restart="never" nodeType="tmRoot"/>
-      </p:par>
-    </p:tnLst>
-  </p:timing>
 </p:sld>
 </file>
 
@@ -21227,15 +20084,7 @@
           <a:p>
             <a:r>
               <a:rPr lang="en-US" dirty="0"/>
-              <a:t>Server </a:t>
-            </a:r>
-            <a:r>
-              <a:rPr lang="en-US" dirty="0" smtClean="0"/>
-              <a:t>Information </a:t>
-            </a:r>
-            <a:r>
-              <a:rPr lang="en-US" dirty="0"/>
-              <a:t>with Glimpse</a:t>
+              <a:t>Server Information with Glimpse</a:t>
             </a:r>
           </a:p>
         </p:txBody>
@@ -21261,10 +20110,9 @@
           <a:lstStyle/>
           <a:p>
             <a:r>
-              <a:rPr lang="en-US" dirty="0" smtClean="0"/>
+              <a:rPr lang="en-US" dirty="0"/>
               <a:t>The open source diagnostics platform of the web</a:t>
             </a:r>
-            <a:endParaRPr lang="en-US" dirty="0"/>
           </a:p>
         </p:txBody>
       </p:sp>
@@ -21446,10 +20294,9 @@
           <a:lstStyle/>
           <a:p>
             <a:r>
-              <a:rPr lang="en-US" dirty="0" smtClean="0"/>
+              <a:rPr lang="en-US" dirty="0"/>
               <a:t>Server Info with Glimpse</a:t>
             </a:r>
-            <a:endParaRPr lang="en-US" dirty="0"/>
           </a:p>
         </p:txBody>
       </p:sp>
@@ -21475,84 +20322,56 @@
           <a:p>
             <a:r>
               <a:rPr lang="en-US" dirty="0"/>
-              <a:t>Glimpse </a:t>
-            </a:r>
-            <a:r>
-              <a:rPr lang="en-US" dirty="0" smtClean="0"/>
-              <a:t>is a powerful diagnostics platform that shows </a:t>
-            </a:r>
+              <a:t>Glimpse is a powerful diagnostics platform that shows execution timings, server configuration, request data and more</a:t>
+            </a:r>
+          </a:p>
+          <a:p>
+            <a:pPr lvl="1"/>
             <a:r>
               <a:rPr lang="en-US" dirty="0"/>
-              <a:t>execution timings, server configuration, request data and </a:t>
-            </a:r>
-            <a:r>
-              <a:rPr lang="en-US" dirty="0" smtClean="0"/>
-              <a:t>more</a:t>
+              <a:t>Showed inside browser (like </a:t>
+            </a:r>
+            <a:r>
+              <a:rPr lang="en-US" dirty="0" err="1"/>
+              <a:t>FireBug</a:t>
+            </a:r>
+            <a:r>
+              <a:rPr lang="en-US" dirty="0"/>
+              <a:t>)</a:t>
             </a:r>
           </a:p>
           <a:p>
             <a:pPr lvl="1"/>
             <a:r>
-              <a:rPr lang="en-US" dirty="0" smtClean="0"/>
-              <a:t>Showed inside browser (like </a:t>
-            </a:r>
-            <a:r>
-              <a:rPr lang="en-US" dirty="0" err="1" smtClean="0"/>
-              <a:t>FireBug</a:t>
-            </a:r>
-            <a:r>
-              <a:rPr lang="en-US" dirty="0" smtClean="0"/>
-              <a:t>)</a:t>
+              <a:rPr lang="en-US" dirty="0"/>
+              <a:t>With no changes to the application code</a:t>
             </a:r>
           </a:p>
           <a:p>
             <a:pPr lvl="1"/>
             <a:r>
-              <a:rPr lang="en-US" dirty="0" smtClean="0"/>
-              <a:t>With </a:t>
-            </a:r>
-            <a:r>
               <a:rPr lang="en-US" dirty="0"/>
-              <a:t>no </a:t>
-            </a:r>
-            <a:r>
-              <a:rPr lang="en-US" dirty="0" smtClean="0"/>
-              <a:t>changes </a:t>
+              <a:t>Supports ASP.NET MVC 5, </a:t>
+            </a:r>
+            <a:r>
+              <a:rPr lang="en-US" dirty="0" err="1"/>
+              <a:t>WebForms</a:t>
             </a:r>
             <a:r>
               <a:rPr lang="en-US" dirty="0"/>
-              <a:t>to </a:t>
-            </a:r>
-            <a:r>
-              <a:rPr lang="en-US" dirty="0" smtClean="0"/>
-              <a:t>the application code</a:t>
+              <a:t> and EF</a:t>
             </a:r>
           </a:p>
           <a:p>
             <a:pPr lvl="1"/>
             <a:r>
-              <a:rPr lang="en-US" dirty="0" smtClean="0"/>
-              <a:t>Supports ASP.NET MVC 5, </a:t>
-            </a:r>
-            <a:r>
-              <a:rPr lang="en-US" dirty="0" err="1" smtClean="0"/>
-              <a:t>WebForms</a:t>
-            </a:r>
-            <a:r>
-              <a:rPr lang="en-US" dirty="0" smtClean="0"/>
-              <a:t> and EF</a:t>
-            </a:r>
-          </a:p>
-          <a:p>
-            <a:pPr lvl="1"/>
-            <a:r>
-              <a:rPr lang="en-US" dirty="0" smtClean="0"/>
+              <a:rPr lang="en-US" dirty="0"/>
               <a:t>Beta support for ASP.NET Core</a:t>
             </a:r>
           </a:p>
           <a:p>
             <a:r>
-              <a:rPr lang="en-US" dirty="0" smtClean="0"/>
+              <a:rPr lang="en-US" dirty="0"/>
               <a:t>Open sourced</a:t>
             </a:r>
           </a:p>
@@ -21562,15 +20381,9 @@
               <a:rPr lang="en-US" dirty="0">
                 <a:hlinkClick r:id="rId3"/>
               </a:rPr>
-              <a:t>https://</a:t>
-            </a:r>
-            <a:r>
-              <a:rPr lang="en-US" dirty="0" smtClean="0">
-                <a:hlinkClick r:id="rId3"/>
-              </a:rPr>
-              <a:t>github.com/glimpse/glimpse</a:t>
-            </a:r>
-            <a:endParaRPr lang="en-US" dirty="0" smtClean="0"/>
+              <a:t>https://github.com/glimpse/glimpse</a:t>
+            </a:r>
+            <a:endParaRPr lang="en-US" dirty="0"/>
           </a:p>
         </p:txBody>
       </p:sp>
@@ -21613,13 +20426,6 @@
   <p:clrMapOvr>
     <a:masterClrMapping/>
   </p:clrMapOvr>
-  <p:timing>
-    <p:tnLst>
-      <p:par>
-        <p:cTn id="1" dur="indefinite" restart="never" nodeType="tmRoot"/>
-      </p:par>
-    </p:tnLst>
-  </p:timing>
 </p:sld>
 </file>
 
@@ -21656,10 +20462,9 @@
           <a:lstStyle/>
           <a:p>
             <a:r>
-              <a:rPr lang="en-US" dirty="0" smtClean="0"/>
+              <a:rPr lang="en-US" dirty="0"/>
               <a:t>Install Glimpse</a:t>
             </a:r>
-            <a:endParaRPr lang="en-US" dirty="0"/>
           </a:p>
         </p:txBody>
       </p:sp>
@@ -21691,7 +20496,7 @@
               <a:buAutoNum type="arabicPeriod"/>
             </a:pPr>
             <a:r>
-              <a:rPr lang="en-US" dirty="0" smtClean="0"/>
+              <a:rPr lang="en-US" dirty="0"/>
               <a:t>Install NuGet packages:</a:t>
             </a:r>
           </a:p>
@@ -21702,7 +20507,7 @@
               </a:lnSpc>
             </a:pPr>
             <a:r>
-              <a:rPr lang="en-US" dirty="0" smtClean="0"/>
+              <a:rPr lang="en-US" dirty="0"/>
               <a:t>Glimpse.Mvc5</a:t>
             </a:r>
           </a:p>
@@ -21713,7 +20518,7 @@
               </a:lnSpc>
             </a:pPr>
             <a:r>
-              <a:rPr lang="en-US" dirty="0" smtClean="0"/>
+              <a:rPr lang="en-US" dirty="0"/>
               <a:t>Glimpse.EF6</a:t>
             </a:r>
           </a:p>
@@ -21726,7 +20531,7 @@
               <a:buAutoNum type="arabicPeriod"/>
             </a:pPr>
             <a:r>
-              <a:rPr lang="en-US" dirty="0" smtClean="0"/>
+              <a:rPr lang="en-US" dirty="0"/>
               <a:t>Run the project</a:t>
             </a:r>
           </a:p>
@@ -21739,7 +20544,7 @@
               <a:buAutoNum type="arabicPeriod"/>
             </a:pPr>
             <a:r>
-              <a:rPr lang="en-US" dirty="0" smtClean="0"/>
+              <a:rPr lang="en-US" dirty="0"/>
               <a:t>Configure it (enable):</a:t>
             </a:r>
           </a:p>
@@ -21750,12 +20555,12 @@
               </a:lnSpc>
             </a:pPr>
             <a:r>
-              <a:rPr lang="en-US" dirty="0" smtClean="0">
+              <a:rPr lang="en-US" dirty="0">
                 <a:hlinkClick r:id="rId2"/>
               </a:rPr>
               <a:t>http://localhost:port/Glimpse.axd</a:t>
             </a:r>
-            <a:endParaRPr lang="en-US" dirty="0" smtClean="0"/>
+            <a:endParaRPr lang="en-US" dirty="0"/>
           </a:p>
         </p:txBody>
       </p:sp>
@@ -21848,13 +20653,6 @@
   <p:clrMapOvr>
     <a:masterClrMapping/>
   </p:clrMapOvr>
-  <p:timing>
-    <p:tnLst>
-      <p:par>
-        <p:cTn id="1" dur="indefinite" restart="never" nodeType="tmRoot"/>
-      </p:par>
-    </p:tnLst>
-  </p:timing>
 </p:sld>
 </file>
 
@@ -21899,10 +20697,9 @@
           <a:lstStyle/>
           <a:p>
             <a:r>
-              <a:rPr lang="en-US" dirty="0" smtClean="0"/>
+              <a:rPr lang="en-US" dirty="0"/>
               <a:t>Tracing with Glimpse</a:t>
             </a:r>
-            <a:endParaRPr lang="en-US" dirty="0"/>
           </a:p>
         </p:txBody>
       </p:sp>
@@ -21927,12 +20724,8 @@
           <a:lstStyle/>
           <a:p>
             <a:r>
-              <a:rPr lang="en-US" dirty="0" smtClean="0"/>
-              <a:t>The </a:t>
-            </a:r>
-            <a:r>
               <a:rPr lang="en-US" dirty="0"/>
-              <a:t>Trace tab shows any messages traced to </a:t>
+              <a:t>The Trace tab shows any messages traced to </a:t>
             </a:r>
             <a:r>
               <a:rPr lang="en-US" dirty="0" err="1">
@@ -22269,22 +21062,21 @@
           </a:lstStyle>
           <a:p>
             <a:r>
-              <a:rPr lang="en-US" noProof="1" smtClean="0"/>
+              <a:rPr lang="en-US" noProof="1"/>
               <a:t>Trace.TraceInformation("Info example");</a:t>
             </a:r>
           </a:p>
           <a:p>
             <a:r>
-              <a:rPr lang="en-US" noProof="1" smtClean="0"/>
+              <a:rPr lang="en-US" noProof="1"/>
               <a:t>Trace.TraceWarning("Warning example");</a:t>
             </a:r>
           </a:p>
           <a:p>
             <a:r>
-              <a:rPr lang="en-US" noProof="1" smtClean="0"/>
+              <a:rPr lang="en-US" noProof="1"/>
               <a:t>Debug.WriteLine("Debug example");</a:t>
             </a:r>
-            <a:endParaRPr lang="en-US" noProof="1"/>
           </a:p>
         </p:txBody>
       </p:sp>
@@ -22368,10 +21160,9 @@
           <a:lstStyle/>
           <a:p>
             <a:r>
-              <a:rPr lang="en-US" dirty="0" smtClean="0"/>
+              <a:rPr lang="en-US" dirty="0"/>
               <a:t>EF SQL Queries Profiling</a:t>
             </a:r>
-            <a:endParaRPr lang="en-US" dirty="0"/>
           </a:p>
         </p:txBody>
       </p:sp>
@@ -22392,28 +21183,15 @@
           <a:p>
             <a:r>
               <a:rPr lang="en-US" dirty="0"/>
-              <a:t>Glimpse lists each </a:t>
-            </a:r>
-            <a:r>
-              <a:rPr lang="en-US" dirty="0" smtClean="0"/>
-              <a:t>database call, </a:t>
-            </a:r>
+              <a:t>Glimpse lists each database call, so excessive or under-performant queries can be reigned in</a:t>
+            </a:r>
+          </a:p>
+          <a:p>
+            <a:pPr lvl="1"/>
             <a:r>
               <a:rPr lang="en-US" dirty="0"/>
-              <a:t>so excessive or under-performant queries can be reigned </a:t>
-            </a:r>
-            <a:r>
-              <a:rPr lang="en-US" dirty="0" smtClean="0"/>
-              <a:t>in</a:t>
-            </a:r>
-          </a:p>
-          <a:p>
-            <a:pPr lvl="1"/>
-            <a:r>
-              <a:rPr lang="en-US" dirty="0" smtClean="0"/>
               <a:t>Shows the query itself and the query timings</a:t>
             </a:r>
-            <a:endParaRPr lang="en-US" dirty="0"/>
           </a:p>
           <a:p>
             <a:endParaRPr lang="en-US" dirty="0"/>
@@ -22535,10 +21313,9 @@
           <a:lstStyle/>
           <a:p>
             <a:r>
-              <a:rPr lang="en-US" dirty="0" smtClean="0"/>
+              <a:rPr lang="en-US" dirty="0"/>
               <a:t>More Glimpse Features</a:t>
             </a:r>
-            <a:endParaRPr lang="en-US" dirty="0"/>
           </a:p>
         </p:txBody>
       </p:sp>
@@ -22572,13 +21349,8 @@
             </a:pPr>
             <a:r>
               <a:rPr lang="en-US" dirty="0"/>
-              <a:t>Visual </a:t>
-            </a:r>
-            <a:r>
-              <a:rPr lang="en-US" dirty="0" smtClean="0"/>
-              <a:t>Profiling</a:t>
-            </a:r>
-            <a:endParaRPr lang="en-US" dirty="0"/>
+              <a:t>Visual Profiling</a:t>
+            </a:r>
           </a:p>
           <a:p>
             <a:pPr lvl="1">
@@ -22590,16 +21362,8 @@
               </a:spcAft>
             </a:pPr>
             <a:r>
-              <a:rPr lang="en-US" dirty="0" smtClean="0"/>
-              <a:t>Profiles </a:t>
-            </a:r>
-            <a:r>
               <a:rPr lang="en-US" dirty="0"/>
-              <a:t>key server side activities and displays the timing of </a:t>
-            </a:r>
-            <a:r>
-              <a:rPr lang="en-US" dirty="0" smtClean="0"/>
-              <a:t>each</a:t>
+              <a:t>Profiles key server side activities and displays the timing of each</a:t>
             </a:r>
           </a:p>
           <a:p>
@@ -22626,16 +21390,8 @@
               </a:spcAft>
             </a:pPr>
             <a:r>
-              <a:rPr lang="en-US" dirty="0" smtClean="0"/>
-              <a:t>Provides </a:t>
-            </a:r>
-            <a:r>
               <a:rPr lang="en-US" dirty="0"/>
-              <a:t>complete visibility into ASP.NET MVC's view resolution process, including file </a:t>
-            </a:r>
-            <a:r>
-              <a:rPr lang="en-US" dirty="0" smtClean="0"/>
-              <a:t>access</a:t>
+              <a:t>Provides complete visibility into ASP.NET MVC's view resolution process, including file access</a:t>
             </a:r>
           </a:p>
           <a:p>
@@ -22649,11 +21405,7 @@
             </a:pPr>
             <a:r>
               <a:rPr lang="en-US" dirty="0"/>
-              <a:t>Route </a:t>
-            </a:r>
-            <a:r>
-              <a:rPr lang="en-US" dirty="0" smtClean="0"/>
-              <a:t>Debugging</a:t>
+              <a:t>Route Debugging</a:t>
             </a:r>
           </a:p>
           <a:p>
@@ -22666,7 +21418,7 @@
               </a:spcAft>
             </a:pPr>
             <a:r>
-              <a:rPr lang="en-US" dirty="0" smtClean="0"/>
+              <a:rPr lang="en-US" dirty="0"/>
               <a:t>Server Configuration and Environment</a:t>
             </a:r>
           </a:p>
@@ -22680,10 +21432,9 @@
               </a:spcAft>
             </a:pPr>
             <a:r>
-              <a:rPr lang="en-US" dirty="0" smtClean="0"/>
+              <a:rPr lang="en-US" dirty="0"/>
               <a:t>Application Cache Information</a:t>
             </a:r>
-            <a:endParaRPr lang="en-US" dirty="0"/>
           </a:p>
           <a:p>
             <a:pPr>
@@ -22695,10 +21446,9 @@
               </a:spcAft>
             </a:pPr>
             <a:r>
-              <a:rPr lang="en-US" dirty="0" smtClean="0"/>
+              <a:rPr lang="en-US" dirty="0"/>
               <a:t>Supports AJAX Requests</a:t>
             </a:r>
-            <a:endParaRPr lang="en-US" dirty="0"/>
           </a:p>
         </p:txBody>
       </p:sp>
@@ -22820,13 +21570,8 @@
           <a:p>
             <a:r>
               <a:rPr lang="en-US" dirty="0"/>
-              <a:t>Demo</a:t>
-            </a:r>
-            <a:r>
-              <a:rPr lang="en-US" dirty="0" smtClean="0"/>
-              <a:t>: Glimpse</a:t>
-            </a:r>
-            <a:endParaRPr lang="en-US" dirty="0"/>
+              <a:t>Demo: Glimpse</a:t>
+            </a:r>
           </a:p>
         </p:txBody>
       </p:sp>
@@ -22840,13 +21585,6 @@
   <p:clrMapOvr>
     <a:masterClrMapping/>
   </p:clrMapOvr>
-  <p:timing>
-    <p:tnLst>
-      <p:par>
-        <p:cTn id="1" dur="indefinite" restart="never" nodeType="tmRoot"/>
-      </p:par>
-    </p:tnLst>
-  </p:timing>
 </p:sld>
 </file>
 
@@ -22883,10 +21621,9 @@
           <a:lstStyle/>
           <a:p>
             <a:r>
-              <a:rPr lang="en-US" dirty="0" smtClean="0"/>
+              <a:rPr lang="en-US" dirty="0"/>
               <a:t>Summary</a:t>
             </a:r>
-            <a:endParaRPr lang="en-US" dirty="0"/>
           </a:p>
         </p:txBody>
       </p:sp>
@@ -22916,24 +21653,8 @@
               </a:spcBef>
             </a:pPr>
             <a:r>
-              <a:rPr lang="en-US" dirty="0" smtClean="0"/>
-              <a:t>HTTP </a:t>
-            </a:r>
-            <a:r>
               <a:rPr lang="en-US" dirty="0"/>
-              <a:t>is </a:t>
-            </a:r>
-            <a:r>
-              <a:rPr lang="en-US" dirty="0" smtClean="0"/>
-              <a:t>a client-server </a:t>
-            </a:r>
-            <a:r>
-              <a:rPr lang="en-US" dirty="0"/>
-              <a:t>protocol for transferring </a:t>
-            </a:r>
-            <a:r>
-              <a:rPr lang="en-US" dirty="0" smtClean="0"/>
-              <a:t>web resources via Internet</a:t>
+              <a:t>HTTP is a client-server protocol for transferring web resources via Internet</a:t>
             </a:r>
           </a:p>
           <a:p>
@@ -22943,16 +21664,8 @@
               </a:spcBef>
             </a:pPr>
             <a:r>
-              <a:rPr lang="en-US" dirty="0" smtClean="0"/>
-              <a:t>Model–view–controller </a:t>
-            </a:r>
-            <a:r>
               <a:rPr lang="en-US" dirty="0"/>
-              <a:t>(MVC) is a software architecture </a:t>
-            </a:r>
-            <a:r>
-              <a:rPr lang="en-US" dirty="0" smtClean="0"/>
-              <a:t>pattern</a:t>
+              <a:t>Model–view–controller (MVC) is a software architecture pattern</a:t>
             </a:r>
           </a:p>
           <a:p>
@@ -22962,7 +21675,7 @@
               </a:spcBef>
             </a:pPr>
             <a:r>
-              <a:rPr lang="en-US" dirty="0" smtClean="0"/>
+              <a:rPr lang="en-US" dirty="0"/>
               <a:t>ASP.NET MVC is a great platform for developing Internet applications</a:t>
             </a:r>
           </a:p>
@@ -22973,7 +21686,7 @@
               </a:spcBef>
             </a:pPr>
             <a:r>
-              <a:rPr lang="en-US" dirty="0" smtClean="0"/>
+              <a:rPr lang="en-US" dirty="0"/>
               <a:t>Visual Studio is the main development tool for creating ASP.NET MVC applications</a:t>
             </a:r>
           </a:p>
@@ -22984,7 +21697,7 @@
               </a:spcBef>
             </a:pPr>
             <a:r>
-              <a:rPr lang="en-US" dirty="0" smtClean="0"/>
+              <a:rPr lang="en-US" dirty="0"/>
               <a:t>Almost everything in ASP.NET MVC is a package</a:t>
             </a:r>
           </a:p>
@@ -22995,7 +21708,7 @@
               </a:spcBef>
             </a:pPr>
             <a:r>
-              <a:rPr lang="en-US" dirty="0" smtClean="0"/>
+              <a:rPr lang="en-US" dirty="0"/>
               <a:t>Glimpse is a tool that helps with debugging</a:t>
             </a:r>
           </a:p>
@@ -23040,13 +21753,6 @@
   <p:clrMapOvr>
     <a:masterClrMapping/>
   </p:clrMapOvr>
-  <p:timing>
-    <p:tnLst>
-      <p:par>
-        <p:cTn id="1" dur="indefinite" restart="never" nodeType="tmRoot"/>
-      </p:par>
-    </p:tnLst>
-  </p:timing>
 </p:sld>
 </file>
 
@@ -23084,13 +21790,8 @@
           <a:p>
             <a:r>
               <a:rPr lang="en-US" dirty="0"/>
-              <a:t>Introduction to ASP.NET </a:t>
-            </a:r>
-            <a:r>
-              <a:rPr lang="en-US" dirty="0" smtClean="0"/>
-              <a:t>MVC</a:t>
-            </a:r>
-            <a:endParaRPr lang="en-US" dirty="0"/>
+              <a:t>Introduction to ASP.NET MVC</a:t>
+            </a:r>
           </a:p>
         </p:txBody>
       </p:sp>
@@ -23118,13 +21819,7 @@
               <a:rPr lang="en-US" dirty="0">
                 <a:hlinkClick r:id="rId2"/>
               </a:rPr>
-              <a:t>http</a:t>
-            </a:r>
-            <a:r>
-              <a:rPr lang="en-US" dirty="0" smtClean="0">
-                <a:hlinkClick r:id="rId2"/>
-              </a:rPr>
-              <a:t>://academy.telerik.com</a:t>
+              <a:t>http://academy.telerik.com</a:t>
             </a:r>
             <a:endParaRPr lang="en-US" dirty="0"/>
           </a:p>
@@ -23140,13 +21835,6 @@
   <p:clrMapOvr>
     <a:masterClrMapping/>
   </p:clrMapOvr>
-  <p:timing>
-    <p:tnLst>
-      <p:par>
-        <p:cTn id="1" dur="indefinite" restart="never" nodeType="tmRoot"/>
-      </p:par>
-    </p:tnLst>
-  </p:timing>
 </p:sld>
 </file>
 
@@ -23183,10 +21871,9 @@
           <a:lstStyle/>
           <a:p>
             <a:r>
-              <a:rPr lang="en-US" sz="3600" dirty="0" smtClean="0"/>
+              <a:rPr lang="en-US" sz="3600" dirty="0"/>
               <a:t>Free Trainings @ Telerik Academy</a:t>
             </a:r>
-            <a:endParaRPr lang="en-US" sz="3600" dirty="0"/>
           </a:p>
         </p:txBody>
       </p:sp>
@@ -23211,7 +21898,7 @@
           <a:lstStyle/>
           <a:p>
             <a:r>
-              <a:rPr lang="en-US" dirty="0" smtClean="0"/>
+              <a:rPr lang="en-US" dirty="0"/>
               <a:t>“C# Programming @ Telerik Academy</a:t>
             </a:r>
           </a:p>
@@ -23257,7 +21944,7 @@
               </a:tabLst>
             </a:pPr>
             <a:r>
-              <a:rPr lang="en-US" dirty="0" smtClean="0"/>
+              <a:rPr lang="en-US" dirty="0"/>
               <a:t>Telerik Software Academy</a:t>
             </a:r>
           </a:p>
@@ -23277,12 +21964,12 @@
               </a:tabLst>
             </a:pPr>
             <a:r>
-              <a:rPr lang="en-US" noProof="1" smtClean="0">
+              <a:rPr lang="en-US" noProof="1">
                 <a:hlinkClick r:id="rId3" tooltip="Telerik Software Academy - Free Programming Courses"/>
               </a:rPr>
               <a:t>academy.telerik.com</a:t>
             </a:r>
-            <a:endParaRPr lang="en-US" noProof="1" smtClean="0"/>
+            <a:endParaRPr lang="en-US" noProof="1"/>
           </a:p>
           <a:p>
             <a:pPr marL="282575" lvl="1" indent="-282575">
@@ -23303,7 +21990,7 @@
               </a:tabLst>
             </a:pPr>
             <a:r>
-              <a:rPr lang="en-US" dirty="0" smtClean="0"/>
+              <a:rPr lang="en-US" dirty="0"/>
               <a:t>Telerik Academy @ Facebook</a:t>
             </a:r>
           </a:p>
@@ -23323,12 +22010,12 @@
               </a:tabLst>
             </a:pPr>
             <a:r>
-              <a:rPr lang="en-US" noProof="1" smtClean="0">
+              <a:rPr lang="en-US" noProof="1">
                 <a:hlinkClick r:id="rId4" tooltip="Telerik Softyware Academy @ Facebook"/>
               </a:rPr>
               <a:t>facebook.com/TelerikAcademy</a:t>
             </a:r>
-            <a:endParaRPr lang="en-US" noProof="1" smtClean="0"/>
+            <a:endParaRPr lang="en-US" noProof="1"/>
           </a:p>
           <a:p>
             <a:pPr marL="282575" lvl="1" indent="-282575">
@@ -23349,7 +22036,7 @@
               </a:tabLst>
             </a:pPr>
             <a:r>
-              <a:rPr lang="en-US" dirty="0" smtClean="0"/>
+              <a:rPr lang="en-US" dirty="0"/>
               <a:t>Telerik Software Academy Forums</a:t>
             </a:r>
           </a:p>
@@ -23369,7 +22056,7 @@
               </a:tabLst>
             </a:pPr>
             <a:r>
-              <a:rPr lang="en-US" noProof="1" smtClean="0">
+              <a:rPr lang="en-US" noProof="1">
                 <a:hlinkClick r:id="rId5" tooltip="Telerik Software Academy Forums - Community for Programmers"/>
               </a:rPr>
               <a:t>forums.academy.telerik.com</a:t>
@@ -23629,13 +22316,6 @@
   <p:clrMapOvr>
     <a:masterClrMapping/>
   </p:clrMapOvr>
-  <p:timing>
-    <p:tnLst>
-      <p:par>
-        <p:cTn id="1" dur="indefinite" restart="never" nodeType="tmRoot"/>
-      </p:par>
-    </p:tnLst>
-  </p:timing>
 </p:sld>
 </file>
 
@@ -23672,10 +22352,9 @@
           <a:lstStyle/>
           <a:p>
             <a:r>
-              <a:rPr lang="en-US" dirty="0" smtClean="0"/>
+              <a:rPr lang="en-US" dirty="0"/>
               <a:t>The MVC Design Pattern</a:t>
             </a:r>
-            <a:endParaRPr lang="en-US" dirty="0"/>
           </a:p>
         </p:txBody>
       </p:sp>
@@ -23696,37 +22375,21 @@
           <a:p>
             <a:r>
               <a:rPr lang="en-US" dirty="0"/>
-              <a:t>Model–view–controller (MVC) is a software architecture </a:t>
-            </a:r>
-            <a:r>
-              <a:rPr lang="en-US" dirty="0" smtClean="0"/>
-              <a:t>pattern</a:t>
-            </a:r>
-          </a:p>
-          <a:p>
-            <a:r>
-              <a:rPr lang="en-US" dirty="0" smtClean="0"/>
-              <a:t>Originally </a:t>
-            </a:r>
+              <a:t>Model–view–controller (MVC) is a software architecture pattern</a:t>
+            </a:r>
+          </a:p>
+          <a:p>
             <a:r>
               <a:rPr lang="en-US" dirty="0"/>
-              <a:t>formulated in the late </a:t>
-            </a:r>
-            <a:r>
-              <a:rPr lang="en-US" dirty="0" smtClean="0"/>
-              <a:t>1970</a:t>
-            </a:r>
-            <a:r>
-              <a:rPr lang="en-US" baseline="-25000" dirty="0" smtClean="0"/>
+              <a:t>Originally formulated in the late 1970</a:t>
+            </a:r>
+            <a:r>
+              <a:rPr lang="en-US" baseline="-25000" dirty="0"/>
               <a:t>s</a:t>
             </a:r>
             <a:r>
-              <a:rPr lang="en-US" dirty="0" smtClean="0"/>
-              <a:t> </a:t>
-            </a:r>
-            <a:r>
               <a:rPr lang="en-US" dirty="0"/>
-              <a:t>by </a:t>
+              <a:t> by </a:t>
             </a:r>
             <a:r>
               <a:rPr lang="en-US" dirty="0" err="1"/>
@@ -23742,60 +22405,32 @@
             </a:r>
             <a:r>
               <a:rPr lang="en-US" dirty="0"/>
-              <a:t> </a:t>
-            </a:r>
-            <a:r>
-              <a:rPr lang="en-US" dirty="0" smtClean="0"/>
-              <a:t>as </a:t>
-            </a:r>
+              <a:t> as part of the Smalltalk</a:t>
+            </a:r>
+          </a:p>
+          <a:p>
             <a:r>
               <a:rPr lang="en-US" dirty="0"/>
-              <a:t>part of the </a:t>
-            </a:r>
-            <a:r>
-              <a:rPr lang="en-US" dirty="0" smtClean="0"/>
-              <a:t>Smalltalk</a:t>
-            </a:r>
-          </a:p>
-          <a:p>
-            <a:r>
-              <a:rPr lang="en-US" dirty="0" smtClean="0"/>
-              <a:t>Code </a:t>
-            </a:r>
+              <a:t>Code reusability and separation of concerns</a:t>
+            </a:r>
+          </a:p>
+          <a:p>
             <a:r>
               <a:rPr lang="en-US" dirty="0"/>
-              <a:t>reusability and separation of </a:t>
-            </a:r>
-            <a:r>
-              <a:rPr lang="en-US" dirty="0" smtClean="0"/>
-              <a:t>concerns</a:t>
-            </a:r>
-          </a:p>
-          <a:p>
-            <a:r>
-              <a:rPr lang="en-US" dirty="0" smtClean="0"/>
-              <a:t>Originally </a:t>
-            </a:r>
-            <a:r>
+              <a:t>Originally developed for</a:t>
+            </a:r>
+            <a:br>
               <a:rPr lang="en-US" dirty="0"/>
-              <a:t>developed </a:t>
-            </a:r>
-            <a:r>
-              <a:rPr lang="en-US" dirty="0" smtClean="0"/>
-              <a:t>for</a:t>
+            </a:br>
+            <a:r>
+              <a:rPr lang="en-US" dirty="0"/>
+              <a:t>desktop, then adapted</a:t>
             </a:r>
             <a:br>
-              <a:rPr lang="en-US" dirty="0" smtClean="0"/>
+              <a:rPr lang="en-US" dirty="0"/>
             </a:br>
             <a:r>
-              <a:rPr lang="en-US" dirty="0" smtClean="0"/>
-              <a:t>desktop, then adapted</a:t>
-            </a:r>
-            <a:br>
-              <a:rPr lang="en-US" dirty="0" smtClean="0"/>
-            </a:br>
-            <a:r>
-              <a:rPr lang="en-US" dirty="0" smtClean="0"/>
+              <a:rPr lang="en-US" dirty="0"/>
               <a:t>for internet applications</a:t>
             </a:r>
           </a:p>
@@ -23883,13 +22518,6 @@
   <p:clrMapOvr>
     <a:masterClrMapping/>
   </p:clrMapOvr>
-  <p:timing>
-    <p:tnLst>
-      <p:par>
-        <p:cTn id="1" dur="indefinite" restart="never" nodeType="tmRoot"/>
-      </p:par>
-    </p:tnLst>
-  </p:timing>
 </p:sld>
 </file>
 
@@ -23926,10 +22554,9 @@
           <a:lstStyle/>
           <a:p>
             <a:r>
-              <a:rPr lang="en-US" dirty="0" smtClean="0"/>
+              <a:rPr lang="en-US" dirty="0"/>
               <a:t>Model</a:t>
             </a:r>
-            <a:endParaRPr lang="en-US" dirty="0"/>
           </a:p>
         </p:txBody>
       </p:sp>
@@ -23954,95 +22581,46 @@
           <a:lstStyle/>
           <a:p>
             <a:r>
-              <a:rPr lang="en-US" dirty="0" smtClean="0"/>
-              <a:t>Set </a:t>
-            </a:r>
-            <a:r>
               <a:rPr lang="en-US" dirty="0"/>
-              <a:t>of classes that describes the data </a:t>
-            </a:r>
-            <a:r>
-              <a:rPr lang="en-US" dirty="0" smtClean="0"/>
-              <a:t>we are </a:t>
-            </a:r>
+              <a:t>Set of classes that describes the data we are working with as well as the business</a:t>
+            </a:r>
+          </a:p>
+          <a:p>
             <a:r>
               <a:rPr lang="en-US" dirty="0"/>
-              <a:t>working with as well as the business</a:t>
-            </a:r>
-          </a:p>
-          <a:p>
-            <a:r>
-              <a:rPr lang="en-US" dirty="0" smtClean="0"/>
-              <a:t>Rules </a:t>
-            </a:r>
-            <a:r>
+              <a:t>Rules for how the data can be</a:t>
+            </a:r>
+            <a:br>
               <a:rPr lang="en-US" dirty="0"/>
-              <a:t>for how the data can </a:t>
-            </a:r>
-            <a:r>
-              <a:rPr lang="en-US" dirty="0" smtClean="0"/>
-              <a:t>be</a:t>
-            </a:r>
-            <a:br>
-              <a:rPr lang="en-US" dirty="0" smtClean="0"/>
             </a:br>
             <a:r>
-              <a:rPr lang="en-US" dirty="0" smtClean="0"/>
+              <a:rPr lang="en-US" dirty="0"/>
               <a:t>changed and manipulated</a:t>
             </a:r>
           </a:p>
           <a:p>
             <a:r>
-              <a:rPr lang="en-US" dirty="0" smtClean="0"/>
+              <a:rPr lang="en-US" dirty="0"/>
               <a:t>May contain data validation rules</a:t>
             </a:r>
           </a:p>
           <a:p>
             <a:r>
-              <a:rPr lang="en-US" dirty="0" smtClean="0"/>
-              <a:t>Often </a:t>
-            </a:r>
-            <a:r>
               <a:rPr lang="en-US" dirty="0"/>
-              <a:t>encapsulate data stored in a database as well as code used </a:t>
-            </a:r>
-            <a:r>
-              <a:rPr lang="en-US" dirty="0" smtClean="0"/>
-              <a:t>to manipulate the data</a:t>
-            </a:r>
-          </a:p>
-          <a:p>
-            <a:r>
-              <a:rPr lang="en-US" dirty="0" smtClean="0"/>
-              <a:t>Most </a:t>
-            </a:r>
+              <a:t>Often encapsulate data stored in a database as well as code used to manipulate the data</a:t>
+            </a:r>
+          </a:p>
+          <a:p>
             <a:r>
               <a:rPr lang="en-US" dirty="0"/>
-              <a:t>likely </a:t>
-            </a:r>
-            <a:r>
-              <a:rPr lang="en-US" dirty="0" smtClean="0"/>
-              <a:t>a Data </a:t>
-            </a:r>
+              <a:t>Most likely a Data Access Layer of some kind</a:t>
+            </a:r>
+          </a:p>
+          <a:p>
             <a:r>
               <a:rPr lang="en-US" dirty="0"/>
-              <a:t>Access Layer of some </a:t>
-            </a:r>
-            <a:r>
-              <a:rPr lang="en-US" dirty="0" smtClean="0"/>
-              <a:t>kind</a:t>
-            </a:r>
-          </a:p>
-          <a:p>
-            <a:r>
-              <a:rPr lang="en-US" dirty="0"/>
-              <a:t>Apart from giving the data objects, it doesn't have significance in the </a:t>
-            </a:r>
-            <a:r>
-              <a:rPr lang="en-US" dirty="0" smtClean="0"/>
-              <a:t>framework</a:t>
-            </a:r>
-            <a:endParaRPr lang="en-US" dirty="0"/>
+              <a:t>Apart from giving the data objects, it doesn't have significance in the framework</a:t>
+            </a:r>
           </a:p>
         </p:txBody>
       </p:sp>
@@ -24085,13 +22663,6 @@
   <p:clrMapOvr>
     <a:masterClrMapping/>
   </p:clrMapOvr>
-  <p:timing>
-    <p:tnLst>
-      <p:par>
-        <p:cTn id="1" dur="indefinite" restart="never" nodeType="tmRoot"/>
-      </p:par>
-    </p:tnLst>
-  </p:timing>
 </p:sld>
 </file>
 
@@ -24128,10 +22699,9 @@
           <a:lstStyle/>
           <a:p>
             <a:r>
-              <a:rPr lang="en-US" dirty="0" smtClean="0"/>
+              <a:rPr lang="en-US" dirty="0"/>
               <a:t>View</a:t>
             </a:r>
-            <a:endParaRPr lang="en-US" dirty="0"/>
           </a:p>
         </p:txBody>
       </p:sp>
@@ -24156,46 +22726,21 @@
           <a:lstStyle/>
           <a:p>
             <a:r>
-              <a:rPr lang="en-US" dirty="0" smtClean="0"/>
-              <a:t>Defines </a:t>
-            </a:r>
-            <a:r>
               <a:rPr lang="en-US" dirty="0"/>
-              <a:t>how the application’s user interface (UI) will be </a:t>
-            </a:r>
-            <a:r>
-              <a:rPr lang="en-US" dirty="0" smtClean="0"/>
-              <a:t>displayed</a:t>
-            </a:r>
-          </a:p>
-          <a:p>
-            <a:r>
-              <a:rPr lang="en-US" dirty="0" smtClean="0"/>
-              <a:t>May </a:t>
-            </a:r>
+              <a:t>Defines how the application’s user interface (UI) will be displayed</a:t>
+            </a:r>
+          </a:p>
+          <a:p>
             <a:r>
               <a:rPr lang="en-US" dirty="0"/>
-              <a:t>support master views (layouts) and sub-views (partial views or controls</a:t>
-            </a:r>
-            <a:r>
-              <a:rPr lang="en-US" dirty="0" smtClean="0"/>
-              <a:t>)</a:t>
-            </a:r>
-          </a:p>
-          <a:p>
-            <a:r>
-              <a:rPr lang="en-US" dirty="0" smtClean="0"/>
-              <a:t>Web: Template </a:t>
-            </a:r>
+              <a:t>May support master views (layouts) and sub-views (partial views or controls)</a:t>
+            </a:r>
+          </a:p>
+          <a:p>
             <a:r>
               <a:rPr lang="en-US" dirty="0"/>
-              <a:t>to dynamically generate </a:t>
-            </a:r>
-            <a:r>
-              <a:rPr lang="en-US" dirty="0" smtClean="0"/>
-              <a:t>HTML</a:t>
-            </a:r>
-            <a:endParaRPr lang="en-US" dirty="0"/>
+              <a:t>Web: Template to dynamically generate HTML</a:t>
+            </a:r>
           </a:p>
           <a:p>
             <a:endParaRPr lang="en-US" dirty="0"/>
@@ -24291,13 +22836,6 @@
   <p:clrMapOvr>
     <a:masterClrMapping/>
   </p:clrMapOvr>
-  <p:timing>
-    <p:tnLst>
-      <p:par>
-        <p:cTn id="1" dur="indefinite" restart="never" nodeType="tmRoot"/>
-      </p:par>
-    </p:tnLst>
-  </p:timing>
 </p:sld>
 </file>
 
@@ -24334,10 +22872,9 @@
           <a:lstStyle/>
           <a:p>
             <a:r>
-              <a:rPr lang="en-US" dirty="0" smtClean="0"/>
+              <a:rPr lang="en-US" dirty="0"/>
               <a:t>Controller</a:t>
             </a:r>
-            <a:endParaRPr lang="en-US" dirty="0"/>
           </a:p>
         </p:txBody>
       </p:sp>
@@ -24362,66 +22899,46 @@
           <a:lstStyle/>
           <a:p>
             <a:r>
-              <a:rPr lang="en-US" dirty="0" smtClean="0"/>
+              <a:rPr lang="en-US" dirty="0"/>
               <a:t>The core MVC component</a:t>
             </a:r>
           </a:p>
           <a:p>
             <a:r>
-              <a:rPr lang="en-US" dirty="0" smtClean="0"/>
+              <a:rPr lang="en-US" dirty="0"/>
               <a:t>Process the requests with the help of views and models</a:t>
             </a:r>
           </a:p>
           <a:p>
             <a:r>
               <a:rPr lang="en-US" dirty="0"/>
-              <a:t>A set of classes that </a:t>
-            </a:r>
-            <a:r>
-              <a:rPr lang="en-US" dirty="0" smtClean="0"/>
-              <a:t>handles</a:t>
+              <a:t>A set of classes that handles</a:t>
             </a:r>
           </a:p>
           <a:p>
             <a:pPr lvl="1"/>
             <a:r>
               <a:rPr lang="en-US" dirty="0"/>
-              <a:t>C</a:t>
-            </a:r>
-            <a:r>
-              <a:rPr lang="en-US" dirty="0" smtClean="0"/>
-              <a:t>ommunication </a:t>
-            </a:r>
+              <a:t>Communication from the user</a:t>
+            </a:r>
+          </a:p>
+          <a:p>
+            <a:pPr lvl="1"/>
             <a:r>
               <a:rPr lang="en-US" dirty="0"/>
-              <a:t>from the </a:t>
-            </a:r>
-            <a:r>
-              <a:rPr lang="en-US" dirty="0" smtClean="0"/>
-              <a:t>user</a:t>
+              <a:t>Overall application flow</a:t>
             </a:r>
           </a:p>
           <a:p>
             <a:pPr lvl="1"/>
             <a:r>
-              <a:rPr lang="en-US" dirty="0" smtClean="0"/>
-              <a:t>Overall application flow</a:t>
-            </a:r>
-          </a:p>
-          <a:p>
-            <a:pPr lvl="1"/>
-            <a:r>
-              <a:rPr lang="en-US" dirty="0" smtClean="0"/>
-              <a:t>Application-specific </a:t>
-            </a:r>
-            <a:r>
               <a:rPr lang="en-US" dirty="0"/>
-              <a:t>logic</a:t>
-            </a:r>
-          </a:p>
-          <a:p>
-            <a:r>
-              <a:rPr lang="en-US" dirty="0" smtClean="0"/>
+              <a:t>Application-specific logic</a:t>
+            </a:r>
+          </a:p>
+          <a:p>
+            <a:r>
+              <a:rPr lang="en-US" dirty="0"/>
               <a:t>Every controller has one or more "Actions"</a:t>
             </a:r>
           </a:p>
@@ -24515,13 +23032,6 @@
   <p:clrMapOvr>
     <a:masterClrMapping/>
   </p:clrMapOvr>
-  <p:timing>
-    <p:tnLst>
-      <p:par>
-        <p:cTn id="1" dur="indefinite" restart="never" nodeType="tmRoot"/>
-      </p:par>
-    </p:tnLst>
-  </p:timing>
 </p:sld>
 </file>
 
@@ -24558,10 +23068,9 @@
           <a:lstStyle/>
           <a:p>
             <a:r>
-              <a:rPr lang="en-US" dirty="0" smtClean="0"/>
+              <a:rPr lang="en-US" dirty="0"/>
               <a:t>MVC Steps</a:t>
             </a:r>
-            <a:endParaRPr lang="en-US" dirty="0"/>
           </a:p>
         </p:txBody>
       </p:sp>
@@ -24600,35 +23109,6 @@
               <a:t> to </a:t>
             </a:r>
             <a:r>
-              <a:rPr lang="en-US" dirty="0" smtClean="0">
-                <a:solidFill>
-                  <a:srgbClr val="FF9933"/>
-                </a:solidFill>
-              </a:rPr>
-              <a:t>Controller</a:t>
-            </a:r>
-          </a:p>
-          <a:p>
-            <a:pPr lvl="1"/>
-            <a:r>
-              <a:rPr lang="en-US" sz="3000" dirty="0" smtClean="0">
-                <a:solidFill>
-                  <a:srgbClr val="EBFFD2"/>
-                </a:solidFill>
-              </a:rPr>
-              <a:t>For </a:t>
-            </a:r>
-            <a:r>
-              <a:rPr lang="en-US" sz="3000" dirty="0">
-                <a:solidFill>
-                  <a:srgbClr val="EBFFD2"/>
-                </a:solidFill>
-              </a:rPr>
-              <a:t>web: HTTP request</a:t>
-            </a:r>
-          </a:p>
-          <a:p>
-            <a:r>
               <a:rPr lang="en-US" dirty="0">
                 <a:solidFill>
                   <a:srgbClr val="FF9933"/>
@@ -24636,39 +23116,31 @@
               </a:rPr>
               <a:t>Controller</a:t>
             </a:r>
-            <a:r>
-              <a:rPr lang="en-US" dirty="0"/>
-              <a:t> processes request and creates presentation </a:t>
-            </a:r>
-            <a:r>
-              <a:rPr lang="en-US" dirty="0" smtClean="0">
-                <a:solidFill>
-                  <a:srgbClr val="FF9933"/>
-                </a:solidFill>
-              </a:rPr>
-              <a:t>Model</a:t>
-            </a:r>
           </a:p>
           <a:p>
             <a:pPr lvl="1"/>
-            <a:r>
-              <a:rPr lang="en-US" sz="3000" dirty="0" smtClean="0">
-                <a:solidFill>
-                  <a:srgbClr val="EBFFD2"/>
-                </a:solidFill>
-              </a:rPr>
-              <a:t>Controller </a:t>
-            </a:r>
             <a:r>
               <a:rPr lang="en-US" sz="3000" dirty="0">
                 <a:solidFill>
                   <a:srgbClr val="EBFFD2"/>
                 </a:solidFill>
               </a:rPr>
-              <a:t>also selects appropriate result (view)</a:t>
-            </a:r>
-          </a:p>
-          <a:p>
+              <a:t>For web: HTTP request</a:t>
+            </a:r>
+          </a:p>
+          <a:p>
+            <a:r>
+              <a:rPr lang="en-US" dirty="0">
+                <a:solidFill>
+                  <a:srgbClr val="FF9933"/>
+                </a:solidFill>
+              </a:rPr>
+              <a:t>Controller</a:t>
+            </a:r>
+            <a:r>
+              <a:rPr lang="en-US" dirty="0"/>
+              <a:t> processes request and creates presentation </a:t>
+            </a:r>
             <a:r>
               <a:rPr lang="en-US" dirty="0">
                 <a:solidFill>
@@ -24677,6 +23149,27 @@
               </a:rPr>
               <a:t>Model</a:t>
             </a:r>
+          </a:p>
+          <a:p>
+            <a:pPr lvl="1"/>
+            <a:r>
+              <a:rPr lang="en-US" sz="3000" dirty="0">
+                <a:solidFill>
+                  <a:srgbClr val="EBFFD2"/>
+                </a:solidFill>
+              </a:rPr>
+              <a:t>Controller also selects appropriate result (view)</a:t>
+            </a:r>
+          </a:p>
+          <a:p>
+            <a:r>
+              <a:rPr lang="en-US" dirty="0">
+                <a:solidFill>
+                  <a:srgbClr val="FF9933"/>
+                </a:solidFill>
+              </a:rPr>
+              <a:t>Model</a:t>
+            </a:r>
             <a:r>
               <a:rPr lang="en-US" dirty="0"/>
               <a:t> is passed to </a:t>
@@ -24713,11 +23206,7 @@
             </a:r>
             <a:r>
               <a:rPr lang="en-US" dirty="0"/>
-              <a:t> into appropriate output </a:t>
-            </a:r>
-            <a:r>
-              <a:rPr lang="en-US" dirty="0" smtClean="0"/>
-              <a:t>format (HTML)</a:t>
+              <a:t> into appropriate output format (HTML)</a:t>
             </a:r>
             <a:endParaRPr lang="en-US" dirty="0">
               <a:solidFill>
@@ -24728,11 +23217,7 @@
           <a:p>
             <a:r>
               <a:rPr lang="en-US" dirty="0"/>
-              <a:t>Response is </a:t>
-            </a:r>
-            <a:r>
-              <a:rPr lang="en-US" dirty="0" smtClean="0"/>
-              <a:t>rendered (HTTP Response)</a:t>
+              <a:t>Response is rendered (HTTP Response)</a:t>
             </a:r>
             <a:endParaRPr lang="en-US" dirty="0">
               <a:solidFill>
@@ -24781,13 +23266,6 @@
   <p:clrMapOvr>
     <a:masterClrMapping/>
   </p:clrMapOvr>
-  <p:timing>
-    <p:tnLst>
-      <p:par>
-        <p:cTn id="1" dur="indefinite" restart="never" nodeType="tmRoot"/>
-      </p:par>
-    </p:tnLst>
-  </p:timing>
 </p:sld>
 </file>
 
@@ -24824,10 +23302,9 @@
           <a:lstStyle/>
           <a:p>
             <a:r>
-              <a:rPr lang="en-US" dirty="0" smtClean="0"/>
+              <a:rPr lang="en-US" dirty="0"/>
               <a:t>The MVC Pattern for Web</a:t>
             </a:r>
-            <a:endParaRPr lang="en-US" dirty="0"/>
           </a:p>
         </p:txBody>
       </p:sp>
@@ -24895,7 +23372,7 @@
           <a:p>
             <a:pPr algn="ctr"/>
             <a:r>
-              <a:rPr lang="en-US" sz="2800" b="1" dirty="0" smtClean="0">
+              <a:rPr lang="en-US" sz="2800" b="1" dirty="0">
                 <a:ln w="9525">
                   <a:solidFill>
                     <a:schemeClr val="bg1"/>
@@ -24971,7 +23448,7 @@
           <a:p>
             <a:pPr algn="ctr"/>
             <a:r>
-              <a:rPr lang="en-US" sz="3600" b="1" dirty="0" smtClean="0">
+              <a:rPr lang="en-US" sz="3600" b="1" dirty="0">
                 <a:ln w="9525">
                   <a:solidFill>
                     <a:schemeClr val="bg1"/>
@@ -24991,24 +23468,6 @@
               </a:rPr>
               <a:t>Controller</a:t>
             </a:r>
-            <a:endParaRPr lang="en-US" sz="3600" b="1" dirty="0">
-              <a:ln w="9525">
-                <a:solidFill>
-                  <a:schemeClr val="bg1"/>
-                </a:solidFill>
-                <a:prstDash val="solid"/>
-              </a:ln>
-              <a:solidFill>
-                <a:schemeClr val="tx1"/>
-              </a:solidFill>
-              <a:effectLst>
-                <a:outerShdw blurRad="12700" dist="38100" dir="2700000" algn="tl" rotWithShape="0">
-                  <a:schemeClr val="bg1">
-                    <a:lumMod val="50000"/>
-                  </a:schemeClr>
-                </a:outerShdw>
-              </a:effectLst>
-            </a:endParaRPr>
           </a:p>
         </p:txBody>
       </p:sp>
@@ -25036,7 +23495,7 @@
           <a:p>
             <a:pPr algn="ctr"/>
             <a:r>
-              <a:rPr lang="en-US" sz="2200" b="1" cap="none" spc="0" dirty="0" smtClean="0">
+              <a:rPr lang="en-US" sz="2200" b="1" cap="none" spc="0" dirty="0">
                 <a:ln w="9525">
                   <a:solidFill>
                     <a:schemeClr val="bg1"/>
@@ -25078,7 +23537,7 @@
               <a:t>R</a:t>
             </a:r>
             <a:r>
-              <a:rPr lang="en-US" sz="2400" b="1" cap="none" spc="0" dirty="0" smtClean="0">
+              <a:rPr lang="en-US" sz="2400" b="1" cap="none" spc="0" dirty="0">
                 <a:ln w="9525">
                   <a:solidFill>
                     <a:schemeClr val="bg1"/>
@@ -25154,7 +23613,7 @@
           <a:p>
             <a:pPr algn="ctr"/>
             <a:r>
-              <a:rPr lang="en-US" sz="3600" b="1" dirty="0" smtClean="0">
+              <a:rPr lang="en-US" sz="3600" b="1" dirty="0">
                 <a:ln w="9525">
                   <a:solidFill>
                     <a:schemeClr val="bg1"/>
@@ -25174,24 +23633,6 @@
               </a:rPr>
               <a:t>Front controller (dispatcher)</a:t>
             </a:r>
-            <a:endParaRPr lang="en-US" sz="3600" b="1" dirty="0">
-              <a:ln w="9525">
-                <a:solidFill>
-                  <a:schemeClr val="bg1"/>
-                </a:solidFill>
-                <a:prstDash val="solid"/>
-              </a:ln>
-              <a:solidFill>
-                <a:schemeClr val="tx1"/>
-              </a:solidFill>
-              <a:effectLst>
-                <a:outerShdw blurRad="12700" dist="38100" dir="2700000" algn="tl" rotWithShape="0">
-                  <a:schemeClr val="bg1">
-                    <a:lumMod val="50000"/>
-                  </a:schemeClr>
-                </a:outerShdw>
-              </a:effectLst>
-            </a:endParaRPr>
           </a:p>
         </p:txBody>
       </p:sp>
@@ -25285,7 +23726,7 @@
           <a:p>
             <a:pPr algn="ctr"/>
             <a:r>
-              <a:rPr lang="en-US" sz="3600" b="1" dirty="0" smtClean="0">
+              <a:rPr lang="en-US" sz="3600" b="1" dirty="0">
                 <a:ln w="9525">
                   <a:solidFill>
                     <a:schemeClr val="bg1"/>
@@ -25305,24 +23746,6 @@
               </a:rPr>
               <a:t>Model (data)</a:t>
             </a:r>
-            <a:endParaRPr lang="en-US" sz="3600" b="1" dirty="0">
-              <a:ln w="9525">
-                <a:solidFill>
-                  <a:schemeClr val="bg1"/>
-                </a:solidFill>
-                <a:prstDash val="solid"/>
-              </a:ln>
-              <a:solidFill>
-                <a:schemeClr val="tx1"/>
-              </a:solidFill>
-              <a:effectLst>
-                <a:outerShdw blurRad="12700" dist="38100" dir="2700000" algn="tl" rotWithShape="0">
-                  <a:schemeClr val="bg1">
-                    <a:lumMod val="50000"/>
-                  </a:schemeClr>
-                </a:outerShdw>
-              </a:effectLst>
-            </a:endParaRPr>
           </a:p>
         </p:txBody>
       </p:sp>
@@ -25361,7 +23784,7 @@
           <a:p>
             <a:pPr algn="ctr"/>
             <a:r>
-              <a:rPr lang="en-US" sz="3600" b="1" dirty="0" smtClean="0">
+              <a:rPr lang="en-US" sz="3600" b="1" dirty="0">
                 <a:ln w="9525">
                   <a:solidFill>
                     <a:schemeClr val="bg1"/>
@@ -25385,7 +23808,7 @@
           <a:p>
             <a:pPr algn="ctr"/>
             <a:r>
-              <a:rPr lang="en-US" sz="3600" b="1" dirty="0" smtClean="0">
+              <a:rPr lang="en-US" sz="3600" b="1" dirty="0">
                 <a:ln w="9525">
                   <a:solidFill>
                     <a:schemeClr val="bg1"/>
@@ -25405,24 +23828,6 @@
               </a:rPr>
               <a:t>(render UI)</a:t>
             </a:r>
-            <a:endParaRPr lang="en-US" sz="3600" b="1" dirty="0">
-              <a:ln w="9525">
-                <a:solidFill>
-                  <a:schemeClr val="bg1"/>
-                </a:solidFill>
-                <a:prstDash val="solid"/>
-              </a:ln>
-              <a:solidFill>
-                <a:schemeClr val="tx1"/>
-              </a:solidFill>
-              <a:effectLst>
-                <a:outerShdw blurRad="12700" dist="38100" dir="2700000" algn="tl" rotWithShape="0">
-                  <a:schemeClr val="bg1">
-                    <a:lumMod val="50000"/>
-                  </a:schemeClr>
-                </a:outerShdw>
-              </a:effectLst>
-            </a:endParaRPr>
           </a:p>
         </p:txBody>
       </p:sp>
@@ -25562,7 +23967,7 @@
           <a:p>
             <a:pPr algn="ctr"/>
             <a:r>
-              <a:rPr lang="en-US" sz="2400" b="1" cap="none" spc="0" dirty="0" smtClean="0">
+              <a:rPr lang="en-US" sz="2400" b="1" cap="none" spc="0" dirty="0">
                 <a:ln w="9525">
                   <a:solidFill>
                     <a:schemeClr val="bg1"/>
@@ -25792,7 +24197,7 @@
           <a:p>
             <a:pPr algn="ctr"/>
             <a:r>
-              <a:rPr lang="en-US" sz="2200" b="1" cap="none" spc="0" dirty="0" smtClean="0">
+              <a:rPr lang="en-US" sz="2200" b="1" cap="none" spc="0" dirty="0">
                 <a:ln w="9525">
                   <a:solidFill>
                     <a:schemeClr val="bg1"/>
@@ -25813,7 +24218,7 @@
               <a:t>HTTP </a:t>
             </a:r>
             <a:r>
-              <a:rPr lang="en-US" sz="2400" b="1" dirty="0" smtClean="0">
+              <a:rPr lang="en-US" sz="2400" b="1" dirty="0">
                 <a:ln w="9525">
                   <a:solidFill>
                     <a:schemeClr val="bg1"/>
@@ -25878,7 +24283,7 @@
           <a:p>
             <a:pPr algn="ctr"/>
             <a:r>
-              <a:rPr lang="en-US" sz="2200" b="1" cap="none" spc="0" dirty="0" smtClean="0">
+              <a:rPr lang="en-US" sz="2200" b="1" cap="none" spc="0" dirty="0">
                 <a:ln w="9525">
                   <a:solidFill>
                     <a:schemeClr val="bg1"/>
@@ -25898,24 +24303,6 @@
               </a:rPr>
               <a:t>Delegate request</a:t>
             </a:r>
-            <a:endParaRPr lang="en-US" sz="2200" b="1" cap="none" spc="0" dirty="0">
-              <a:ln w="9525">
-                <a:solidFill>
-                  <a:schemeClr val="bg1"/>
-                </a:solidFill>
-                <a:prstDash val="solid"/>
-              </a:ln>
-              <a:solidFill>
-                <a:schemeClr val="tx1"/>
-              </a:solidFill>
-              <a:effectLst>
-                <a:outerShdw blurRad="12700" dist="38100" dir="2700000" algn="tl" rotWithShape="0">
-                  <a:schemeClr val="bg1">
-                    <a:lumMod val="50000"/>
-                  </a:schemeClr>
-                </a:outerShdw>
-              </a:effectLst>
-            </a:endParaRPr>
           </a:p>
         </p:txBody>
       </p:sp>
@@ -25943,7 +24330,7 @@
           <a:p>
             <a:pPr algn="ctr"/>
             <a:r>
-              <a:rPr lang="en-US" sz="2200" b="1" cap="none" spc="0" dirty="0" smtClean="0">
+              <a:rPr lang="en-US" sz="2200" b="1" cap="none" spc="0" dirty="0">
                 <a:ln w="9525">
                   <a:solidFill>
                     <a:schemeClr val="bg1"/>
@@ -25964,7 +24351,7 @@
               <a:t>Select view &amp;</a:t>
             </a:r>
             <a:br>
-              <a:rPr lang="en-US" sz="2200" b="1" cap="none" spc="0" dirty="0" smtClean="0">
+              <a:rPr lang="en-US" sz="2200" b="1" cap="none" spc="0" dirty="0">
                 <a:ln w="9525">
                   <a:solidFill>
                     <a:schemeClr val="bg1"/>
@@ -25984,7 +24371,7 @@
               </a:rPr>
             </a:br>
             <a:r>
-              <a:rPr lang="en-US" sz="2200" b="1" cap="none" spc="0" dirty="0" smtClean="0">
+              <a:rPr lang="en-US" sz="2200" b="1" cap="none" spc="0" dirty="0">
                 <a:ln w="9525">
                   <a:solidFill>
                     <a:schemeClr val="bg1"/>
@@ -26004,24 +24391,6 @@
               </a:rPr>
               <a:t>pass data</a:t>
             </a:r>
-            <a:endParaRPr lang="en-US" sz="2200" b="1" cap="none" spc="0" dirty="0">
-              <a:ln w="9525">
-                <a:solidFill>
-                  <a:schemeClr val="bg1"/>
-                </a:solidFill>
-                <a:prstDash val="solid"/>
-              </a:ln>
-              <a:solidFill>
-                <a:schemeClr val="tx1"/>
-              </a:solidFill>
-              <a:effectLst>
-                <a:outerShdw blurRad="12700" dist="38100" dir="2700000" algn="tl" rotWithShape="0">
-                  <a:schemeClr val="bg1">
-                    <a:lumMod val="50000"/>
-                  </a:schemeClr>
-                </a:outerShdw>
-              </a:effectLst>
-            </a:endParaRPr>
           </a:p>
         </p:txBody>
       </p:sp>
@@ -26049,7 +24418,7 @@
           <a:p>
             <a:pPr algn="ctr"/>
             <a:r>
-              <a:rPr lang="en-US" sz="2200" b="1" cap="none" spc="0" dirty="0" smtClean="0">
+              <a:rPr lang="en-US" sz="2200" b="1" cap="none" spc="0" dirty="0">
                 <a:ln w="9525">
                   <a:solidFill>
                     <a:schemeClr val="bg1"/>
@@ -26069,24 +24438,6 @@
               </a:rPr>
               <a:t>Use model data</a:t>
             </a:r>
-            <a:endParaRPr lang="en-US" sz="2200" b="1" cap="none" spc="0" dirty="0">
-              <a:ln w="9525">
-                <a:solidFill>
-                  <a:schemeClr val="bg1"/>
-                </a:solidFill>
-                <a:prstDash val="solid"/>
-              </a:ln>
-              <a:solidFill>
-                <a:schemeClr val="tx1"/>
-              </a:solidFill>
-              <a:effectLst>
-                <a:outerShdw blurRad="12700" dist="38100" dir="2700000" algn="tl" rotWithShape="0">
-                  <a:schemeClr val="bg1">
-                    <a:lumMod val="50000"/>
-                  </a:schemeClr>
-                </a:outerShdw>
-              </a:effectLst>
-            </a:endParaRPr>
           </a:p>
         </p:txBody>
       </p:sp>
@@ -26114,7 +24465,7 @@
           <a:p>
             <a:pPr algn="ctr"/>
             <a:r>
-              <a:rPr lang="en-US" sz="2200" b="1" cap="none" spc="0" dirty="0" smtClean="0">
+              <a:rPr lang="en-US" sz="2200" b="1" cap="none" spc="0" dirty="0">
                 <a:ln w="9525">
                   <a:solidFill>
                     <a:schemeClr val="bg1"/>
@@ -26134,24 +24485,6 @@
               </a:rPr>
               <a:t>CRUD model</a:t>
             </a:r>
-            <a:endParaRPr lang="en-US" sz="2200" b="1" cap="none" spc="0" dirty="0">
-              <a:ln w="9525">
-                <a:solidFill>
-                  <a:schemeClr val="bg1"/>
-                </a:solidFill>
-                <a:prstDash val="solid"/>
-              </a:ln>
-              <a:solidFill>
-                <a:schemeClr val="tx1"/>
-              </a:solidFill>
-              <a:effectLst>
-                <a:outerShdw blurRad="12700" dist="38100" dir="2700000" algn="tl" rotWithShape="0">
-                  <a:schemeClr val="bg1">
-                    <a:lumMod val="50000"/>
-                  </a:schemeClr>
-                </a:outerShdw>
-              </a:effectLst>
-            </a:endParaRPr>
           </a:p>
         </p:txBody>
       </p:sp>
@@ -26165,14 +24498,6 @@
   <p:clrMapOvr>
     <a:masterClrMapping/>
   </p:clrMapOvr>
-  <mc:AlternateContent xmlns:mc="http://schemas.openxmlformats.org/markup-compatibility/2006" xmlns:p14="http://schemas.microsoft.com/office/powerpoint/2010/main">
-    <mc:Choice Requires="p14">
-      <p:transition spd="slow" p14:dur="2000"/>
-    </mc:Choice>
-    <mc:Fallback xmlns="">
-      <p:transition spd="slow"/>
-    </mc:Fallback>
-  </mc:AlternateContent>
   <p:timing>
     <p:tnLst>
       <p:par>
